--- a/streams/docs/induction-state-2012/figures/fission-induction.pptx
+++ b/streams/docs/induction-state-2012/figures/fission-induction.pptx
@@ -199,7 +199,7 @@
             <a:fld id="{D6533938-991C-4101-B477-6C06EA2D34CE}" type="datetimeFigureOut">
               <a:rPr lang="en-US" smtClean="0"/>
               <a:pPr/>
-              <a:t>3/22/2012</a:t>
+              <a:t>3/23/12</a:t>
             </a:fld>
             <a:endParaRPr lang="en-US"/>
           </a:p>
@@ -273,6 +273,11 @@
         </p:txBody>
       </p:sp>
     </p:spTree>
+    <p:extLst>
+      <p:ext uri="{BB962C8B-B14F-4D97-AF65-F5344CB8AC3E}">
+        <p14:creationId xmlns:p14="http://schemas.microsoft.com/office/powerpoint/2010/main" val="514844842"/>
+      </p:ext>
+    </p:extLst>
   </p:cSld>
   <p:clrMap bg1="lt1" tx1="dk1" bg2="lt2" tx2="dk2" accent1="accent1" accent2="accent2" accent3="accent3" accent4="accent4" accent5="accent5" accent6="accent6" hlink="hlink" folHlink="folHlink"/>
 </p:handoutMaster>
@@ -361,7 +366,7 @@
             <a:fld id="{091C2A66-BC0F-40E7-AC34-159177E24112}" type="datetimeFigureOut">
               <a:rPr lang="en-US" smtClean="0"/>
               <a:pPr/>
-              <a:t>3/22/2012</a:t>
+              <a:t>3/23/12</a:t>
             </a:fld>
             <a:endParaRPr lang="en-US"/>
           </a:p>
@@ -530,6 +535,11 @@
         </p:txBody>
       </p:sp>
     </p:spTree>
+    <p:extLst>
+      <p:ext uri="{BB962C8B-B14F-4D97-AF65-F5344CB8AC3E}">
+        <p14:creationId xmlns:p14="http://schemas.microsoft.com/office/powerpoint/2010/main" val="782421723"/>
+      </p:ext>
+    </p:extLst>
   </p:cSld>
   <p:clrMap bg1="lt1" tx1="dk1" bg2="lt2" tx2="dk2" accent1="accent1" accent2="accent2" accent3="accent3" accent4="accent4" accent5="accent5" accent6="accent6" hlink="hlink" folHlink="folHlink"/>
   <p:notesStyle>
@@ -654,7 +664,12 @@
             <p:ph type="sldImg"/>
           </p:nvPr>
         </p:nvSpPr>
-        <p:spPr/>
+        <p:spPr>
+          <a:xfrm>
+            <a:off x="1143000" y="685800"/>
+            <a:ext cx="4572000" cy="3429000"/>
+          </a:xfrm>
+        </p:spPr>
       </p:sp>
       <p:sp>
         <p:nvSpPr>
@@ -736,7 +751,12 @@
             <p:ph type="sldImg"/>
           </p:nvPr>
         </p:nvSpPr>
-        <p:spPr/>
+        <p:spPr>
+          <a:xfrm>
+            <a:off x="1143000" y="685800"/>
+            <a:ext cx="4572000" cy="3429000"/>
+          </a:xfrm>
+        </p:spPr>
       </p:sp>
       <p:sp>
         <p:nvSpPr>
@@ -820,7 +840,7 @@
         </p:nvSpPr>
         <p:spPr>
           <a:xfrm>
-            <a:off x="685800" y="2130425"/>
+            <a:off x="685800" y="2130427"/>
             <a:ext cx="7772400" cy="1470025"/>
           </a:xfrm>
         </p:spPr>
@@ -973,7 +993,7 @@
             <a:fld id="{132E68CD-F5A8-4944-A4F2-71B895E02366}" type="datetimeFigureOut">
               <a:rPr lang="en-US" smtClean="0"/>
               <a:pPr/>
-              <a:t>3/22/2012</a:t>
+              <a:t>3/23/12</a:t>
             </a:fld>
             <a:endParaRPr lang="en-US"/>
           </a:p>
@@ -1140,7 +1160,7 @@
             <a:fld id="{132E68CD-F5A8-4944-A4F2-71B895E02366}" type="datetimeFigureOut">
               <a:rPr lang="en-US" smtClean="0"/>
               <a:pPr/>
-              <a:t>3/22/2012</a:t>
+              <a:t>3/23/12</a:t>
             </a:fld>
             <a:endParaRPr lang="en-US"/>
           </a:p>
@@ -1226,7 +1246,7 @@
         </p:nvSpPr>
         <p:spPr>
           <a:xfrm>
-            <a:off x="6629400" y="274638"/>
+            <a:off x="6629400" y="274639"/>
             <a:ext cx="2057400" cy="5851525"/>
           </a:xfrm>
         </p:spPr>
@@ -1254,7 +1274,7 @@
         </p:nvSpPr>
         <p:spPr>
           <a:xfrm>
-            <a:off x="457200" y="274638"/>
+            <a:off x="457200" y="274639"/>
             <a:ext cx="6019800" cy="5851525"/>
           </a:xfrm>
         </p:spPr>
@@ -1317,7 +1337,7 @@
             <a:fld id="{132E68CD-F5A8-4944-A4F2-71B895E02366}" type="datetimeFigureOut">
               <a:rPr lang="en-US" smtClean="0"/>
               <a:pPr/>
-              <a:t>3/22/2012</a:t>
+              <a:t>3/23/12</a:t>
             </a:fld>
             <a:endParaRPr lang="en-US"/>
           </a:p>
@@ -1484,7 +1504,7 @@
             <a:fld id="{132E68CD-F5A8-4944-A4F2-71B895E02366}" type="datetimeFigureOut">
               <a:rPr lang="en-US" smtClean="0"/>
               <a:pPr/>
-              <a:t>3/22/2012</a:t>
+              <a:t>3/23/12</a:t>
             </a:fld>
             <a:endParaRPr lang="en-US"/>
           </a:p>
@@ -1570,8 +1590,8 @@
         </p:nvSpPr>
         <p:spPr>
           <a:xfrm>
-            <a:off x="722313" y="4406900"/>
-            <a:ext cx="7772400" cy="1362075"/>
+            <a:off x="722313" y="4406901"/>
+            <a:ext cx="7772400" cy="1362076"/>
           </a:xfrm>
         </p:spPr>
         <p:txBody>
@@ -1727,7 +1747,7 @@
             <a:fld id="{132E68CD-F5A8-4944-A4F2-71B895E02366}" type="datetimeFigureOut">
               <a:rPr lang="en-US" smtClean="0"/>
               <a:pPr/>
-              <a:t>3/22/2012</a:t>
+              <a:t>3/23/12</a:t>
             </a:fld>
             <a:endParaRPr lang="en-US"/>
           </a:p>
@@ -2012,7 +2032,7 @@
             <a:fld id="{132E68CD-F5A8-4944-A4F2-71B895E02366}" type="datetimeFigureOut">
               <a:rPr lang="en-US" smtClean="0"/>
               <a:pPr/>
-              <a:t>3/22/2012</a:t>
+              <a:t>3/23/12</a:t>
             </a:fld>
             <a:endParaRPr lang="en-US"/>
           </a:p>
@@ -2125,7 +2145,7 @@
         </p:nvSpPr>
         <p:spPr>
           <a:xfrm>
-            <a:off x="457200" y="1535113"/>
+            <a:off x="457200" y="1535114"/>
             <a:ext cx="4040188" cy="639762"/>
           </a:xfrm>
         </p:spPr>
@@ -2275,7 +2295,7 @@
         </p:nvSpPr>
         <p:spPr>
           <a:xfrm>
-            <a:off x="4645025" y="1535113"/>
+            <a:off x="4645027" y="1535114"/>
             <a:ext cx="4041775" cy="639762"/>
           </a:xfrm>
         </p:spPr>
@@ -2340,7 +2360,7 @@
         </p:nvSpPr>
         <p:spPr>
           <a:xfrm>
-            <a:off x="4645025" y="2174875"/>
+            <a:off x="4645027" y="2174875"/>
             <a:ext cx="4041775" cy="3951288"/>
           </a:xfrm>
         </p:spPr>
@@ -2431,7 +2451,7 @@
             <a:fld id="{132E68CD-F5A8-4944-A4F2-71B895E02366}" type="datetimeFigureOut">
               <a:rPr lang="en-US" smtClean="0"/>
               <a:pPr/>
-              <a:t>3/22/2012</a:t>
+              <a:t>3/23/12</a:t>
             </a:fld>
             <a:endParaRPr lang="en-US"/>
           </a:p>
@@ -2546,7 +2566,7 @@
             <a:fld id="{132E68CD-F5A8-4944-A4F2-71B895E02366}" type="datetimeFigureOut">
               <a:rPr lang="en-US" smtClean="0"/>
               <a:pPr/>
-              <a:t>3/22/2012</a:t>
+              <a:t>3/23/12</a:t>
             </a:fld>
             <a:endParaRPr lang="en-US"/>
           </a:p>
@@ -2638,7 +2658,7 @@
             <a:fld id="{132E68CD-F5A8-4944-A4F2-71B895E02366}" type="datetimeFigureOut">
               <a:rPr lang="en-US" smtClean="0"/>
               <a:pPr/>
-              <a:t>3/22/2012</a:t>
+              <a:t>3/23/12</a:t>
             </a:fld>
             <a:endParaRPr lang="en-US"/>
           </a:p>
@@ -2724,7 +2744,7 @@
         </p:nvSpPr>
         <p:spPr>
           <a:xfrm>
-            <a:off x="457200" y="273050"/>
+            <a:off x="457202" y="273051"/>
             <a:ext cx="3008313" cy="1162050"/>
           </a:xfrm>
         </p:spPr>
@@ -2841,7 +2861,7 @@
         </p:nvSpPr>
         <p:spPr>
           <a:xfrm>
-            <a:off x="457200" y="1435100"/>
+            <a:off x="457202" y="1435101"/>
             <a:ext cx="3008313" cy="4691063"/>
           </a:xfrm>
         </p:spPr>
@@ -2912,7 +2932,7 @@
             <a:fld id="{132E68CD-F5A8-4944-A4F2-71B895E02366}" type="datetimeFigureOut">
               <a:rPr lang="en-US" smtClean="0"/>
               <a:pPr/>
-              <a:t>3/22/2012</a:t>
+              <a:t>3/23/12</a:t>
             </a:fld>
             <a:endParaRPr lang="en-US"/>
           </a:p>
@@ -3162,7 +3182,7 @@
             <a:fld id="{132E68CD-F5A8-4944-A4F2-71B895E02366}" type="datetimeFigureOut">
               <a:rPr lang="en-US" smtClean="0"/>
               <a:pPr/>
-              <a:t>3/22/2012</a:t>
+              <a:t>3/23/12</a:t>
             </a:fld>
             <a:endParaRPr lang="en-US"/>
           </a:p>
@@ -3348,7 +3368,7 @@
         </p:nvSpPr>
         <p:spPr>
           <a:xfrm>
-            <a:off x="457200" y="6356350"/>
+            <a:off x="457200" y="6356352"/>
             <a:ext cx="2133600" cy="365125"/>
           </a:xfrm>
           <a:prstGeom prst="rect">
@@ -3372,7 +3392,7 @@
             <a:fld id="{132E68CD-F5A8-4944-A4F2-71B895E02366}" type="datetimeFigureOut">
               <a:rPr lang="en-US" smtClean="0"/>
               <a:pPr/>
-              <a:t>3/22/2012</a:t>
+              <a:t>3/23/12</a:t>
             </a:fld>
             <a:endParaRPr lang="en-US"/>
           </a:p>
@@ -3390,7 +3410,7 @@
         </p:nvSpPr>
         <p:spPr>
           <a:xfrm>
-            <a:off x="3124200" y="6356350"/>
+            <a:off x="3124200" y="6356352"/>
             <a:ext cx="2895600" cy="365125"/>
           </a:xfrm>
           <a:prstGeom prst="rect">
@@ -3427,7 +3447,7 @@
         </p:nvSpPr>
         <p:spPr>
           <a:xfrm>
-            <a:off x="6553200" y="6356350"/>
+            <a:off x="6553200" y="6356352"/>
             <a:ext cx="2133600" cy="365125"/>
           </a:xfrm>
           <a:prstGeom prst="rect">
@@ -3932,7 +3952,7 @@
         </p:nvCxnSpPr>
         <p:spPr>
           <a:xfrm rot="5400000">
-            <a:off x="1121687" y="1354443"/>
+            <a:off x="1121688" y="1354443"/>
             <a:ext cx="285137" cy="1588"/>
           </a:xfrm>
           <a:prstGeom prst="straightConnector1">
@@ -3974,7 +3994,7 @@
         </p:nvCxnSpPr>
         <p:spPr>
           <a:xfrm rot="5400000">
-            <a:off x="1121687" y="1914831"/>
+            <a:off x="1121688" y="1914831"/>
             <a:ext cx="285137" cy="1588"/>
           </a:xfrm>
           <a:prstGeom prst="straightConnector1">
@@ -4057,7 +4077,7 @@
         </p:nvCxnSpPr>
         <p:spPr>
           <a:xfrm rot="5400000">
-            <a:off x="1120894" y="3923020"/>
+            <a:off x="1120895" y="3923022"/>
             <a:ext cx="285930" cy="793"/>
           </a:xfrm>
           <a:prstGeom prst="straightConnector1">
@@ -4287,7 +4307,7 @@
         </p:nvCxnSpPr>
         <p:spPr>
           <a:xfrm rot="5400000">
-            <a:off x="3788687" y="1354443"/>
+            <a:off x="3788688" y="1354443"/>
             <a:ext cx="285137" cy="1588"/>
           </a:xfrm>
           <a:prstGeom prst="straightConnector1">
@@ -4329,7 +4349,7 @@
         </p:nvCxnSpPr>
         <p:spPr>
           <a:xfrm rot="5400000">
-            <a:off x="3788687" y="1914831"/>
+            <a:off x="3788688" y="1914831"/>
             <a:ext cx="285137" cy="1588"/>
           </a:xfrm>
           <a:prstGeom prst="straightConnector1">
@@ -4412,7 +4432,7 @@
         </p:nvCxnSpPr>
         <p:spPr>
           <a:xfrm rot="5400000">
-            <a:off x="3787894" y="3923020"/>
+            <a:off x="3787895" y="3923022"/>
             <a:ext cx="285930" cy="793"/>
           </a:xfrm>
           <a:prstGeom prst="straightConnector1">
@@ -5480,7 +5500,7 @@
         </p:nvCxnSpPr>
         <p:spPr>
           <a:xfrm rot="5400000">
-            <a:off x="7293887" y="1354443"/>
+            <a:off x="7293888" y="1354443"/>
             <a:ext cx="285137" cy="1588"/>
           </a:xfrm>
           <a:prstGeom prst="straightConnector1">
@@ -5522,7 +5542,7 @@
         </p:nvCxnSpPr>
         <p:spPr>
           <a:xfrm rot="5400000">
-            <a:off x="7293887" y="1914831"/>
+            <a:off x="7293888" y="1914831"/>
             <a:ext cx="285137" cy="1588"/>
           </a:xfrm>
           <a:prstGeom prst="straightConnector1">
@@ -5605,7 +5625,7 @@
         </p:nvCxnSpPr>
         <p:spPr>
           <a:xfrm rot="5400000">
-            <a:off x="7293094" y="3923020"/>
+            <a:off x="7293095" y="3923022"/>
             <a:ext cx="285930" cy="793"/>
           </a:xfrm>
           <a:prstGeom prst="straightConnector1">
@@ -6605,7 +6625,7 @@
         </p:nvCxnSpPr>
         <p:spPr>
           <a:xfrm rot="5400000">
-            <a:off x="1107777" y="287643"/>
+            <a:off x="1107778" y="287643"/>
             <a:ext cx="285137" cy="1588"/>
           </a:xfrm>
           <a:prstGeom prst="straightConnector1">
@@ -6730,7 +6750,7 @@
         </p:nvCxnSpPr>
         <p:spPr>
           <a:xfrm rot="5400000">
-            <a:off x="1106984" y="2551420"/>
+            <a:off x="1106985" y="2551422"/>
             <a:ext cx="285930" cy="793"/>
           </a:xfrm>
           <a:prstGeom prst="straightConnector1">
@@ -7147,7 +7167,7 @@
         </p:nvCxnSpPr>
         <p:spPr>
           <a:xfrm rot="5400000">
-            <a:off x="3483887" y="287643"/>
+            <a:off x="3483888" y="287643"/>
             <a:ext cx="285137" cy="1588"/>
           </a:xfrm>
           <a:prstGeom prst="straightConnector1">
@@ -7272,7 +7292,7 @@
         </p:nvCxnSpPr>
         <p:spPr>
           <a:xfrm rot="5400000">
-            <a:off x="3483094" y="3084820"/>
+            <a:off x="3483095" y="3084822"/>
             <a:ext cx="285930" cy="793"/>
           </a:xfrm>
           <a:prstGeom prst="straightConnector1">
@@ -7336,7 +7356,7 @@
         </p:nvSpPr>
         <p:spPr>
           <a:xfrm>
-            <a:off x="4038600" y="1172549"/>
+            <a:off x="4114800" y="1143000"/>
             <a:ext cx="699710" cy="275251"/>
           </a:xfrm>
           <a:prstGeom prst="roundRect">
@@ -7391,7 +7411,7 @@
         </p:nvSpPr>
         <p:spPr>
           <a:xfrm>
-            <a:off x="4038600" y="4677749"/>
+            <a:off x="4038600" y="4677750"/>
             <a:ext cx="699710" cy="275251"/>
           </a:xfrm>
           <a:prstGeom prst="roundRect">
@@ -7455,7 +7475,7 @@
         </p:nvCxnSpPr>
         <p:spPr>
           <a:xfrm rot="5400000">
-            <a:off x="4245887" y="1029980"/>
+            <a:off x="4322088" y="1000431"/>
             <a:ext cx="285137" cy="1588"/>
           </a:xfrm>
           <a:prstGeom prst="straightConnector1">
@@ -7496,9 +7516,9 @@
           <p:nvPr/>
         </p:nvCxnSpPr>
         <p:spPr>
-          <a:xfrm>
-            <a:off x="4388455" y="1447800"/>
-            <a:ext cx="31145" cy="457200"/>
+          <a:xfrm flipH="1">
+            <a:off x="4419602" y="1418251"/>
+            <a:ext cx="45055" cy="486749"/>
           </a:xfrm>
           <a:prstGeom prst="straightConnector1">
             <a:avLst/>
@@ -7539,7 +7559,7 @@
         </p:nvCxnSpPr>
         <p:spPr>
           <a:xfrm flipH="1">
-            <a:off x="4388455" y="4267200"/>
+            <a:off x="4388457" y="4267200"/>
             <a:ext cx="31145" cy="410549"/>
           </a:xfrm>
           <a:prstGeom prst="straightConnector1">
@@ -8051,8 +8071,8 @@
         </p:nvCxnSpPr>
         <p:spPr>
           <a:xfrm flipH="1">
-            <a:off x="1219200" y="1447800"/>
-            <a:ext cx="3169255" cy="457200"/>
+            <a:off x="1219202" y="1418251"/>
+            <a:ext cx="3245455" cy="486749"/>
           </a:xfrm>
           <a:prstGeom prst="straightConnector1">
             <a:avLst/>
@@ -8951,8 +8971,8 @@
         </p:nvCxnSpPr>
         <p:spPr>
           <a:xfrm>
-            <a:off x="4388455" y="1447800"/>
-            <a:ext cx="3231545" cy="457200"/>
+            <a:off x="4464657" y="1418251"/>
+            <a:ext cx="3155345" cy="486749"/>
           </a:xfrm>
           <a:prstGeom prst="straightConnector1">
             <a:avLst/>
@@ -8993,7 +9013,7 @@
         </p:nvCxnSpPr>
         <p:spPr>
           <a:xfrm flipH="1">
-            <a:off x="4388455" y="4267200"/>
+            <a:off x="4388457" y="4267200"/>
             <a:ext cx="3231545" cy="410549"/>
           </a:xfrm>
           <a:prstGeom prst="straightConnector1">
@@ -9035,7 +9055,7 @@
         </p:nvCxnSpPr>
         <p:spPr>
           <a:xfrm>
-            <a:off x="1219200" y="4267200"/>
+            <a:off x="1219202" y="4267200"/>
             <a:ext cx="3169255" cy="410549"/>
           </a:xfrm>
           <a:prstGeom prst="straightConnector1">
@@ -9129,8 +9149,8 @@
           <p:nvPr/>
         </p:nvGraphicFramePr>
         <p:xfrm>
-          <a:off x="1447800" y="1828800"/>
-          <a:ext cx="1447801" cy="1079067"/>
+          <a:off x="1447802" y="1828801"/>
+          <a:ext cx="1447801" cy="1097280"/>
         </p:xfrm>
         <a:graphic>
           <a:graphicData uri="http://schemas.openxmlformats.org/drawingml/2006/table">
@@ -9143,7 +9163,7 @@
                 <a:gridCol w="726141"/>
                 <a:gridCol w="381001"/>
               </a:tblGrid>
-              <a:tr h="152400">
+              <a:tr h="219456">
                 <a:tc>
                   <a:txBody>
                     <a:bodyPr/>
@@ -9293,7 +9313,7 @@
                   </a:tcPr>
                 </a:tc>
               </a:tr>
-              <a:tr h="217449">
+              <a:tr h="219456">
                 <a:tc>
                   <a:txBody>
                     <a:bodyPr/>
@@ -9442,7 +9462,7 @@
                   </a:tcPr>
                 </a:tc>
               </a:tr>
-              <a:tr h="217449">
+              <a:tr h="219456">
                 <a:tc>
                   <a:txBody>
                     <a:bodyPr/>
@@ -9591,7 +9611,7 @@
                   </a:tcPr>
                 </a:tc>
               </a:tr>
-              <a:tr h="0">
+              <a:tr h="219456">
                 <a:tc>
                   <a:txBody>
                     <a:bodyPr/>
@@ -9750,7 +9770,7 @@
                   </a:tcPr>
                 </a:tc>
               </a:tr>
-              <a:tr h="217449">
+              <a:tr h="219456">
                 <a:tc>
                   <a:txBody>
                     <a:bodyPr/>
@@ -9966,8 +9986,8 @@
           <p:nvPr/>
         </p:nvGraphicFramePr>
         <p:xfrm>
-          <a:off x="4648200" y="1828800"/>
-          <a:ext cx="1447801" cy="1079067"/>
+          <a:off x="4648202" y="1828801"/>
+          <a:ext cx="1447801" cy="1097280"/>
         </p:xfrm>
         <a:graphic>
           <a:graphicData uri="http://schemas.openxmlformats.org/drawingml/2006/table">
@@ -9980,7 +10000,7 @@
                 <a:gridCol w="726141"/>
                 <a:gridCol w="381001"/>
               </a:tblGrid>
-              <a:tr h="152400">
+              <a:tr h="219456">
                 <a:tc>
                   <a:txBody>
                     <a:bodyPr/>
@@ -10130,7 +10150,7 @@
                   </a:tcPr>
                 </a:tc>
               </a:tr>
-              <a:tr h="217449">
+              <a:tr h="219456">
                 <a:tc>
                   <a:txBody>
                     <a:bodyPr/>
@@ -10279,7 +10299,7 @@
                   </a:tcPr>
                 </a:tc>
               </a:tr>
-              <a:tr h="217449">
+              <a:tr h="219456">
                 <a:tc>
                   <a:txBody>
                     <a:bodyPr/>
@@ -10428,7 +10448,7 @@
                   </a:tcPr>
                 </a:tc>
               </a:tr>
-              <a:tr h="0">
+              <a:tr h="219456">
                 <a:tc>
                   <a:txBody>
                     <a:bodyPr/>
@@ -10577,7 +10597,7 @@
                   </a:tcPr>
                 </a:tc>
               </a:tr>
-              <a:tr h="217449">
+              <a:tr h="219456">
                 <a:tc>
                   <a:txBody>
                     <a:bodyPr/>
@@ -10803,8 +10823,8 @@
           <p:nvPr/>
         </p:nvGraphicFramePr>
         <p:xfrm>
-          <a:off x="7848600" y="1828800"/>
-          <a:ext cx="1447801" cy="1079067"/>
+          <a:off x="7848602" y="1828801"/>
+          <a:ext cx="1447801" cy="1097280"/>
         </p:xfrm>
         <a:graphic>
           <a:graphicData uri="http://schemas.openxmlformats.org/drawingml/2006/table">
@@ -10817,7 +10837,7 @@
                 <a:gridCol w="726141"/>
                 <a:gridCol w="381001"/>
               </a:tblGrid>
-              <a:tr h="152400">
+              <a:tr h="219456">
                 <a:tc>
                   <a:txBody>
                     <a:bodyPr/>
@@ -10967,7 +10987,7 @@
                   </a:tcPr>
                 </a:tc>
               </a:tr>
-              <a:tr h="217449">
+              <a:tr h="219456">
                 <a:tc>
                   <a:txBody>
                     <a:bodyPr/>
@@ -11116,7 +11136,7 @@
                   </a:tcPr>
                 </a:tc>
               </a:tr>
-              <a:tr h="217449">
+              <a:tr h="219456">
                 <a:tc>
                   <a:txBody>
                     <a:bodyPr/>
@@ -11265,7 +11285,7 @@
                   </a:tcPr>
                 </a:tc>
               </a:tr>
-              <a:tr h="0">
+              <a:tr h="219456">
                 <a:tc>
                   <a:txBody>
                     <a:bodyPr/>
@@ -11414,7 +11434,7 @@
                   </a:tcPr>
                 </a:tc>
               </a:tr>
-              <a:tr h="217449">
+              <a:tr h="219456">
                 <a:tc>
                   <a:txBody>
                     <a:bodyPr/>
@@ -11610,7 +11630,7 @@
         </p:nvSpPr>
         <p:spPr>
           <a:xfrm>
-            <a:off x="4038600" y="1143000"/>
+            <a:off x="4222145" y="1143000"/>
             <a:ext cx="699710" cy="275251"/>
           </a:xfrm>
           <a:prstGeom prst="roundRect">
@@ -11665,7 +11685,7 @@
         </p:nvSpPr>
         <p:spPr>
           <a:xfrm>
-            <a:off x="4038600" y="5486400"/>
+            <a:off x="4222145" y="5486400"/>
             <a:ext cx="699710" cy="275251"/>
           </a:xfrm>
           <a:prstGeom prst="roundRect">
@@ -11728,9 +11748,9 @@
           <p:nvPr/>
         </p:nvCxnSpPr>
         <p:spPr>
-          <a:xfrm rot="5400000">
-            <a:off x="4245887" y="1000431"/>
-            <a:ext cx="285137" cy="1588"/>
+          <a:xfrm>
+            <a:off x="4572000" y="838200"/>
+            <a:ext cx="0" cy="304800"/>
           </a:xfrm>
           <a:prstGeom prst="straightConnector1">
             <a:avLst/>
@@ -11771,8 +11791,8 @@
         </p:nvCxnSpPr>
         <p:spPr>
           <a:xfrm>
-            <a:off x="4388455" y="1418251"/>
-            <a:ext cx="31145" cy="486749"/>
+            <a:off x="4572000" y="1418251"/>
+            <a:ext cx="0" cy="639149"/>
           </a:xfrm>
           <a:prstGeom prst="straightConnector1">
             <a:avLst/>
@@ -11812,9 +11832,9 @@
           <p:nvPr/>
         </p:nvCxnSpPr>
         <p:spPr>
-          <a:xfrm flipH="1">
-            <a:off x="4388455" y="4267200"/>
-            <a:ext cx="31145" cy="1219200"/>
+          <a:xfrm>
+            <a:off x="4572000" y="4117848"/>
+            <a:ext cx="0" cy="1368552"/>
           </a:xfrm>
           <a:prstGeom prst="straightConnector1">
             <a:avLst/>
@@ -11853,9 +11873,9 @@
           <p:nvPr/>
         </p:nvCxnSpPr>
         <p:spPr>
-          <a:xfrm flipH="1">
-            <a:off x="4387663" y="5761651"/>
-            <a:ext cx="792" cy="285931"/>
+          <a:xfrm>
+            <a:off x="4572000" y="5761651"/>
+            <a:ext cx="0" cy="334349"/>
           </a:xfrm>
           <a:prstGeom prst="straightConnector1">
             <a:avLst/>
@@ -11893,8 +11913,8 @@
         </p:nvSpPr>
         <p:spPr>
           <a:xfrm>
-            <a:off x="-304800" y="1905000"/>
-            <a:ext cx="3048000" cy="2362200"/>
+            <a:off x="0" y="2057191"/>
+            <a:ext cx="2895600" cy="2057610"/>
           </a:xfrm>
           <a:prstGeom prst="roundRect">
             <a:avLst/>
@@ -11927,389 +11947,389 @@
           <a:lstStyle/>
           <a:p>
             <a:r>
-              <a:rPr lang="en-US" sz="1000" dirty="0" err="1" smtClean="0">
-                <a:solidFill>
-                  <a:srgbClr val="000000"/>
-                </a:solidFill>
-                <a:latin typeface="Consolas" pitchFamily="49" charset="0"/>
-                <a:cs typeface="Consolas" pitchFamily="49" charset="0"/>
+              <a:rPr lang="en-US" sz="900" dirty="0" err="1" smtClean="0">
+                <a:solidFill>
+                  <a:srgbClr val="000000"/>
+                </a:solidFill>
+                <a:latin typeface="Courier"/>
+                <a:cs typeface="Courier"/>
               </a:rPr>
               <a:t>int</a:t>
             </a:r>
             <a:r>
-              <a:rPr lang="en-US" sz="1000" dirty="0" smtClean="0">
-                <a:solidFill>
-                  <a:srgbClr val="000000"/>
-                </a:solidFill>
-                <a:latin typeface="Consolas" pitchFamily="49" charset="0"/>
-                <a:cs typeface="Consolas" pitchFamily="49" charset="0"/>
+              <a:rPr lang="en-US" sz="900" dirty="0" smtClean="0">
+                <a:solidFill>
+                  <a:srgbClr val="000000"/>
+                </a:solidFill>
+                <a:latin typeface="Courier"/>
+                <a:cs typeface="Courier"/>
               </a:rPr>
               <a:t> </a:t>
             </a:r>
             <a:r>
-              <a:rPr lang="en-US" sz="1000" dirty="0" err="1" smtClean="0">
-                <a:solidFill>
-                  <a:srgbClr val="000000"/>
-                </a:solidFill>
-                <a:latin typeface="Consolas" pitchFamily="49" charset="0"/>
-                <a:cs typeface="Consolas" pitchFamily="49" charset="0"/>
+              <a:rPr lang="en-US" sz="900" dirty="0" err="1" smtClean="0">
+                <a:solidFill>
+                  <a:srgbClr val="000000"/>
+                </a:solidFill>
+                <a:latin typeface="Courier"/>
+                <a:cs typeface="Courier"/>
               </a:rPr>
               <a:t>iter</a:t>
             </a:r>
             <a:r>
-              <a:rPr lang="en-US" sz="1000" dirty="0" smtClean="0">
-                <a:solidFill>
-                  <a:srgbClr val="000000"/>
-                </a:solidFill>
-                <a:latin typeface="Consolas" pitchFamily="49" charset="0"/>
-                <a:cs typeface="Consolas" pitchFamily="49" charset="0"/>
+              <a:rPr lang="en-US" sz="900" dirty="0" smtClean="0">
+                <a:solidFill>
+                  <a:srgbClr val="000000"/>
+                </a:solidFill>
+                <a:latin typeface="Courier"/>
+                <a:cs typeface="Courier"/>
               </a:rPr>
               <a:t> = 0;</a:t>
             </a:r>
           </a:p>
           <a:p>
             <a:r>
-              <a:rPr lang="en-US" sz="1000" dirty="0" err="1" smtClean="0">
-                <a:solidFill>
-                  <a:srgbClr val="000000"/>
-                </a:solidFill>
-                <a:latin typeface="Consolas" pitchFamily="49" charset="0"/>
-                <a:cs typeface="Consolas" pitchFamily="49" charset="0"/>
+              <a:rPr lang="en-US" sz="900" dirty="0" err="1" smtClean="0">
+                <a:solidFill>
+                  <a:srgbClr val="000000"/>
+                </a:solidFill>
+                <a:latin typeface="Courier"/>
+                <a:cs typeface="Courier"/>
               </a:rPr>
               <a:t>int</a:t>
             </a:r>
             <a:r>
-              <a:rPr lang="en-US" sz="1000" dirty="0" smtClean="0">
-                <a:solidFill>
-                  <a:srgbClr val="000000"/>
-                </a:solidFill>
-                <a:latin typeface="Consolas" pitchFamily="49" charset="0"/>
-                <a:cs typeface="Consolas" pitchFamily="49" charset="0"/>
+              <a:rPr lang="en-US" sz="900" dirty="0" smtClean="0">
+                <a:solidFill>
+                  <a:srgbClr val="000000"/>
+                </a:solidFill>
+                <a:latin typeface="Courier"/>
+                <a:cs typeface="Courier"/>
               </a:rPr>
               <a:t> start = 0;</a:t>
             </a:r>
           </a:p>
           <a:p>
             <a:r>
-              <a:rPr lang="en-US" sz="1000" dirty="0" err="1" smtClean="0">
-                <a:solidFill>
-                  <a:srgbClr val="000000"/>
-                </a:solidFill>
-                <a:latin typeface="Consolas" pitchFamily="49" charset="0"/>
-                <a:cs typeface="Consolas" pitchFamily="49" charset="0"/>
+              <a:rPr lang="en-US" sz="900" dirty="0" err="1" smtClean="0">
+                <a:solidFill>
+                  <a:srgbClr val="000000"/>
+                </a:solidFill>
+                <a:latin typeface="Courier"/>
+                <a:cs typeface="Courier"/>
               </a:rPr>
               <a:t>int</a:t>
             </a:r>
             <a:r>
-              <a:rPr lang="en-US" sz="1000" dirty="0" smtClean="0">
-                <a:solidFill>
-                  <a:srgbClr val="000000"/>
-                </a:solidFill>
-                <a:latin typeface="Consolas" pitchFamily="49" charset="0"/>
-                <a:cs typeface="Consolas" pitchFamily="49" charset="0"/>
+              <a:rPr lang="en-US" sz="900" dirty="0" smtClean="0">
+                <a:solidFill>
+                  <a:srgbClr val="000000"/>
+                </a:solidFill>
+                <a:latin typeface="Courier"/>
+                <a:cs typeface="Courier"/>
               </a:rPr>
               <a:t> reps = 2;</a:t>
             </a:r>
           </a:p>
           <a:p>
             <a:r>
-              <a:rPr lang="en-US" sz="1000" dirty="0" err="1" smtClean="0">
-                <a:solidFill>
-                  <a:srgbClr val="000000"/>
-                </a:solidFill>
-                <a:latin typeface="Consolas" pitchFamily="49" charset="0"/>
-                <a:cs typeface="Consolas" pitchFamily="49" charset="0"/>
+              <a:rPr lang="en-US" sz="900" dirty="0" err="1" smtClean="0">
+                <a:solidFill>
+                  <a:srgbClr val="000000"/>
+                </a:solidFill>
+                <a:latin typeface="Courier"/>
+                <a:cs typeface="Courier"/>
               </a:rPr>
               <a:t>int</a:t>
             </a:r>
             <a:r>
-              <a:rPr lang="en-US" sz="1000" dirty="0" smtClean="0">
-                <a:solidFill>
-                  <a:srgbClr val="000000"/>
-                </a:solidFill>
-                <a:latin typeface="Consolas" pitchFamily="49" charset="0"/>
-                <a:cs typeface="Consolas" pitchFamily="49" charset="0"/>
+              <a:rPr lang="en-US" sz="900" dirty="0" smtClean="0">
+                <a:solidFill>
+                  <a:srgbClr val="000000"/>
+                </a:solidFill>
+                <a:latin typeface="Courier"/>
+                <a:cs typeface="Courier"/>
               </a:rPr>
               <a:t> total = 6;</a:t>
             </a:r>
           </a:p>
           <a:p>
-            <a:endParaRPr lang="en-US" sz="1000" dirty="0" smtClean="0">
+            <a:endParaRPr lang="en-US" sz="900" dirty="0" smtClean="0">
               <a:solidFill>
                 <a:srgbClr val="000000"/>
               </a:solidFill>
-              <a:latin typeface="Consolas" pitchFamily="49" charset="0"/>
-              <a:cs typeface="Consolas" pitchFamily="49" charset="0"/>
+              <a:latin typeface="Courier"/>
+              <a:cs typeface="Courier"/>
             </a:endParaRPr>
           </a:p>
           <a:p>
             <a:r>
-              <a:rPr lang="en-US" sz="1000" dirty="0" smtClean="0">
-                <a:solidFill>
-                  <a:srgbClr val="000000"/>
-                </a:solidFill>
-                <a:latin typeface="Consolas" pitchFamily="49" charset="0"/>
-                <a:cs typeface="Consolas" pitchFamily="49" charset="0"/>
+              <a:rPr lang="en-US" sz="900" dirty="0" smtClean="0">
+                <a:solidFill>
+                  <a:srgbClr val="000000"/>
+                </a:solidFill>
+                <a:latin typeface="Courier"/>
+                <a:cs typeface="Courier"/>
               </a:rPr>
               <a:t>work pop 1 push 1 {</a:t>
             </a:r>
           </a:p>
           <a:p>
             <a:r>
-              <a:rPr lang="en-US" sz="1000" dirty="0">
-                <a:solidFill>
-                  <a:srgbClr val="000000"/>
-                </a:solidFill>
-                <a:latin typeface="Consolas" pitchFamily="49" charset="0"/>
-                <a:cs typeface="Consolas" pitchFamily="49" charset="0"/>
+              <a:rPr lang="en-US" sz="900" dirty="0">
+                <a:solidFill>
+                  <a:srgbClr val="000000"/>
+                </a:solidFill>
+                <a:latin typeface="Courier"/>
+                <a:cs typeface="Courier"/>
               </a:rPr>
               <a:t> </a:t>
             </a:r>
             <a:r>
-              <a:rPr lang="en-US" sz="1000" dirty="0" smtClean="0">
-                <a:solidFill>
-                  <a:srgbClr val="000000"/>
-                </a:solidFill>
-                <a:latin typeface="Consolas" pitchFamily="49" charset="0"/>
-                <a:cs typeface="Consolas" pitchFamily="49" charset="0"/>
+              <a:rPr lang="en-US" sz="900" dirty="0" smtClean="0">
+                <a:solidFill>
+                  <a:srgbClr val="000000"/>
+                </a:solidFill>
+                <a:latin typeface="Courier"/>
+                <a:cs typeface="Courier"/>
               </a:rPr>
               <a:t>     ...</a:t>
             </a:r>
-            <a:endParaRPr lang="en-US" sz="1000" dirty="0">
+            <a:endParaRPr lang="en-US" sz="900" dirty="0">
               <a:solidFill>
                 <a:srgbClr val="000000"/>
               </a:solidFill>
-              <a:latin typeface="Consolas" pitchFamily="49" charset="0"/>
-              <a:cs typeface="Consolas" pitchFamily="49" charset="0"/>
+              <a:latin typeface="Courier"/>
+              <a:cs typeface="Courier"/>
             </a:endParaRPr>
           </a:p>
           <a:p>
             <a:r>
-              <a:rPr lang="en-US" sz="1000" dirty="0" smtClean="0">
-                <a:solidFill>
-                  <a:srgbClr val="000000"/>
-                </a:solidFill>
-                <a:latin typeface="Consolas" pitchFamily="49" charset="0"/>
-                <a:cs typeface="Consolas" pitchFamily="49" charset="0"/>
+              <a:rPr lang="en-US" sz="900" dirty="0" smtClean="0">
+                <a:solidFill>
+                  <a:srgbClr val="000000"/>
+                </a:solidFill>
+                <a:latin typeface="Courier"/>
+                <a:cs typeface="Courier"/>
               </a:rPr>
               <a:t>   </a:t>
             </a:r>
             <a:r>
-              <a:rPr lang="en-US" sz="1000" dirty="0" err="1" smtClean="0">
-                <a:solidFill>
-                  <a:srgbClr val="000000"/>
-                </a:solidFill>
-                <a:latin typeface="Consolas" pitchFamily="49" charset="0"/>
-                <a:cs typeface="Consolas" pitchFamily="49" charset="0"/>
+              <a:rPr lang="en-US" sz="900" dirty="0" err="1" smtClean="0">
+                <a:solidFill>
+                  <a:srgbClr val="000000"/>
+                </a:solidFill>
+                <a:latin typeface="Courier"/>
+                <a:cs typeface="Courier"/>
               </a:rPr>
               <a:t>int</a:t>
             </a:r>
             <a:r>
-              <a:rPr lang="en-US" sz="1000" dirty="0" smtClean="0">
-                <a:solidFill>
-                  <a:srgbClr val="000000"/>
-                </a:solidFill>
-                <a:latin typeface="Consolas" pitchFamily="49" charset="0"/>
-                <a:cs typeface="Consolas" pitchFamily="49" charset="0"/>
+              <a:rPr lang="en-US" sz="900" dirty="0" smtClean="0">
+                <a:solidFill>
+                  <a:srgbClr val="000000"/>
+                </a:solidFill>
+                <a:latin typeface="Courier"/>
+                <a:cs typeface="Courier"/>
               </a:rPr>
               <a:t> counter = </a:t>
             </a:r>
             <a:r>
-              <a:rPr lang="en-US" sz="1000" dirty="0" err="1" smtClean="0">
-                <a:solidFill>
-                  <a:srgbClr val="000000"/>
-                </a:solidFill>
-                <a:latin typeface="Consolas" pitchFamily="49" charset="0"/>
-                <a:cs typeface="Consolas" pitchFamily="49" charset="0"/>
+              <a:rPr lang="en-US" sz="900" dirty="0" err="1" smtClean="0">
+                <a:solidFill>
+                  <a:srgbClr val="000000"/>
+                </a:solidFill>
+                <a:latin typeface="Courier"/>
+                <a:cs typeface="Courier"/>
               </a:rPr>
               <a:t>iter</a:t>
             </a:r>
             <a:r>
-              <a:rPr lang="en-US" sz="1000" dirty="0" smtClean="0">
-                <a:solidFill>
-                  <a:srgbClr val="000000"/>
-                </a:solidFill>
-                <a:latin typeface="Consolas" pitchFamily="49" charset="0"/>
-                <a:cs typeface="Consolas" pitchFamily="49" charset="0"/>
+              <a:rPr lang="en-US" sz="900" dirty="0" smtClean="0">
+                <a:solidFill>
+                  <a:srgbClr val="000000"/>
+                </a:solidFill>
+                <a:latin typeface="Courier"/>
+                <a:cs typeface="Courier"/>
               </a:rPr>
               <a:t>;</a:t>
             </a:r>
           </a:p>
           <a:p>
             <a:r>
-              <a:rPr lang="en-US" sz="1000" dirty="0" smtClean="0">
-                <a:solidFill>
-                  <a:srgbClr val="000000"/>
-                </a:solidFill>
-                <a:latin typeface="Consolas" pitchFamily="49" charset="0"/>
-                <a:cs typeface="Consolas" pitchFamily="49" charset="0"/>
+              <a:rPr lang="en-US" sz="900" dirty="0" smtClean="0">
+                <a:solidFill>
+                  <a:srgbClr val="000000"/>
+                </a:solidFill>
+                <a:latin typeface="Courier"/>
+                <a:cs typeface="Courier"/>
               </a:rPr>
               <a:t>      ...</a:t>
             </a:r>
           </a:p>
           <a:p>
             <a:r>
-              <a:rPr lang="en-US" sz="1000" dirty="0">
-                <a:solidFill>
-                  <a:srgbClr val="000000"/>
-                </a:solidFill>
-                <a:latin typeface="Consolas" pitchFamily="49" charset="0"/>
-                <a:cs typeface="Consolas" pitchFamily="49" charset="0"/>
+              <a:rPr lang="en-US" sz="900" dirty="0">
+                <a:solidFill>
+                  <a:srgbClr val="000000"/>
+                </a:solidFill>
+                <a:latin typeface="Courier"/>
+                <a:cs typeface="Courier"/>
               </a:rPr>
               <a:t> </a:t>
             </a:r>
             <a:r>
-              <a:rPr lang="en-US" sz="1000" dirty="0" smtClean="0">
-                <a:solidFill>
-                  <a:srgbClr val="000000"/>
-                </a:solidFill>
-                <a:latin typeface="Consolas" pitchFamily="49" charset="0"/>
-                <a:cs typeface="Consolas" pitchFamily="49" charset="0"/>
+              <a:rPr lang="en-US" sz="900" dirty="0" smtClean="0">
+                <a:solidFill>
+                  <a:srgbClr val="000000"/>
+                </a:solidFill>
+                <a:latin typeface="Courier"/>
+                <a:cs typeface="Courier"/>
               </a:rPr>
               <a:t>  </a:t>
             </a:r>
             <a:r>
-              <a:rPr lang="en-US" sz="1000" dirty="0" err="1" smtClean="0">
-                <a:solidFill>
-                  <a:srgbClr val="000000"/>
-                </a:solidFill>
-                <a:latin typeface="Consolas" pitchFamily="49" charset="0"/>
-                <a:cs typeface="Consolas" pitchFamily="49" charset="0"/>
+              <a:rPr lang="en-US" sz="900" dirty="0" err="1" smtClean="0">
+                <a:solidFill>
+                  <a:srgbClr val="000000"/>
+                </a:solidFill>
+                <a:latin typeface="Courier"/>
+                <a:cs typeface="Courier"/>
               </a:rPr>
               <a:t>iter</a:t>
             </a:r>
             <a:r>
-              <a:rPr lang="en-US" sz="1000" dirty="0" smtClean="0">
-                <a:solidFill>
-                  <a:srgbClr val="000000"/>
-                </a:solidFill>
-                <a:latin typeface="Consolas" pitchFamily="49" charset="0"/>
-                <a:cs typeface="Consolas" pitchFamily="49" charset="0"/>
+              <a:rPr lang="en-US" sz="900" dirty="0" smtClean="0">
+                <a:solidFill>
+                  <a:srgbClr val="000000"/>
+                </a:solidFill>
+                <a:latin typeface="Courier"/>
+                <a:cs typeface="Courier"/>
               </a:rPr>
               <a:t>++;</a:t>
             </a:r>
           </a:p>
           <a:p>
             <a:r>
-              <a:rPr lang="en-US" sz="1000" dirty="0">
-                <a:solidFill>
-                  <a:srgbClr val="000000"/>
-                </a:solidFill>
-                <a:latin typeface="Consolas" pitchFamily="49" charset="0"/>
-                <a:cs typeface="Consolas" pitchFamily="49" charset="0"/>
+              <a:rPr lang="en-US" sz="900" dirty="0">
+                <a:solidFill>
+                  <a:srgbClr val="000000"/>
+                </a:solidFill>
+                <a:latin typeface="Courier"/>
+                <a:cs typeface="Courier"/>
               </a:rPr>
               <a:t> </a:t>
             </a:r>
             <a:r>
-              <a:rPr lang="en-US" sz="1000" dirty="0" smtClean="0">
-                <a:solidFill>
-                  <a:srgbClr val="000000"/>
-                </a:solidFill>
-                <a:latin typeface="Consolas" pitchFamily="49" charset="0"/>
-                <a:cs typeface="Consolas" pitchFamily="49" charset="0"/>
+              <a:rPr lang="en-US" sz="900" dirty="0" smtClean="0">
+                <a:solidFill>
+                  <a:srgbClr val="000000"/>
+                </a:solidFill>
+                <a:latin typeface="Courier"/>
+                <a:cs typeface="Courier"/>
               </a:rPr>
               <a:t>  if ((</a:t>
             </a:r>
             <a:r>
-              <a:rPr lang="en-US" sz="1000" dirty="0" err="1" smtClean="0">
-                <a:solidFill>
-                  <a:srgbClr val="000000"/>
-                </a:solidFill>
-                <a:latin typeface="Consolas" pitchFamily="49" charset="0"/>
-                <a:cs typeface="Consolas" pitchFamily="49" charset="0"/>
+              <a:rPr lang="en-US" sz="900" dirty="0" err="1" smtClean="0">
+                <a:solidFill>
+                  <a:srgbClr val="000000"/>
+                </a:solidFill>
+                <a:latin typeface="Courier"/>
+                <a:cs typeface="Courier"/>
               </a:rPr>
               <a:t>iter</a:t>
             </a:r>
             <a:r>
-              <a:rPr lang="en-US" sz="1000" dirty="0" smtClean="0">
-                <a:solidFill>
-                  <a:srgbClr val="000000"/>
-                </a:solidFill>
-                <a:latin typeface="Consolas" pitchFamily="49" charset="0"/>
-                <a:cs typeface="Consolas" pitchFamily="49" charset="0"/>
+              <a:rPr lang="en-US" sz="900" dirty="0" smtClean="0">
+                <a:solidFill>
+                  <a:srgbClr val="000000"/>
+                </a:solidFill>
+                <a:latin typeface="Courier"/>
+                <a:cs typeface="Courier"/>
               </a:rPr>
               <a:t>–start–reps) % total == 0)</a:t>
             </a:r>
           </a:p>
           <a:p>
             <a:r>
-              <a:rPr lang="en-US" sz="1000" dirty="0">
-                <a:solidFill>
-                  <a:srgbClr val="000000"/>
-                </a:solidFill>
-                <a:latin typeface="Consolas" pitchFamily="49" charset="0"/>
-                <a:cs typeface="Consolas" pitchFamily="49" charset="0"/>
+              <a:rPr lang="en-US" sz="900" dirty="0">
+                <a:solidFill>
+                  <a:srgbClr val="000000"/>
+                </a:solidFill>
+                <a:latin typeface="Courier"/>
+                <a:cs typeface="Courier"/>
               </a:rPr>
               <a:t> </a:t>
             </a:r>
             <a:r>
-              <a:rPr lang="en-US" sz="1000" dirty="0" smtClean="0">
-                <a:solidFill>
-                  <a:srgbClr val="000000"/>
-                </a:solidFill>
-                <a:latin typeface="Consolas" pitchFamily="49" charset="0"/>
-                <a:cs typeface="Consolas" pitchFamily="49" charset="0"/>
+              <a:rPr lang="en-US" sz="900" dirty="0" smtClean="0">
+                <a:solidFill>
+                  <a:srgbClr val="000000"/>
+                </a:solidFill>
+                <a:latin typeface="Courier"/>
+                <a:cs typeface="Courier"/>
               </a:rPr>
               <a:t>    </a:t>
             </a:r>
             <a:r>
-              <a:rPr lang="en-US" sz="1000" dirty="0" err="1" smtClean="0">
-                <a:solidFill>
-                  <a:srgbClr val="000000"/>
-                </a:solidFill>
-                <a:latin typeface="Consolas" pitchFamily="49" charset="0"/>
-                <a:cs typeface="Consolas" pitchFamily="49" charset="0"/>
+              <a:rPr lang="en-US" sz="900" dirty="0" err="1" smtClean="0">
+                <a:solidFill>
+                  <a:srgbClr val="000000"/>
+                </a:solidFill>
+                <a:latin typeface="Courier"/>
+                <a:cs typeface="Courier"/>
               </a:rPr>
               <a:t>iter</a:t>
             </a:r>
             <a:r>
-              <a:rPr lang="en-US" sz="1000" dirty="0" smtClean="0">
-                <a:solidFill>
-                  <a:srgbClr val="000000"/>
-                </a:solidFill>
-                <a:latin typeface="Consolas" pitchFamily="49" charset="0"/>
-                <a:cs typeface="Consolas" pitchFamily="49" charset="0"/>
+              <a:rPr lang="en-US" sz="900" dirty="0" smtClean="0">
+                <a:solidFill>
+                  <a:srgbClr val="000000"/>
+                </a:solidFill>
+                <a:latin typeface="Courier"/>
+                <a:cs typeface="Courier"/>
               </a:rPr>
               <a:t> = </a:t>
             </a:r>
             <a:r>
-              <a:rPr lang="en-US" sz="1000" dirty="0" err="1" smtClean="0">
-                <a:solidFill>
-                  <a:srgbClr val="000000"/>
-                </a:solidFill>
-                <a:latin typeface="Consolas" pitchFamily="49" charset="0"/>
-                <a:cs typeface="Consolas" pitchFamily="49" charset="0"/>
+              <a:rPr lang="en-US" sz="900" dirty="0" err="1" smtClean="0">
+                <a:solidFill>
+                  <a:srgbClr val="000000"/>
+                </a:solidFill>
+                <a:latin typeface="Courier"/>
+                <a:cs typeface="Courier"/>
               </a:rPr>
               <a:t>iter+total</a:t>
             </a:r>
             <a:r>
-              <a:rPr lang="en-US" sz="1000" dirty="0" smtClean="0">
-                <a:solidFill>
-                  <a:srgbClr val="000000"/>
-                </a:solidFill>
-                <a:latin typeface="Consolas" pitchFamily="49" charset="0"/>
-                <a:cs typeface="Consolas" pitchFamily="49" charset="0"/>
+              <a:rPr lang="en-US" sz="900" dirty="0" smtClean="0">
+                <a:solidFill>
+                  <a:srgbClr val="000000"/>
+                </a:solidFill>
+                <a:latin typeface="Courier"/>
+                <a:cs typeface="Courier"/>
               </a:rPr>
               <a:t>-reps;</a:t>
             </a:r>
           </a:p>
           <a:p>
             <a:r>
-              <a:rPr lang="en-US" sz="1000" dirty="0" smtClean="0">
-                <a:solidFill>
-                  <a:srgbClr val="000000"/>
-                </a:solidFill>
-                <a:latin typeface="Consolas" pitchFamily="49" charset="0"/>
-                <a:cs typeface="Consolas" pitchFamily="49" charset="0"/>
+              <a:rPr lang="en-US" sz="900" dirty="0" smtClean="0">
+                <a:solidFill>
+                  <a:srgbClr val="000000"/>
+                </a:solidFill>
+                <a:latin typeface="Courier"/>
+                <a:cs typeface="Courier"/>
               </a:rPr>
               <a:t>}</a:t>
             </a:r>
-            <a:endParaRPr lang="en-US" sz="1000" dirty="0">
+            <a:endParaRPr lang="en-US" sz="900" dirty="0">
               <a:solidFill>
                 <a:srgbClr val="000000"/>
               </a:solidFill>
-              <a:latin typeface="Consolas" pitchFamily="49" charset="0"/>
-              <a:cs typeface="Consolas" pitchFamily="49" charset="0"/>
+              <a:latin typeface="Courier"/>
+              <a:cs typeface="Courier"/>
             </a:endParaRPr>
           </a:p>
         </p:txBody>
@@ -12325,8 +12345,8 @@
         </p:nvCxnSpPr>
         <p:spPr>
           <a:xfrm flipH="1">
-            <a:off x="1219200" y="1418251"/>
-            <a:ext cx="3169255" cy="486749"/>
+            <a:off x="1447800" y="1418252"/>
+            <a:ext cx="3124200" cy="638939"/>
           </a:xfrm>
           <a:prstGeom prst="straightConnector1">
             <a:avLst/>
@@ -12364,8 +12384,8 @@
         </p:nvSpPr>
         <p:spPr>
           <a:xfrm>
-            <a:off x="2895600" y="1905000"/>
-            <a:ext cx="3048000" cy="2362200"/>
+            <a:off x="3122676" y="2057400"/>
+            <a:ext cx="2898648" cy="2060448"/>
           </a:xfrm>
           <a:prstGeom prst="roundRect">
             <a:avLst/>
@@ -12398,389 +12418,389 @@
           <a:lstStyle/>
           <a:p>
             <a:r>
-              <a:rPr lang="en-US" sz="1000" dirty="0" err="1" smtClean="0">
-                <a:solidFill>
-                  <a:srgbClr val="000000"/>
-                </a:solidFill>
-                <a:latin typeface="Consolas" pitchFamily="49" charset="0"/>
-                <a:cs typeface="Consolas" pitchFamily="49" charset="0"/>
+              <a:rPr lang="en-US" sz="900" dirty="0" err="1" smtClean="0">
+                <a:solidFill>
+                  <a:srgbClr val="000000"/>
+                </a:solidFill>
+                <a:latin typeface="Courier"/>
+                <a:cs typeface="Courier"/>
               </a:rPr>
               <a:t>int</a:t>
             </a:r>
             <a:r>
-              <a:rPr lang="en-US" sz="1000" dirty="0" smtClean="0">
-                <a:solidFill>
-                  <a:srgbClr val="000000"/>
-                </a:solidFill>
-                <a:latin typeface="Consolas" pitchFamily="49" charset="0"/>
-                <a:cs typeface="Consolas" pitchFamily="49" charset="0"/>
+              <a:rPr lang="en-US" sz="900" dirty="0" smtClean="0">
+                <a:solidFill>
+                  <a:srgbClr val="000000"/>
+                </a:solidFill>
+                <a:latin typeface="Courier"/>
+                <a:cs typeface="Courier"/>
               </a:rPr>
               <a:t> </a:t>
             </a:r>
             <a:r>
-              <a:rPr lang="en-US" sz="1000" dirty="0" err="1" smtClean="0">
-                <a:solidFill>
-                  <a:srgbClr val="000000"/>
-                </a:solidFill>
-                <a:latin typeface="Consolas" pitchFamily="49" charset="0"/>
-                <a:cs typeface="Consolas" pitchFamily="49" charset="0"/>
+              <a:rPr lang="en-US" sz="900" dirty="0" err="1" smtClean="0">
+                <a:solidFill>
+                  <a:srgbClr val="000000"/>
+                </a:solidFill>
+                <a:latin typeface="Courier"/>
+                <a:cs typeface="Courier"/>
               </a:rPr>
               <a:t>iter</a:t>
             </a:r>
             <a:r>
-              <a:rPr lang="en-US" sz="1000" dirty="0" smtClean="0">
-                <a:solidFill>
-                  <a:srgbClr val="000000"/>
-                </a:solidFill>
-                <a:latin typeface="Consolas" pitchFamily="49" charset="0"/>
-                <a:cs typeface="Consolas" pitchFamily="49" charset="0"/>
+              <a:rPr lang="en-US" sz="900" dirty="0" smtClean="0">
+                <a:solidFill>
+                  <a:srgbClr val="000000"/>
+                </a:solidFill>
+                <a:latin typeface="Courier"/>
+                <a:cs typeface="Courier"/>
               </a:rPr>
               <a:t> = 2;</a:t>
             </a:r>
           </a:p>
           <a:p>
             <a:r>
-              <a:rPr lang="en-US" sz="1000" dirty="0" err="1" smtClean="0">
-                <a:solidFill>
-                  <a:srgbClr val="000000"/>
-                </a:solidFill>
-                <a:latin typeface="Consolas" pitchFamily="49" charset="0"/>
-                <a:cs typeface="Consolas" pitchFamily="49" charset="0"/>
+              <a:rPr lang="en-US" sz="900" dirty="0" err="1" smtClean="0">
+                <a:solidFill>
+                  <a:srgbClr val="000000"/>
+                </a:solidFill>
+                <a:latin typeface="Courier"/>
+                <a:cs typeface="Courier"/>
               </a:rPr>
               <a:t>int</a:t>
             </a:r>
             <a:r>
-              <a:rPr lang="en-US" sz="1000" dirty="0" smtClean="0">
-                <a:solidFill>
-                  <a:srgbClr val="000000"/>
-                </a:solidFill>
-                <a:latin typeface="Consolas" pitchFamily="49" charset="0"/>
-                <a:cs typeface="Consolas" pitchFamily="49" charset="0"/>
+              <a:rPr lang="en-US" sz="900" dirty="0" smtClean="0">
+                <a:solidFill>
+                  <a:srgbClr val="000000"/>
+                </a:solidFill>
+                <a:latin typeface="Courier"/>
+                <a:cs typeface="Courier"/>
               </a:rPr>
               <a:t> start = 2;</a:t>
             </a:r>
           </a:p>
           <a:p>
             <a:r>
-              <a:rPr lang="en-US" sz="1000" dirty="0" err="1" smtClean="0">
-                <a:solidFill>
-                  <a:srgbClr val="000000"/>
-                </a:solidFill>
-                <a:latin typeface="Consolas" pitchFamily="49" charset="0"/>
-                <a:cs typeface="Consolas" pitchFamily="49" charset="0"/>
+              <a:rPr lang="en-US" sz="900" dirty="0" err="1" smtClean="0">
+                <a:solidFill>
+                  <a:srgbClr val="000000"/>
+                </a:solidFill>
+                <a:latin typeface="Courier"/>
+                <a:cs typeface="Courier"/>
               </a:rPr>
               <a:t>int</a:t>
             </a:r>
             <a:r>
-              <a:rPr lang="en-US" sz="1000" dirty="0" smtClean="0">
-                <a:solidFill>
-                  <a:srgbClr val="000000"/>
-                </a:solidFill>
-                <a:latin typeface="Consolas" pitchFamily="49" charset="0"/>
-                <a:cs typeface="Consolas" pitchFamily="49" charset="0"/>
+              <a:rPr lang="en-US" sz="900" dirty="0" smtClean="0">
+                <a:solidFill>
+                  <a:srgbClr val="000000"/>
+                </a:solidFill>
+                <a:latin typeface="Courier"/>
+                <a:cs typeface="Courier"/>
               </a:rPr>
               <a:t> reps = 2;</a:t>
             </a:r>
           </a:p>
           <a:p>
             <a:r>
-              <a:rPr lang="en-US" sz="1000" dirty="0" err="1" smtClean="0">
-                <a:solidFill>
-                  <a:srgbClr val="000000"/>
-                </a:solidFill>
-                <a:latin typeface="Consolas" pitchFamily="49" charset="0"/>
-                <a:cs typeface="Consolas" pitchFamily="49" charset="0"/>
+              <a:rPr lang="en-US" sz="900" dirty="0" err="1" smtClean="0">
+                <a:solidFill>
+                  <a:srgbClr val="000000"/>
+                </a:solidFill>
+                <a:latin typeface="Courier"/>
+                <a:cs typeface="Courier"/>
               </a:rPr>
               <a:t>int</a:t>
             </a:r>
             <a:r>
-              <a:rPr lang="en-US" sz="1000" dirty="0" smtClean="0">
-                <a:solidFill>
-                  <a:srgbClr val="000000"/>
-                </a:solidFill>
-                <a:latin typeface="Consolas" pitchFamily="49" charset="0"/>
-                <a:cs typeface="Consolas" pitchFamily="49" charset="0"/>
+              <a:rPr lang="en-US" sz="900" dirty="0" smtClean="0">
+                <a:solidFill>
+                  <a:srgbClr val="000000"/>
+                </a:solidFill>
+                <a:latin typeface="Courier"/>
+                <a:cs typeface="Courier"/>
               </a:rPr>
               <a:t> total = 6;</a:t>
             </a:r>
           </a:p>
           <a:p>
-            <a:endParaRPr lang="en-US" sz="1000" dirty="0" smtClean="0">
+            <a:endParaRPr lang="en-US" sz="900" dirty="0" smtClean="0">
               <a:solidFill>
                 <a:srgbClr val="000000"/>
               </a:solidFill>
-              <a:latin typeface="Consolas" pitchFamily="49" charset="0"/>
-              <a:cs typeface="Consolas" pitchFamily="49" charset="0"/>
+              <a:latin typeface="Courier"/>
+              <a:cs typeface="Courier"/>
             </a:endParaRPr>
           </a:p>
           <a:p>
             <a:r>
-              <a:rPr lang="en-US" sz="1000" dirty="0" smtClean="0">
-                <a:solidFill>
-                  <a:srgbClr val="000000"/>
-                </a:solidFill>
-                <a:latin typeface="Consolas" pitchFamily="49" charset="0"/>
-                <a:cs typeface="Consolas" pitchFamily="49" charset="0"/>
+              <a:rPr lang="en-US" sz="900" dirty="0" smtClean="0">
+                <a:solidFill>
+                  <a:srgbClr val="000000"/>
+                </a:solidFill>
+                <a:latin typeface="Courier"/>
+                <a:cs typeface="Courier"/>
               </a:rPr>
               <a:t>work pop 1 push 1 {</a:t>
             </a:r>
           </a:p>
           <a:p>
             <a:r>
-              <a:rPr lang="en-US" sz="1000" dirty="0">
-                <a:solidFill>
-                  <a:srgbClr val="000000"/>
-                </a:solidFill>
-                <a:latin typeface="Consolas" pitchFamily="49" charset="0"/>
-                <a:cs typeface="Consolas" pitchFamily="49" charset="0"/>
+              <a:rPr lang="en-US" sz="900" dirty="0">
+                <a:solidFill>
+                  <a:srgbClr val="000000"/>
+                </a:solidFill>
+                <a:latin typeface="Courier"/>
+                <a:cs typeface="Courier"/>
               </a:rPr>
               <a:t> </a:t>
             </a:r>
             <a:r>
-              <a:rPr lang="en-US" sz="1000" dirty="0" smtClean="0">
-                <a:solidFill>
-                  <a:srgbClr val="000000"/>
-                </a:solidFill>
-                <a:latin typeface="Consolas" pitchFamily="49" charset="0"/>
-                <a:cs typeface="Consolas" pitchFamily="49" charset="0"/>
+              <a:rPr lang="en-US" sz="900" dirty="0" smtClean="0">
+                <a:solidFill>
+                  <a:srgbClr val="000000"/>
+                </a:solidFill>
+                <a:latin typeface="Courier"/>
+                <a:cs typeface="Courier"/>
               </a:rPr>
               <a:t>     ...</a:t>
             </a:r>
-            <a:endParaRPr lang="en-US" sz="1000" dirty="0">
+            <a:endParaRPr lang="en-US" sz="900" dirty="0">
               <a:solidFill>
                 <a:srgbClr val="000000"/>
               </a:solidFill>
-              <a:latin typeface="Consolas" pitchFamily="49" charset="0"/>
-              <a:cs typeface="Consolas" pitchFamily="49" charset="0"/>
+              <a:latin typeface="Courier"/>
+              <a:cs typeface="Courier"/>
             </a:endParaRPr>
           </a:p>
           <a:p>
             <a:r>
-              <a:rPr lang="en-US" sz="1000" dirty="0" smtClean="0">
-                <a:solidFill>
-                  <a:srgbClr val="000000"/>
-                </a:solidFill>
-                <a:latin typeface="Consolas" pitchFamily="49" charset="0"/>
-                <a:cs typeface="Consolas" pitchFamily="49" charset="0"/>
+              <a:rPr lang="en-US" sz="900" dirty="0" smtClean="0">
+                <a:solidFill>
+                  <a:srgbClr val="000000"/>
+                </a:solidFill>
+                <a:latin typeface="Courier"/>
+                <a:cs typeface="Courier"/>
               </a:rPr>
               <a:t>   </a:t>
             </a:r>
             <a:r>
-              <a:rPr lang="en-US" sz="1000" dirty="0" err="1" smtClean="0">
-                <a:solidFill>
-                  <a:srgbClr val="000000"/>
-                </a:solidFill>
-                <a:latin typeface="Consolas" pitchFamily="49" charset="0"/>
-                <a:cs typeface="Consolas" pitchFamily="49" charset="0"/>
+              <a:rPr lang="en-US" sz="900" dirty="0" err="1" smtClean="0">
+                <a:solidFill>
+                  <a:srgbClr val="000000"/>
+                </a:solidFill>
+                <a:latin typeface="Courier"/>
+                <a:cs typeface="Courier"/>
               </a:rPr>
               <a:t>int</a:t>
             </a:r>
             <a:r>
-              <a:rPr lang="en-US" sz="1000" dirty="0" smtClean="0">
-                <a:solidFill>
-                  <a:srgbClr val="000000"/>
-                </a:solidFill>
-                <a:latin typeface="Consolas" pitchFamily="49" charset="0"/>
-                <a:cs typeface="Consolas" pitchFamily="49" charset="0"/>
+              <a:rPr lang="en-US" sz="900" dirty="0" smtClean="0">
+                <a:solidFill>
+                  <a:srgbClr val="000000"/>
+                </a:solidFill>
+                <a:latin typeface="Courier"/>
+                <a:cs typeface="Courier"/>
               </a:rPr>
               <a:t> counter = </a:t>
             </a:r>
             <a:r>
-              <a:rPr lang="en-US" sz="1000" dirty="0" err="1" smtClean="0">
-                <a:solidFill>
-                  <a:srgbClr val="000000"/>
-                </a:solidFill>
-                <a:latin typeface="Consolas" pitchFamily="49" charset="0"/>
-                <a:cs typeface="Consolas" pitchFamily="49" charset="0"/>
+              <a:rPr lang="en-US" sz="900" dirty="0" err="1" smtClean="0">
+                <a:solidFill>
+                  <a:srgbClr val="000000"/>
+                </a:solidFill>
+                <a:latin typeface="Courier"/>
+                <a:cs typeface="Courier"/>
               </a:rPr>
               <a:t>iter</a:t>
             </a:r>
             <a:r>
-              <a:rPr lang="en-US" sz="1000" dirty="0" smtClean="0">
-                <a:solidFill>
-                  <a:srgbClr val="000000"/>
-                </a:solidFill>
-                <a:latin typeface="Consolas" pitchFamily="49" charset="0"/>
-                <a:cs typeface="Consolas" pitchFamily="49" charset="0"/>
+              <a:rPr lang="en-US" sz="900" dirty="0" smtClean="0">
+                <a:solidFill>
+                  <a:srgbClr val="000000"/>
+                </a:solidFill>
+                <a:latin typeface="Courier"/>
+                <a:cs typeface="Courier"/>
               </a:rPr>
               <a:t>;</a:t>
             </a:r>
           </a:p>
           <a:p>
             <a:r>
-              <a:rPr lang="en-US" sz="1000" dirty="0" smtClean="0">
-                <a:solidFill>
-                  <a:srgbClr val="000000"/>
-                </a:solidFill>
-                <a:latin typeface="Consolas" pitchFamily="49" charset="0"/>
-                <a:cs typeface="Consolas" pitchFamily="49" charset="0"/>
+              <a:rPr lang="en-US" sz="900" dirty="0" smtClean="0">
+                <a:solidFill>
+                  <a:srgbClr val="000000"/>
+                </a:solidFill>
+                <a:latin typeface="Courier"/>
+                <a:cs typeface="Courier"/>
               </a:rPr>
               <a:t>      ...</a:t>
             </a:r>
           </a:p>
           <a:p>
             <a:r>
-              <a:rPr lang="en-US" sz="1000" dirty="0">
-                <a:solidFill>
-                  <a:srgbClr val="000000"/>
-                </a:solidFill>
-                <a:latin typeface="Consolas" pitchFamily="49" charset="0"/>
-                <a:cs typeface="Consolas" pitchFamily="49" charset="0"/>
+              <a:rPr lang="en-US" sz="900" dirty="0">
+                <a:solidFill>
+                  <a:srgbClr val="000000"/>
+                </a:solidFill>
+                <a:latin typeface="Courier"/>
+                <a:cs typeface="Courier"/>
               </a:rPr>
               <a:t> </a:t>
             </a:r>
             <a:r>
-              <a:rPr lang="en-US" sz="1000" dirty="0" smtClean="0">
-                <a:solidFill>
-                  <a:srgbClr val="000000"/>
-                </a:solidFill>
-                <a:latin typeface="Consolas" pitchFamily="49" charset="0"/>
-                <a:cs typeface="Consolas" pitchFamily="49" charset="0"/>
+              <a:rPr lang="en-US" sz="900" dirty="0" smtClean="0">
+                <a:solidFill>
+                  <a:srgbClr val="000000"/>
+                </a:solidFill>
+                <a:latin typeface="Courier"/>
+                <a:cs typeface="Courier"/>
               </a:rPr>
               <a:t>  </a:t>
             </a:r>
             <a:r>
-              <a:rPr lang="en-US" sz="1000" dirty="0" err="1" smtClean="0">
-                <a:solidFill>
-                  <a:srgbClr val="000000"/>
-                </a:solidFill>
-                <a:latin typeface="Consolas" pitchFamily="49" charset="0"/>
-                <a:cs typeface="Consolas" pitchFamily="49" charset="0"/>
+              <a:rPr lang="en-US" sz="900" dirty="0" err="1" smtClean="0">
+                <a:solidFill>
+                  <a:srgbClr val="000000"/>
+                </a:solidFill>
+                <a:latin typeface="Courier"/>
+                <a:cs typeface="Courier"/>
               </a:rPr>
               <a:t>iter</a:t>
             </a:r>
             <a:r>
-              <a:rPr lang="en-US" sz="1000" dirty="0" smtClean="0">
-                <a:solidFill>
-                  <a:srgbClr val="000000"/>
-                </a:solidFill>
-                <a:latin typeface="Consolas" pitchFamily="49" charset="0"/>
-                <a:cs typeface="Consolas" pitchFamily="49" charset="0"/>
+              <a:rPr lang="en-US" sz="900" dirty="0" smtClean="0">
+                <a:solidFill>
+                  <a:srgbClr val="000000"/>
+                </a:solidFill>
+                <a:latin typeface="Courier"/>
+                <a:cs typeface="Courier"/>
               </a:rPr>
               <a:t>++;</a:t>
             </a:r>
           </a:p>
           <a:p>
             <a:r>
-              <a:rPr lang="en-US" sz="1000" dirty="0">
-                <a:solidFill>
-                  <a:srgbClr val="000000"/>
-                </a:solidFill>
-                <a:latin typeface="Consolas" pitchFamily="49" charset="0"/>
-                <a:cs typeface="Consolas" pitchFamily="49" charset="0"/>
+              <a:rPr lang="en-US" sz="900" dirty="0">
+                <a:solidFill>
+                  <a:srgbClr val="000000"/>
+                </a:solidFill>
+                <a:latin typeface="Courier"/>
+                <a:cs typeface="Courier"/>
               </a:rPr>
               <a:t> </a:t>
             </a:r>
             <a:r>
-              <a:rPr lang="en-US" sz="1000" dirty="0" smtClean="0">
-                <a:solidFill>
-                  <a:srgbClr val="000000"/>
-                </a:solidFill>
-                <a:latin typeface="Consolas" pitchFamily="49" charset="0"/>
-                <a:cs typeface="Consolas" pitchFamily="49" charset="0"/>
+              <a:rPr lang="en-US" sz="900" dirty="0" smtClean="0">
+                <a:solidFill>
+                  <a:srgbClr val="000000"/>
+                </a:solidFill>
+                <a:latin typeface="Courier"/>
+                <a:cs typeface="Courier"/>
               </a:rPr>
               <a:t>  if ((</a:t>
             </a:r>
             <a:r>
-              <a:rPr lang="en-US" sz="1000" dirty="0" err="1" smtClean="0">
-                <a:solidFill>
-                  <a:srgbClr val="000000"/>
-                </a:solidFill>
-                <a:latin typeface="Consolas" pitchFamily="49" charset="0"/>
-                <a:cs typeface="Consolas" pitchFamily="49" charset="0"/>
+              <a:rPr lang="en-US" sz="900" dirty="0" err="1" smtClean="0">
+                <a:solidFill>
+                  <a:srgbClr val="000000"/>
+                </a:solidFill>
+                <a:latin typeface="Courier"/>
+                <a:cs typeface="Courier"/>
               </a:rPr>
               <a:t>iter</a:t>
             </a:r>
             <a:r>
-              <a:rPr lang="en-US" sz="1000" dirty="0" smtClean="0">
-                <a:solidFill>
-                  <a:srgbClr val="000000"/>
-                </a:solidFill>
-                <a:latin typeface="Consolas" pitchFamily="49" charset="0"/>
-                <a:cs typeface="Consolas" pitchFamily="49" charset="0"/>
+              <a:rPr lang="en-US" sz="900" dirty="0" smtClean="0">
+                <a:solidFill>
+                  <a:srgbClr val="000000"/>
+                </a:solidFill>
+                <a:latin typeface="Courier"/>
+                <a:cs typeface="Courier"/>
               </a:rPr>
               <a:t>–start–reps) % total == 0)</a:t>
             </a:r>
           </a:p>
           <a:p>
             <a:r>
-              <a:rPr lang="en-US" sz="1000" dirty="0">
-                <a:solidFill>
-                  <a:srgbClr val="000000"/>
-                </a:solidFill>
-                <a:latin typeface="Consolas" pitchFamily="49" charset="0"/>
-                <a:cs typeface="Consolas" pitchFamily="49" charset="0"/>
+              <a:rPr lang="en-US" sz="900" dirty="0">
+                <a:solidFill>
+                  <a:srgbClr val="000000"/>
+                </a:solidFill>
+                <a:latin typeface="Courier"/>
+                <a:cs typeface="Courier"/>
               </a:rPr>
               <a:t> </a:t>
             </a:r>
             <a:r>
-              <a:rPr lang="en-US" sz="1000" dirty="0" smtClean="0">
-                <a:solidFill>
-                  <a:srgbClr val="000000"/>
-                </a:solidFill>
-                <a:latin typeface="Consolas" pitchFamily="49" charset="0"/>
-                <a:cs typeface="Consolas" pitchFamily="49" charset="0"/>
+              <a:rPr lang="en-US" sz="900" dirty="0" smtClean="0">
+                <a:solidFill>
+                  <a:srgbClr val="000000"/>
+                </a:solidFill>
+                <a:latin typeface="Courier"/>
+                <a:cs typeface="Courier"/>
               </a:rPr>
               <a:t>    </a:t>
             </a:r>
             <a:r>
-              <a:rPr lang="en-US" sz="1000" dirty="0" err="1" smtClean="0">
-                <a:solidFill>
-                  <a:srgbClr val="000000"/>
-                </a:solidFill>
-                <a:latin typeface="Consolas" pitchFamily="49" charset="0"/>
-                <a:cs typeface="Consolas" pitchFamily="49" charset="0"/>
+              <a:rPr lang="en-US" sz="900" dirty="0" err="1" smtClean="0">
+                <a:solidFill>
+                  <a:srgbClr val="000000"/>
+                </a:solidFill>
+                <a:latin typeface="Courier"/>
+                <a:cs typeface="Courier"/>
               </a:rPr>
               <a:t>iter</a:t>
             </a:r>
             <a:r>
-              <a:rPr lang="en-US" sz="1000" dirty="0" smtClean="0">
-                <a:solidFill>
-                  <a:srgbClr val="000000"/>
-                </a:solidFill>
-                <a:latin typeface="Consolas" pitchFamily="49" charset="0"/>
-                <a:cs typeface="Consolas" pitchFamily="49" charset="0"/>
+              <a:rPr lang="en-US" sz="900" dirty="0" smtClean="0">
+                <a:solidFill>
+                  <a:srgbClr val="000000"/>
+                </a:solidFill>
+                <a:latin typeface="Courier"/>
+                <a:cs typeface="Courier"/>
               </a:rPr>
               <a:t> = </a:t>
             </a:r>
             <a:r>
-              <a:rPr lang="en-US" sz="1000" dirty="0" err="1" smtClean="0">
-                <a:solidFill>
-                  <a:srgbClr val="000000"/>
-                </a:solidFill>
-                <a:latin typeface="Consolas" pitchFamily="49" charset="0"/>
-                <a:cs typeface="Consolas" pitchFamily="49" charset="0"/>
+              <a:rPr lang="en-US" sz="900" dirty="0" err="1" smtClean="0">
+                <a:solidFill>
+                  <a:srgbClr val="000000"/>
+                </a:solidFill>
+                <a:latin typeface="Courier"/>
+                <a:cs typeface="Courier"/>
               </a:rPr>
               <a:t>iter+total</a:t>
             </a:r>
             <a:r>
-              <a:rPr lang="en-US" sz="1000" dirty="0" smtClean="0">
-                <a:solidFill>
-                  <a:srgbClr val="000000"/>
-                </a:solidFill>
-                <a:latin typeface="Consolas" pitchFamily="49" charset="0"/>
-                <a:cs typeface="Consolas" pitchFamily="49" charset="0"/>
+              <a:rPr lang="en-US" sz="900" dirty="0" smtClean="0">
+                <a:solidFill>
+                  <a:srgbClr val="000000"/>
+                </a:solidFill>
+                <a:latin typeface="Courier"/>
+                <a:cs typeface="Courier"/>
               </a:rPr>
               <a:t>-reps;</a:t>
             </a:r>
           </a:p>
           <a:p>
             <a:r>
-              <a:rPr lang="en-US" sz="1000" dirty="0" smtClean="0">
-                <a:solidFill>
-                  <a:srgbClr val="000000"/>
-                </a:solidFill>
-                <a:latin typeface="Consolas" pitchFamily="49" charset="0"/>
-                <a:cs typeface="Consolas" pitchFamily="49" charset="0"/>
+              <a:rPr lang="en-US" sz="900" dirty="0" smtClean="0">
+                <a:solidFill>
+                  <a:srgbClr val="000000"/>
+                </a:solidFill>
+                <a:latin typeface="Courier"/>
+                <a:cs typeface="Courier"/>
               </a:rPr>
               <a:t>}</a:t>
             </a:r>
-            <a:endParaRPr lang="en-US" sz="1000" dirty="0">
+            <a:endParaRPr lang="en-US" sz="900" dirty="0">
               <a:solidFill>
                 <a:srgbClr val="000000"/>
               </a:solidFill>
-              <a:latin typeface="Consolas" pitchFamily="49" charset="0"/>
-              <a:cs typeface="Consolas" pitchFamily="49" charset="0"/>
+              <a:latin typeface="Courier"/>
+              <a:cs typeface="Courier"/>
             </a:endParaRPr>
           </a:p>
         </p:txBody>
@@ -12793,8 +12813,8 @@
         </p:nvSpPr>
         <p:spPr>
           <a:xfrm>
-            <a:off x="6096000" y="1905000"/>
-            <a:ext cx="3048000" cy="2362200"/>
+            <a:off x="6248400" y="2057400"/>
+            <a:ext cx="2898648" cy="2060448"/>
           </a:xfrm>
           <a:prstGeom prst="roundRect">
             <a:avLst/>
@@ -12827,389 +12847,389 @@
           <a:lstStyle/>
           <a:p>
             <a:r>
-              <a:rPr lang="en-US" sz="1000" dirty="0" err="1" smtClean="0">
-                <a:solidFill>
-                  <a:srgbClr val="000000"/>
-                </a:solidFill>
-                <a:latin typeface="Consolas" pitchFamily="49" charset="0"/>
-                <a:cs typeface="Consolas" pitchFamily="49" charset="0"/>
+              <a:rPr lang="en-US" sz="900" dirty="0" err="1" smtClean="0">
+                <a:solidFill>
+                  <a:srgbClr val="000000"/>
+                </a:solidFill>
+                <a:latin typeface="Courier"/>
+                <a:cs typeface="Courier"/>
               </a:rPr>
               <a:t>int</a:t>
             </a:r>
             <a:r>
-              <a:rPr lang="en-US" sz="1000" dirty="0" smtClean="0">
-                <a:solidFill>
-                  <a:srgbClr val="000000"/>
-                </a:solidFill>
-                <a:latin typeface="Consolas" pitchFamily="49" charset="0"/>
-                <a:cs typeface="Consolas" pitchFamily="49" charset="0"/>
+              <a:rPr lang="en-US" sz="900" dirty="0" smtClean="0">
+                <a:solidFill>
+                  <a:srgbClr val="000000"/>
+                </a:solidFill>
+                <a:latin typeface="Courier"/>
+                <a:cs typeface="Courier"/>
               </a:rPr>
               <a:t> </a:t>
             </a:r>
             <a:r>
-              <a:rPr lang="en-US" sz="1000" dirty="0" err="1" smtClean="0">
-                <a:solidFill>
-                  <a:srgbClr val="000000"/>
-                </a:solidFill>
-                <a:latin typeface="Consolas" pitchFamily="49" charset="0"/>
-                <a:cs typeface="Consolas" pitchFamily="49" charset="0"/>
+              <a:rPr lang="en-US" sz="900" dirty="0" err="1" smtClean="0">
+                <a:solidFill>
+                  <a:srgbClr val="000000"/>
+                </a:solidFill>
+                <a:latin typeface="Courier"/>
+                <a:cs typeface="Courier"/>
               </a:rPr>
               <a:t>iter</a:t>
             </a:r>
             <a:r>
-              <a:rPr lang="en-US" sz="1000" dirty="0" smtClean="0">
-                <a:solidFill>
-                  <a:srgbClr val="000000"/>
-                </a:solidFill>
-                <a:latin typeface="Consolas" pitchFamily="49" charset="0"/>
-                <a:cs typeface="Consolas" pitchFamily="49" charset="0"/>
+              <a:rPr lang="en-US" sz="900" dirty="0" smtClean="0">
+                <a:solidFill>
+                  <a:srgbClr val="000000"/>
+                </a:solidFill>
+                <a:latin typeface="Courier"/>
+                <a:cs typeface="Courier"/>
               </a:rPr>
               <a:t> = 4;</a:t>
             </a:r>
           </a:p>
           <a:p>
             <a:r>
-              <a:rPr lang="en-US" sz="1000" dirty="0" err="1" smtClean="0">
-                <a:solidFill>
-                  <a:srgbClr val="000000"/>
-                </a:solidFill>
-                <a:latin typeface="Consolas" pitchFamily="49" charset="0"/>
-                <a:cs typeface="Consolas" pitchFamily="49" charset="0"/>
+              <a:rPr lang="en-US" sz="900" dirty="0" err="1" smtClean="0">
+                <a:solidFill>
+                  <a:srgbClr val="000000"/>
+                </a:solidFill>
+                <a:latin typeface="Courier"/>
+                <a:cs typeface="Courier"/>
               </a:rPr>
               <a:t>int</a:t>
             </a:r>
             <a:r>
-              <a:rPr lang="en-US" sz="1000" dirty="0" smtClean="0">
-                <a:solidFill>
-                  <a:srgbClr val="000000"/>
-                </a:solidFill>
-                <a:latin typeface="Consolas" pitchFamily="49" charset="0"/>
-                <a:cs typeface="Consolas" pitchFamily="49" charset="0"/>
+              <a:rPr lang="en-US" sz="900" dirty="0" smtClean="0">
+                <a:solidFill>
+                  <a:srgbClr val="000000"/>
+                </a:solidFill>
+                <a:latin typeface="Courier"/>
+                <a:cs typeface="Courier"/>
               </a:rPr>
               <a:t> start = 4;</a:t>
             </a:r>
           </a:p>
           <a:p>
             <a:r>
-              <a:rPr lang="en-US" sz="1000" dirty="0" err="1" smtClean="0">
-                <a:solidFill>
-                  <a:srgbClr val="000000"/>
-                </a:solidFill>
-                <a:latin typeface="Consolas" pitchFamily="49" charset="0"/>
-                <a:cs typeface="Consolas" pitchFamily="49" charset="0"/>
+              <a:rPr lang="en-US" sz="900" dirty="0" err="1" smtClean="0">
+                <a:solidFill>
+                  <a:srgbClr val="000000"/>
+                </a:solidFill>
+                <a:latin typeface="Courier"/>
+                <a:cs typeface="Courier"/>
               </a:rPr>
               <a:t>int</a:t>
             </a:r>
             <a:r>
-              <a:rPr lang="en-US" sz="1000" dirty="0" smtClean="0">
-                <a:solidFill>
-                  <a:srgbClr val="000000"/>
-                </a:solidFill>
-                <a:latin typeface="Consolas" pitchFamily="49" charset="0"/>
-                <a:cs typeface="Consolas" pitchFamily="49" charset="0"/>
+              <a:rPr lang="en-US" sz="900" dirty="0" smtClean="0">
+                <a:solidFill>
+                  <a:srgbClr val="000000"/>
+                </a:solidFill>
+                <a:latin typeface="Courier"/>
+                <a:cs typeface="Courier"/>
               </a:rPr>
               <a:t> reps = 2;</a:t>
             </a:r>
           </a:p>
           <a:p>
             <a:r>
-              <a:rPr lang="en-US" sz="1000" dirty="0" err="1" smtClean="0">
-                <a:solidFill>
-                  <a:srgbClr val="000000"/>
-                </a:solidFill>
-                <a:latin typeface="Consolas" pitchFamily="49" charset="0"/>
-                <a:cs typeface="Consolas" pitchFamily="49" charset="0"/>
+              <a:rPr lang="en-US" sz="900" dirty="0" err="1" smtClean="0">
+                <a:solidFill>
+                  <a:srgbClr val="000000"/>
+                </a:solidFill>
+                <a:latin typeface="Courier"/>
+                <a:cs typeface="Courier"/>
               </a:rPr>
               <a:t>int</a:t>
             </a:r>
             <a:r>
-              <a:rPr lang="en-US" sz="1000" dirty="0" smtClean="0">
-                <a:solidFill>
-                  <a:srgbClr val="000000"/>
-                </a:solidFill>
-                <a:latin typeface="Consolas" pitchFamily="49" charset="0"/>
-                <a:cs typeface="Consolas" pitchFamily="49" charset="0"/>
+              <a:rPr lang="en-US" sz="900" dirty="0" smtClean="0">
+                <a:solidFill>
+                  <a:srgbClr val="000000"/>
+                </a:solidFill>
+                <a:latin typeface="Courier"/>
+                <a:cs typeface="Courier"/>
               </a:rPr>
               <a:t> total = 6;</a:t>
             </a:r>
           </a:p>
           <a:p>
-            <a:endParaRPr lang="en-US" sz="1000" dirty="0" smtClean="0">
+            <a:endParaRPr lang="en-US" sz="900" dirty="0" smtClean="0">
               <a:solidFill>
                 <a:srgbClr val="000000"/>
               </a:solidFill>
-              <a:latin typeface="Consolas" pitchFamily="49" charset="0"/>
-              <a:cs typeface="Consolas" pitchFamily="49" charset="0"/>
+              <a:latin typeface="Courier"/>
+              <a:cs typeface="Courier"/>
             </a:endParaRPr>
           </a:p>
           <a:p>
             <a:r>
-              <a:rPr lang="en-US" sz="1000" dirty="0" smtClean="0">
-                <a:solidFill>
-                  <a:srgbClr val="000000"/>
-                </a:solidFill>
-                <a:latin typeface="Consolas" pitchFamily="49" charset="0"/>
-                <a:cs typeface="Consolas" pitchFamily="49" charset="0"/>
+              <a:rPr lang="en-US" sz="900" dirty="0" smtClean="0">
+                <a:solidFill>
+                  <a:srgbClr val="000000"/>
+                </a:solidFill>
+                <a:latin typeface="Courier"/>
+                <a:cs typeface="Courier"/>
               </a:rPr>
               <a:t>work pop 1 push 1 {</a:t>
             </a:r>
           </a:p>
           <a:p>
             <a:r>
-              <a:rPr lang="en-US" sz="1000" dirty="0">
-                <a:solidFill>
-                  <a:srgbClr val="000000"/>
-                </a:solidFill>
-                <a:latin typeface="Consolas" pitchFamily="49" charset="0"/>
-                <a:cs typeface="Consolas" pitchFamily="49" charset="0"/>
+              <a:rPr lang="en-US" sz="900" dirty="0">
+                <a:solidFill>
+                  <a:srgbClr val="000000"/>
+                </a:solidFill>
+                <a:latin typeface="Courier"/>
+                <a:cs typeface="Courier"/>
               </a:rPr>
               <a:t> </a:t>
             </a:r>
             <a:r>
-              <a:rPr lang="en-US" sz="1000" dirty="0" smtClean="0">
-                <a:solidFill>
-                  <a:srgbClr val="000000"/>
-                </a:solidFill>
-                <a:latin typeface="Consolas" pitchFamily="49" charset="0"/>
-                <a:cs typeface="Consolas" pitchFamily="49" charset="0"/>
+              <a:rPr lang="en-US" sz="900" dirty="0" smtClean="0">
+                <a:solidFill>
+                  <a:srgbClr val="000000"/>
+                </a:solidFill>
+                <a:latin typeface="Courier"/>
+                <a:cs typeface="Courier"/>
               </a:rPr>
               <a:t>     ...</a:t>
             </a:r>
-            <a:endParaRPr lang="en-US" sz="1000" dirty="0">
+            <a:endParaRPr lang="en-US" sz="900" dirty="0">
               <a:solidFill>
                 <a:srgbClr val="000000"/>
               </a:solidFill>
-              <a:latin typeface="Consolas" pitchFamily="49" charset="0"/>
-              <a:cs typeface="Consolas" pitchFamily="49" charset="0"/>
+              <a:latin typeface="Courier"/>
+              <a:cs typeface="Courier"/>
             </a:endParaRPr>
           </a:p>
           <a:p>
             <a:r>
-              <a:rPr lang="en-US" sz="1000" dirty="0" smtClean="0">
-                <a:solidFill>
-                  <a:srgbClr val="000000"/>
-                </a:solidFill>
-                <a:latin typeface="Consolas" pitchFamily="49" charset="0"/>
-                <a:cs typeface="Consolas" pitchFamily="49" charset="0"/>
+              <a:rPr lang="en-US" sz="900" dirty="0" smtClean="0">
+                <a:solidFill>
+                  <a:srgbClr val="000000"/>
+                </a:solidFill>
+                <a:latin typeface="Courier"/>
+                <a:cs typeface="Courier"/>
               </a:rPr>
               <a:t>   </a:t>
             </a:r>
             <a:r>
-              <a:rPr lang="en-US" sz="1000" dirty="0" err="1" smtClean="0">
-                <a:solidFill>
-                  <a:srgbClr val="000000"/>
-                </a:solidFill>
-                <a:latin typeface="Consolas" pitchFamily="49" charset="0"/>
-                <a:cs typeface="Consolas" pitchFamily="49" charset="0"/>
+              <a:rPr lang="en-US" sz="900" dirty="0" err="1" smtClean="0">
+                <a:solidFill>
+                  <a:srgbClr val="000000"/>
+                </a:solidFill>
+                <a:latin typeface="Courier"/>
+                <a:cs typeface="Courier"/>
               </a:rPr>
               <a:t>int</a:t>
             </a:r>
             <a:r>
-              <a:rPr lang="en-US" sz="1000" dirty="0" smtClean="0">
-                <a:solidFill>
-                  <a:srgbClr val="000000"/>
-                </a:solidFill>
-                <a:latin typeface="Consolas" pitchFamily="49" charset="0"/>
-                <a:cs typeface="Consolas" pitchFamily="49" charset="0"/>
+              <a:rPr lang="en-US" sz="900" dirty="0" smtClean="0">
+                <a:solidFill>
+                  <a:srgbClr val="000000"/>
+                </a:solidFill>
+                <a:latin typeface="Courier"/>
+                <a:cs typeface="Courier"/>
               </a:rPr>
               <a:t> counter = </a:t>
             </a:r>
             <a:r>
-              <a:rPr lang="en-US" sz="1000" dirty="0" err="1" smtClean="0">
-                <a:solidFill>
-                  <a:srgbClr val="000000"/>
-                </a:solidFill>
-                <a:latin typeface="Consolas" pitchFamily="49" charset="0"/>
-                <a:cs typeface="Consolas" pitchFamily="49" charset="0"/>
+              <a:rPr lang="en-US" sz="900" dirty="0" err="1" smtClean="0">
+                <a:solidFill>
+                  <a:srgbClr val="000000"/>
+                </a:solidFill>
+                <a:latin typeface="Courier"/>
+                <a:cs typeface="Courier"/>
               </a:rPr>
               <a:t>iter</a:t>
             </a:r>
             <a:r>
-              <a:rPr lang="en-US" sz="1000" dirty="0" smtClean="0">
-                <a:solidFill>
-                  <a:srgbClr val="000000"/>
-                </a:solidFill>
-                <a:latin typeface="Consolas" pitchFamily="49" charset="0"/>
-                <a:cs typeface="Consolas" pitchFamily="49" charset="0"/>
+              <a:rPr lang="en-US" sz="900" dirty="0" smtClean="0">
+                <a:solidFill>
+                  <a:srgbClr val="000000"/>
+                </a:solidFill>
+                <a:latin typeface="Courier"/>
+                <a:cs typeface="Courier"/>
               </a:rPr>
               <a:t>;</a:t>
             </a:r>
           </a:p>
           <a:p>
             <a:r>
-              <a:rPr lang="en-US" sz="1000" dirty="0" smtClean="0">
-                <a:solidFill>
-                  <a:srgbClr val="000000"/>
-                </a:solidFill>
-                <a:latin typeface="Consolas" pitchFamily="49" charset="0"/>
-                <a:cs typeface="Consolas" pitchFamily="49" charset="0"/>
+              <a:rPr lang="en-US" sz="900" dirty="0" smtClean="0">
+                <a:solidFill>
+                  <a:srgbClr val="000000"/>
+                </a:solidFill>
+                <a:latin typeface="Courier"/>
+                <a:cs typeface="Courier"/>
               </a:rPr>
               <a:t>      ...</a:t>
             </a:r>
           </a:p>
           <a:p>
             <a:r>
-              <a:rPr lang="en-US" sz="1000" dirty="0">
-                <a:solidFill>
-                  <a:srgbClr val="000000"/>
-                </a:solidFill>
-                <a:latin typeface="Consolas" pitchFamily="49" charset="0"/>
-                <a:cs typeface="Consolas" pitchFamily="49" charset="0"/>
+              <a:rPr lang="en-US" sz="900" dirty="0">
+                <a:solidFill>
+                  <a:srgbClr val="000000"/>
+                </a:solidFill>
+                <a:latin typeface="Courier"/>
+                <a:cs typeface="Courier"/>
               </a:rPr>
               <a:t> </a:t>
             </a:r>
             <a:r>
-              <a:rPr lang="en-US" sz="1000" dirty="0" smtClean="0">
-                <a:solidFill>
-                  <a:srgbClr val="000000"/>
-                </a:solidFill>
-                <a:latin typeface="Consolas" pitchFamily="49" charset="0"/>
-                <a:cs typeface="Consolas" pitchFamily="49" charset="0"/>
+              <a:rPr lang="en-US" sz="900" dirty="0" smtClean="0">
+                <a:solidFill>
+                  <a:srgbClr val="000000"/>
+                </a:solidFill>
+                <a:latin typeface="Courier"/>
+                <a:cs typeface="Courier"/>
               </a:rPr>
               <a:t>  </a:t>
             </a:r>
             <a:r>
-              <a:rPr lang="en-US" sz="1000" dirty="0" err="1" smtClean="0">
-                <a:solidFill>
-                  <a:srgbClr val="000000"/>
-                </a:solidFill>
-                <a:latin typeface="Consolas" pitchFamily="49" charset="0"/>
-                <a:cs typeface="Consolas" pitchFamily="49" charset="0"/>
+              <a:rPr lang="en-US" sz="900" dirty="0" err="1" smtClean="0">
+                <a:solidFill>
+                  <a:srgbClr val="000000"/>
+                </a:solidFill>
+                <a:latin typeface="Courier"/>
+                <a:cs typeface="Courier"/>
               </a:rPr>
               <a:t>iter</a:t>
             </a:r>
             <a:r>
-              <a:rPr lang="en-US" sz="1000" dirty="0" smtClean="0">
-                <a:solidFill>
-                  <a:srgbClr val="000000"/>
-                </a:solidFill>
-                <a:latin typeface="Consolas" pitchFamily="49" charset="0"/>
-                <a:cs typeface="Consolas" pitchFamily="49" charset="0"/>
+              <a:rPr lang="en-US" sz="900" dirty="0" smtClean="0">
+                <a:solidFill>
+                  <a:srgbClr val="000000"/>
+                </a:solidFill>
+                <a:latin typeface="Courier"/>
+                <a:cs typeface="Courier"/>
               </a:rPr>
               <a:t>++;</a:t>
             </a:r>
           </a:p>
           <a:p>
             <a:r>
-              <a:rPr lang="en-US" sz="1000" dirty="0">
-                <a:solidFill>
-                  <a:srgbClr val="000000"/>
-                </a:solidFill>
-                <a:latin typeface="Consolas" pitchFamily="49" charset="0"/>
-                <a:cs typeface="Consolas" pitchFamily="49" charset="0"/>
+              <a:rPr lang="en-US" sz="900" dirty="0">
+                <a:solidFill>
+                  <a:srgbClr val="000000"/>
+                </a:solidFill>
+                <a:latin typeface="Courier"/>
+                <a:cs typeface="Courier"/>
               </a:rPr>
               <a:t> </a:t>
             </a:r>
             <a:r>
-              <a:rPr lang="en-US" sz="1000" dirty="0" smtClean="0">
-                <a:solidFill>
-                  <a:srgbClr val="000000"/>
-                </a:solidFill>
-                <a:latin typeface="Consolas" pitchFamily="49" charset="0"/>
-                <a:cs typeface="Consolas" pitchFamily="49" charset="0"/>
+              <a:rPr lang="en-US" sz="900" dirty="0" smtClean="0">
+                <a:solidFill>
+                  <a:srgbClr val="000000"/>
+                </a:solidFill>
+                <a:latin typeface="Courier"/>
+                <a:cs typeface="Courier"/>
               </a:rPr>
               <a:t>  if ((</a:t>
             </a:r>
             <a:r>
-              <a:rPr lang="en-US" sz="1000" dirty="0" err="1" smtClean="0">
-                <a:solidFill>
-                  <a:srgbClr val="000000"/>
-                </a:solidFill>
-                <a:latin typeface="Consolas" pitchFamily="49" charset="0"/>
-                <a:cs typeface="Consolas" pitchFamily="49" charset="0"/>
+              <a:rPr lang="en-US" sz="900" dirty="0" err="1" smtClean="0">
+                <a:solidFill>
+                  <a:srgbClr val="000000"/>
+                </a:solidFill>
+                <a:latin typeface="Courier"/>
+                <a:cs typeface="Courier"/>
               </a:rPr>
               <a:t>iter</a:t>
             </a:r>
             <a:r>
-              <a:rPr lang="en-US" sz="1000" dirty="0" smtClean="0">
-                <a:solidFill>
-                  <a:srgbClr val="000000"/>
-                </a:solidFill>
-                <a:latin typeface="Consolas" pitchFamily="49" charset="0"/>
-                <a:cs typeface="Consolas" pitchFamily="49" charset="0"/>
+              <a:rPr lang="en-US" sz="900" dirty="0" smtClean="0">
+                <a:solidFill>
+                  <a:srgbClr val="000000"/>
+                </a:solidFill>
+                <a:latin typeface="Courier"/>
+                <a:cs typeface="Courier"/>
               </a:rPr>
               <a:t>–start–reps) % total == 0)</a:t>
             </a:r>
           </a:p>
           <a:p>
             <a:r>
-              <a:rPr lang="en-US" sz="1000" dirty="0">
-                <a:solidFill>
-                  <a:srgbClr val="000000"/>
-                </a:solidFill>
-                <a:latin typeface="Consolas" pitchFamily="49" charset="0"/>
-                <a:cs typeface="Consolas" pitchFamily="49" charset="0"/>
+              <a:rPr lang="en-US" sz="900" dirty="0">
+                <a:solidFill>
+                  <a:srgbClr val="000000"/>
+                </a:solidFill>
+                <a:latin typeface="Courier"/>
+                <a:cs typeface="Courier"/>
               </a:rPr>
               <a:t> </a:t>
             </a:r>
             <a:r>
-              <a:rPr lang="en-US" sz="1000" dirty="0" smtClean="0">
-                <a:solidFill>
-                  <a:srgbClr val="000000"/>
-                </a:solidFill>
-                <a:latin typeface="Consolas" pitchFamily="49" charset="0"/>
-                <a:cs typeface="Consolas" pitchFamily="49" charset="0"/>
+              <a:rPr lang="en-US" sz="900" dirty="0" smtClean="0">
+                <a:solidFill>
+                  <a:srgbClr val="000000"/>
+                </a:solidFill>
+                <a:latin typeface="Courier"/>
+                <a:cs typeface="Courier"/>
               </a:rPr>
               <a:t>    </a:t>
             </a:r>
             <a:r>
-              <a:rPr lang="en-US" sz="1000" dirty="0" err="1" smtClean="0">
-                <a:solidFill>
-                  <a:srgbClr val="000000"/>
-                </a:solidFill>
-                <a:latin typeface="Consolas" pitchFamily="49" charset="0"/>
-                <a:cs typeface="Consolas" pitchFamily="49" charset="0"/>
+              <a:rPr lang="en-US" sz="900" dirty="0" err="1" smtClean="0">
+                <a:solidFill>
+                  <a:srgbClr val="000000"/>
+                </a:solidFill>
+                <a:latin typeface="Courier"/>
+                <a:cs typeface="Courier"/>
               </a:rPr>
               <a:t>iter</a:t>
             </a:r>
             <a:r>
-              <a:rPr lang="en-US" sz="1000" dirty="0" smtClean="0">
-                <a:solidFill>
-                  <a:srgbClr val="000000"/>
-                </a:solidFill>
-                <a:latin typeface="Consolas" pitchFamily="49" charset="0"/>
-                <a:cs typeface="Consolas" pitchFamily="49" charset="0"/>
+              <a:rPr lang="en-US" sz="900" dirty="0" smtClean="0">
+                <a:solidFill>
+                  <a:srgbClr val="000000"/>
+                </a:solidFill>
+                <a:latin typeface="Courier"/>
+                <a:cs typeface="Courier"/>
               </a:rPr>
               <a:t> = </a:t>
             </a:r>
             <a:r>
-              <a:rPr lang="en-US" sz="1000" dirty="0" err="1" smtClean="0">
-                <a:solidFill>
-                  <a:srgbClr val="000000"/>
-                </a:solidFill>
-                <a:latin typeface="Consolas" pitchFamily="49" charset="0"/>
-                <a:cs typeface="Consolas" pitchFamily="49" charset="0"/>
+              <a:rPr lang="en-US" sz="900" dirty="0" err="1" smtClean="0">
+                <a:solidFill>
+                  <a:srgbClr val="000000"/>
+                </a:solidFill>
+                <a:latin typeface="Courier"/>
+                <a:cs typeface="Courier"/>
               </a:rPr>
               <a:t>iter+total</a:t>
             </a:r>
             <a:r>
-              <a:rPr lang="en-US" sz="1000" dirty="0" smtClean="0">
-                <a:solidFill>
-                  <a:srgbClr val="000000"/>
-                </a:solidFill>
-                <a:latin typeface="Consolas" pitchFamily="49" charset="0"/>
-                <a:cs typeface="Consolas" pitchFamily="49" charset="0"/>
+              <a:rPr lang="en-US" sz="900" dirty="0" smtClean="0">
+                <a:solidFill>
+                  <a:srgbClr val="000000"/>
+                </a:solidFill>
+                <a:latin typeface="Courier"/>
+                <a:cs typeface="Courier"/>
               </a:rPr>
               <a:t>-reps;</a:t>
             </a:r>
           </a:p>
           <a:p>
             <a:r>
-              <a:rPr lang="en-US" sz="1000" dirty="0" smtClean="0">
-                <a:solidFill>
-                  <a:srgbClr val="000000"/>
-                </a:solidFill>
-                <a:latin typeface="Consolas" pitchFamily="49" charset="0"/>
-                <a:cs typeface="Consolas" pitchFamily="49" charset="0"/>
+              <a:rPr lang="en-US" sz="900" dirty="0" smtClean="0">
+                <a:solidFill>
+                  <a:srgbClr val="000000"/>
+                </a:solidFill>
+                <a:latin typeface="Courier"/>
+                <a:cs typeface="Courier"/>
               </a:rPr>
               <a:t>}</a:t>
             </a:r>
-            <a:endParaRPr lang="en-US" sz="1000" dirty="0">
+            <a:endParaRPr lang="en-US" sz="900" dirty="0">
               <a:solidFill>
                 <a:srgbClr val="000000"/>
               </a:solidFill>
-              <a:latin typeface="Consolas" pitchFamily="49" charset="0"/>
-              <a:cs typeface="Consolas" pitchFamily="49" charset="0"/>
+              <a:latin typeface="Courier"/>
+              <a:cs typeface="Courier"/>
             </a:endParaRPr>
           </a:p>
         </p:txBody>
@@ -13225,8 +13245,8 @@
         </p:nvCxnSpPr>
         <p:spPr>
           <a:xfrm>
-            <a:off x="4388455" y="1418251"/>
-            <a:ext cx="3231545" cy="486749"/>
+            <a:off x="4572000" y="1418251"/>
+            <a:ext cx="3125724" cy="639149"/>
           </a:xfrm>
           <a:prstGeom prst="straightConnector1">
             <a:avLst/>
@@ -13267,8 +13287,8 @@
         </p:nvCxnSpPr>
         <p:spPr>
           <a:xfrm flipH="1">
-            <a:off x="4388455" y="4267200"/>
-            <a:ext cx="3231545" cy="1219200"/>
+            <a:off x="4572000" y="4117848"/>
+            <a:ext cx="3125724" cy="1368552"/>
           </a:xfrm>
           <a:prstGeom prst="straightConnector1">
             <a:avLst/>
@@ -13309,8 +13329,8 @@
         </p:nvCxnSpPr>
         <p:spPr>
           <a:xfrm>
-            <a:off x="1219200" y="4267200"/>
-            <a:ext cx="3169255" cy="1219200"/>
+            <a:off x="1447800" y="4114800"/>
+            <a:ext cx="3124200" cy="1371600"/>
           </a:xfrm>
           <a:prstGeom prst="straightConnector1">
             <a:avLst/>
@@ -13346,7 +13366,13 @@
           <p:cNvGraphicFramePr>
             <a:graphicFrameLocks noGrp="1"/>
           </p:cNvGraphicFramePr>
-          <p:nvPr/>
+          <p:nvPr>
+            <p:extLst>
+              <p:ext uri="{D42A27DB-BD31-4B8C-83A1-F6EECF244321}">
+                <p14:modId xmlns:p14="http://schemas.microsoft.com/office/powerpoint/2010/main" val="2355837334"/>
+              </p:ext>
+            </p:extLst>
+          </p:nvPr>
         </p:nvGraphicFramePr>
         <p:xfrm>
           <a:off x="533400" y="4038600"/>
@@ -13356,7 +13382,7 @@
           <a:graphicData uri="http://schemas.openxmlformats.org/drawingml/2006/table">
             <a:tbl>
               <a:tblPr firstRow="1" bandRow="1">
-                <a:tableStyleId>{5C22544A-7EE6-4342-B048-85BDC9FD1C3A}</a:tableStyleId>
+                <a:tableStyleId>{073A0DAA-6AF3-43AB-8588-CEC1D06C72B9}</a:tableStyleId>
               </a:tblPr>
               <a:tblGrid>
                 <a:gridCol w="397193"/>
@@ -13430,7 +13456,7 @@
                   <a:tcPr/>
                 </a:tc>
               </a:tr>
-              <a:tr h="233680">
+              <a:tr h="243840">
                 <a:tc>
                   <a:txBody>
                     <a:bodyPr/>
@@ -13438,7 +13464,7 @@
                     <a:p>
                       <a:pPr algn="ctr"/>
                       <a:r>
-                        <a:rPr lang="en-US" sz="1000" b="1" dirty="0" smtClean="0"/>
+                        <a:rPr lang="en-US" sz="1000" dirty="0" smtClean="0"/>
                         <a:t>0</a:t>
                       </a:r>
                       <a:endParaRPr lang="en-US" sz="1000" b="1" dirty="0"/>
@@ -13495,7 +13521,7 @@
                   <a:tcPr/>
                 </a:tc>
               </a:tr>
-              <a:tr h="233680">
+              <a:tr h="243840">
                 <a:tc>
                   <a:txBody>
                     <a:bodyPr/>
@@ -13503,7 +13529,7 @@
                     <a:p>
                       <a:pPr algn="ctr"/>
                       <a:r>
-                        <a:rPr lang="en-US" sz="1000" b="1" dirty="0" smtClean="0"/>
+                        <a:rPr lang="en-US" sz="1000" dirty="0" smtClean="0"/>
                         <a:t>1</a:t>
                       </a:r>
                       <a:endParaRPr lang="en-US" sz="1000" b="1" dirty="0"/>
@@ -13561,7 +13587,7 @@
                   <a:tcPr/>
                 </a:tc>
               </a:tr>
-              <a:tr h="233680">
+              <a:tr h="243840">
                 <a:tc>
                   <a:txBody>
                     <a:bodyPr/>
@@ -13569,7 +13595,7 @@
                     <a:p>
                       <a:pPr algn="ctr"/>
                       <a:r>
-                        <a:rPr lang="en-US" sz="1000" b="1" dirty="0" smtClean="0"/>
+                        <a:rPr lang="en-US" sz="1000" dirty="0" smtClean="0"/>
                         <a:t>6</a:t>
                       </a:r>
                       <a:endParaRPr lang="en-US" sz="1000" b="1" dirty="0"/>
@@ -13604,11 +13630,7 @@
                       </a:r>
                       <a:r>
                         <a:rPr lang="en-US" sz="1000" baseline="0" dirty="0" smtClean="0"/>
-                        <a:t> = </a:t>
-                      </a:r>
-                      <a:r>
-                        <a:rPr lang="en-US" sz="1000" baseline="0" dirty="0" smtClean="0"/>
-                        <a:t>5</a:t>
+                        <a:t> = 5</a:t>
                       </a:r>
                       <a:endParaRPr lang="en-US" sz="1000" dirty="0"/>
                     </a:p>
@@ -13630,7 +13652,7 @@
                   <a:tcPr/>
                 </a:tc>
               </a:tr>
-              <a:tr h="233680">
+              <a:tr h="243840">
                 <a:tc>
                   <a:txBody>
                     <a:bodyPr/>
@@ -13638,7 +13660,7 @@
                     <a:p>
                       <a:pPr algn="ctr"/>
                       <a:r>
-                        <a:rPr lang="en-US" sz="1000" b="1" dirty="0" smtClean="0"/>
+                        <a:rPr lang="en-US" sz="1000" dirty="0" smtClean="0"/>
                         <a:t>7</a:t>
                       </a:r>
                       <a:endParaRPr lang="en-US" sz="1000" b="1" dirty="0"/>
@@ -13669,11 +13691,7 @@
                       <a:pPr algn="ctr"/>
                       <a:r>
                         <a:rPr lang="en-US" sz="1000" dirty="0" smtClean="0"/>
-                        <a:t>(8-0-2) = </a:t>
-                      </a:r>
-                      <a:r>
-                        <a:rPr lang="en-US" sz="1000" dirty="0" smtClean="0"/>
-                        <a:t>6</a:t>
+                        <a:t>(8-0-2) = 6</a:t>
                       </a:r>
                       <a:endParaRPr lang="en-US" sz="1000" dirty="0"/>
                     </a:p>
@@ -13706,17 +13724,23 @@
           <p:cNvGraphicFramePr>
             <a:graphicFrameLocks noGrp="1"/>
           </p:cNvGraphicFramePr>
-          <p:nvPr/>
+          <p:nvPr>
+            <p:extLst>
+              <p:ext uri="{D42A27DB-BD31-4B8C-83A1-F6EECF244321}">
+                <p14:modId xmlns:p14="http://schemas.microsoft.com/office/powerpoint/2010/main" val="2711961396"/>
+              </p:ext>
+            </p:extLst>
+          </p:nvPr>
         </p:nvGraphicFramePr>
         <p:xfrm>
-          <a:off x="4267200" y="4038600"/>
+          <a:off x="3641624" y="4038600"/>
           <a:ext cx="2149576" cy="1219200"/>
         </p:xfrm>
         <a:graphic>
           <a:graphicData uri="http://schemas.openxmlformats.org/drawingml/2006/table">
             <a:tbl>
               <a:tblPr firstRow="1" bandRow="1">
-                <a:tableStyleId>{5C22544A-7EE6-4342-B048-85BDC9FD1C3A}</a:tableStyleId>
+                <a:tableStyleId>{073A0DAA-6AF3-43AB-8588-CEC1D06C72B9}</a:tableStyleId>
               </a:tblPr>
               <a:tblGrid>
                 <a:gridCol w="397193"/>
@@ -13724,7 +13748,7 @@
                 <a:gridCol w="782955"/>
                 <a:gridCol w="445235"/>
               </a:tblGrid>
-              <a:tr h="233680">
+              <a:tr h="243840">
                 <a:tc>
                   <a:txBody>
                     <a:bodyPr/>
@@ -13790,7 +13814,7 @@
                   <a:tcPr/>
                 </a:tc>
               </a:tr>
-              <a:tr h="233680">
+              <a:tr h="243840">
                 <a:tc>
                   <a:txBody>
                     <a:bodyPr/>
@@ -13798,7 +13822,7 @@
                     <a:p>
                       <a:pPr algn="ctr"/>
                       <a:r>
-                        <a:rPr lang="en-US" sz="1000" b="1" dirty="0" smtClean="0"/>
+                        <a:rPr lang="en-US" sz="1000" dirty="0" smtClean="0"/>
                         <a:t>2</a:t>
                       </a:r>
                       <a:endParaRPr lang="en-US" sz="1000" b="1" dirty="0"/>
@@ -13855,7 +13879,7 @@
                   <a:tcPr/>
                 </a:tc>
               </a:tr>
-              <a:tr h="233680">
+              <a:tr h="243840">
                 <a:tc>
                   <a:txBody>
                     <a:bodyPr/>
@@ -13863,7 +13887,7 @@
                     <a:p>
                       <a:pPr algn="ctr"/>
                       <a:r>
-                        <a:rPr lang="en-US" sz="1000" b="1" dirty="0" smtClean="0"/>
+                        <a:rPr lang="en-US" sz="1000" dirty="0" smtClean="0"/>
                         <a:t>3</a:t>
                       </a:r>
                       <a:endParaRPr lang="en-US" sz="1000" b="1" dirty="0"/>
@@ -13921,7 +13945,7 @@
                   <a:tcPr/>
                 </a:tc>
               </a:tr>
-              <a:tr h="233680">
+              <a:tr h="243840">
                 <a:tc>
                   <a:txBody>
                     <a:bodyPr/>
@@ -13929,7 +13953,7 @@
                     <a:p>
                       <a:pPr algn="ctr"/>
                       <a:r>
-                        <a:rPr lang="en-US" sz="1000" b="1" dirty="0" smtClean="0"/>
+                        <a:rPr lang="en-US" sz="1000" dirty="0" smtClean="0"/>
                         <a:t>8</a:t>
                       </a:r>
                       <a:endParaRPr lang="en-US" sz="1000" b="1" dirty="0"/>
@@ -13986,7 +14010,7 @@
                   <a:tcPr/>
                 </a:tc>
               </a:tr>
-              <a:tr h="233680">
+              <a:tr h="243840">
                 <a:tc>
                   <a:txBody>
                     <a:bodyPr/>
@@ -13994,7 +14018,7 @@
                     <a:p>
                       <a:pPr algn="ctr"/>
                       <a:r>
-                        <a:rPr lang="en-US" sz="1000" b="1" dirty="0" smtClean="0"/>
+                        <a:rPr lang="en-US" sz="1000" dirty="0" smtClean="0"/>
                         <a:t>9</a:t>
                       </a:r>
                       <a:endParaRPr lang="en-US" sz="1000" b="1" dirty="0"/>
@@ -14062,7 +14086,13 @@
           <p:cNvGraphicFramePr>
             <a:graphicFrameLocks noGrp="1"/>
           </p:cNvGraphicFramePr>
-          <p:nvPr/>
+          <p:nvPr>
+            <p:extLst>
+              <p:ext uri="{D42A27DB-BD31-4B8C-83A1-F6EECF244321}">
+                <p14:modId xmlns:p14="http://schemas.microsoft.com/office/powerpoint/2010/main" val="1751719785"/>
+              </p:ext>
+            </p:extLst>
+          </p:nvPr>
         </p:nvGraphicFramePr>
         <p:xfrm>
           <a:off x="6858000" y="4038600"/>
@@ -14072,7 +14102,7 @@
           <a:graphicData uri="http://schemas.openxmlformats.org/drawingml/2006/table">
             <a:tbl>
               <a:tblPr firstRow="1" bandRow="1">
-                <a:tableStyleId>{5C22544A-7EE6-4342-B048-85BDC9FD1C3A}</a:tableStyleId>
+                <a:tableStyleId>{073A0DAA-6AF3-43AB-8588-CEC1D06C72B9}</a:tableStyleId>
               </a:tblPr>
               <a:tblGrid>
                 <a:gridCol w="397193"/>
@@ -14080,7 +14110,7 @@
                 <a:gridCol w="782955"/>
                 <a:gridCol w="445235"/>
               </a:tblGrid>
-              <a:tr h="233680">
+              <a:tr h="243840">
                 <a:tc>
                   <a:txBody>
                     <a:bodyPr/>
@@ -14146,7 +14176,7 @@
                   <a:tcPr/>
                 </a:tc>
               </a:tr>
-              <a:tr h="233680">
+              <a:tr h="243840">
                 <a:tc>
                   <a:txBody>
                     <a:bodyPr/>
@@ -14154,7 +14184,7 @@
                     <a:p>
                       <a:pPr algn="ctr"/>
                       <a:r>
-                        <a:rPr lang="en-US" sz="1000" b="1" dirty="0" smtClean="0"/>
+                        <a:rPr lang="en-US" sz="1000" dirty="0" smtClean="0"/>
                         <a:t>4</a:t>
                       </a:r>
                       <a:endParaRPr lang="en-US" sz="1000" b="1" dirty="0"/>
@@ -14207,7 +14237,7 @@
                   <a:tcPr/>
                 </a:tc>
               </a:tr>
-              <a:tr h="233680">
+              <a:tr h="243840">
                 <a:tc>
                   <a:txBody>
                     <a:bodyPr/>
@@ -14215,7 +14245,7 @@
                     <a:p>
                       <a:pPr algn="ctr"/>
                       <a:r>
-                        <a:rPr lang="en-US" sz="1000" b="1" dirty="0" smtClean="0"/>
+                        <a:rPr lang="en-US" sz="1000" dirty="0" smtClean="0"/>
                         <a:t>5</a:t>
                       </a:r>
                       <a:endParaRPr lang="en-US" sz="1000" b="1" dirty="0"/>
@@ -14250,11 +14280,7 @@
                       </a:r>
                       <a:r>
                         <a:rPr lang="en-US" sz="1000" baseline="0" dirty="0" smtClean="0"/>
-                        <a:t> = </a:t>
-                      </a:r>
-                      <a:r>
-                        <a:rPr lang="en-US" sz="1000" baseline="0" dirty="0" smtClean="0"/>
-                        <a:t>0</a:t>
+                        <a:t> = 0</a:t>
                       </a:r>
                       <a:endParaRPr lang="en-US" sz="1000" dirty="0"/>
                     </a:p>
@@ -14277,7 +14303,7 @@
                   <a:tcPr/>
                 </a:tc>
               </a:tr>
-              <a:tr h="233680">
+              <a:tr h="243840">
                 <a:tc>
                   <a:txBody>
                     <a:bodyPr/>
@@ -14285,7 +14311,7 @@
                     <a:p>
                       <a:pPr algn="ctr"/>
                       <a:r>
-                        <a:rPr lang="en-US" sz="1000" b="1" dirty="0" smtClean="0"/>
+                        <a:rPr lang="en-US" sz="1000" dirty="0" smtClean="0"/>
                         <a:t>10</a:t>
                       </a:r>
                       <a:endParaRPr lang="en-US" sz="1000" b="1" dirty="0"/>
@@ -14320,11 +14346,7 @@
                       </a:r>
                       <a:r>
                         <a:rPr lang="en-US" sz="1000" smtClean="0"/>
-                        <a:t>11-4-2</a:t>
-                      </a:r>
-                      <a:r>
-                        <a:rPr lang="en-US" sz="1000" smtClean="0"/>
-                        <a:t>)=5</a:t>
+                        <a:t>11-4-2)=5</a:t>
                       </a:r>
                       <a:endParaRPr lang="en-US" sz="1000" dirty="0"/>
                     </a:p>
@@ -14346,7 +14368,7 @@
                   <a:tcPr/>
                 </a:tc>
               </a:tr>
-              <a:tr h="233680">
+              <a:tr h="243840">
                 <a:tc>
                   <a:txBody>
                     <a:bodyPr/>
@@ -14354,7 +14376,7 @@
                     <a:p>
                       <a:pPr algn="ctr"/>
                       <a:r>
-                        <a:rPr lang="en-US" sz="1000" b="1" dirty="0" smtClean="0"/>
+                        <a:rPr lang="en-US" sz="1000" dirty="0" smtClean="0"/>
                         <a:t>11</a:t>
                       </a:r>
                       <a:endParaRPr lang="en-US" sz="1000" b="1" dirty="0"/>

--- a/streams/docs/induction-state-2012/figures/fission-induction.pptx
+++ b/streams/docs/induction-state-2012/figures/fission-induction.pptx
@@ -119,6 +119,520 @@
     </a:lvl9pPr>
   </p:defaultTextStyle>
 </p:presentation>
+</file>
+
+<file path=ppt/charts/chart1.xml><?xml version="1.0" encoding="utf-8"?>
+<c:chartSpace xmlns:c="http://schemas.openxmlformats.org/drawingml/2006/chart" xmlns:a="http://schemas.openxmlformats.org/drawingml/2006/main" xmlns:r="http://schemas.openxmlformats.org/officeDocument/2006/relationships">
+  <c:lang val="en-US"/>
+  <c:style val="3"/>
+  <c:chart>
+    <c:autoTitleDeleted val="1"/>
+    <c:plotArea>
+      <c:layout/>
+      <c:lineChart>
+        <c:grouping val="standard"/>
+        <c:ser>
+          <c:idx val="0"/>
+          <c:order val="0"/>
+          <c:tx>
+            <c:strRef>
+              <c:f>'Speedups over stateful'!$C$1</c:f>
+              <c:strCache>
+                <c:ptCount val="1"/>
+                <c:pt idx="0">
+                  <c:v>1%</c:v>
+                </c:pt>
+              </c:strCache>
+            </c:strRef>
+          </c:tx>
+          <c:marker>
+            <c:symbol val="none"/>
+          </c:marker>
+          <c:cat>
+            <c:numRef>
+              <c:f>'Speedups over stateful'!$B$2:$B$11</c:f>
+              <c:numCache>
+                <c:formatCode>General</c:formatCode>
+                <c:ptCount val="10"/>
+                <c:pt idx="0">
+                  <c:v>1</c:v>
+                </c:pt>
+                <c:pt idx="1">
+                  <c:v>2</c:v>
+                </c:pt>
+                <c:pt idx="2">
+                  <c:v>4</c:v>
+                </c:pt>
+                <c:pt idx="3">
+                  <c:v>8</c:v>
+                </c:pt>
+                <c:pt idx="4">
+                  <c:v>16</c:v>
+                </c:pt>
+                <c:pt idx="5">
+                  <c:v>32</c:v>
+                </c:pt>
+                <c:pt idx="6">
+                  <c:v>64</c:v>
+                </c:pt>
+                <c:pt idx="7">
+                  <c:v>128</c:v>
+                </c:pt>
+                <c:pt idx="8">
+                  <c:v>256</c:v>
+                </c:pt>
+                <c:pt idx="9">
+                  <c:v>512</c:v>
+                </c:pt>
+              </c:numCache>
+            </c:numRef>
+          </c:cat>
+          <c:val>
+            <c:numRef>
+              <c:f>'Speedups over stateful'!$C$2:$C$11</c:f>
+              <c:numCache>
+                <c:formatCode>0.00</c:formatCode>
+                <c:ptCount val="10"/>
+                <c:pt idx="0">
+                  <c:v>1</c:v>
+                </c:pt>
+                <c:pt idx="1">
+                  <c:v>1.01</c:v>
+                </c:pt>
+                <c:pt idx="2">
+                  <c:v>1.03</c:v>
+                </c:pt>
+                <c:pt idx="3">
+                  <c:v>1.07</c:v>
+                </c:pt>
+                <c:pt idx="4">
+                  <c:v>1.1499999999999999</c:v>
+                </c:pt>
+                <c:pt idx="5">
+                  <c:v>1.31</c:v>
+                </c:pt>
+                <c:pt idx="6">
+                  <c:v>1.63</c:v>
+                </c:pt>
+                <c:pt idx="7">
+                  <c:v>2.27</c:v>
+                </c:pt>
+                <c:pt idx="8">
+                  <c:v>3.5500000000000003</c:v>
+                </c:pt>
+                <c:pt idx="9">
+                  <c:v>6.11</c:v>
+                </c:pt>
+              </c:numCache>
+            </c:numRef>
+          </c:val>
+        </c:ser>
+        <c:ser>
+          <c:idx val="1"/>
+          <c:order val="1"/>
+          <c:tx>
+            <c:strRef>
+              <c:f>'Speedups over stateful'!$D$1</c:f>
+              <c:strCache>
+                <c:ptCount val="1"/>
+                <c:pt idx="0">
+                  <c:v>3%</c:v>
+                </c:pt>
+              </c:strCache>
+            </c:strRef>
+          </c:tx>
+          <c:marker>
+            <c:symbol val="none"/>
+          </c:marker>
+          <c:cat>
+            <c:numRef>
+              <c:f>'Speedups over stateful'!$B$2:$B$11</c:f>
+              <c:numCache>
+                <c:formatCode>General</c:formatCode>
+                <c:ptCount val="10"/>
+                <c:pt idx="0">
+                  <c:v>1</c:v>
+                </c:pt>
+                <c:pt idx="1">
+                  <c:v>2</c:v>
+                </c:pt>
+                <c:pt idx="2">
+                  <c:v>4</c:v>
+                </c:pt>
+                <c:pt idx="3">
+                  <c:v>8</c:v>
+                </c:pt>
+                <c:pt idx="4">
+                  <c:v>16</c:v>
+                </c:pt>
+                <c:pt idx="5">
+                  <c:v>32</c:v>
+                </c:pt>
+                <c:pt idx="6">
+                  <c:v>64</c:v>
+                </c:pt>
+                <c:pt idx="7">
+                  <c:v>128</c:v>
+                </c:pt>
+                <c:pt idx="8">
+                  <c:v>256</c:v>
+                </c:pt>
+                <c:pt idx="9">
+                  <c:v>512</c:v>
+                </c:pt>
+              </c:numCache>
+            </c:numRef>
+          </c:cat>
+          <c:val>
+            <c:numRef>
+              <c:f>'Speedups over stateful'!$D$2:$D$11</c:f>
+              <c:numCache>
+                <c:formatCode>0.00</c:formatCode>
+                <c:ptCount val="10"/>
+                <c:pt idx="0">
+                  <c:v>1</c:v>
+                </c:pt>
+                <c:pt idx="1">
+                  <c:v>1.03</c:v>
+                </c:pt>
+                <c:pt idx="2">
+                  <c:v>1.0900000000000001</c:v>
+                </c:pt>
+                <c:pt idx="3">
+                  <c:v>1.21</c:v>
+                </c:pt>
+                <c:pt idx="4">
+                  <c:v>1.45</c:v>
+                </c:pt>
+                <c:pt idx="5">
+                  <c:v>1.93</c:v>
+                </c:pt>
+                <c:pt idx="6">
+                  <c:v>2.8899999999999997</c:v>
+                </c:pt>
+                <c:pt idx="7">
+                  <c:v>4.8100000000000005</c:v>
+                </c:pt>
+                <c:pt idx="8">
+                  <c:v>8.6499999999999986</c:v>
+                </c:pt>
+                <c:pt idx="9">
+                  <c:v>16.329999999999998</c:v>
+                </c:pt>
+              </c:numCache>
+            </c:numRef>
+          </c:val>
+        </c:ser>
+        <c:ser>
+          <c:idx val="2"/>
+          <c:order val="2"/>
+          <c:tx>
+            <c:strRef>
+              <c:f>'Speedups over stateful'!$E$1</c:f>
+              <c:strCache>
+                <c:ptCount val="1"/>
+                <c:pt idx="0">
+                  <c:v>5%</c:v>
+                </c:pt>
+              </c:strCache>
+            </c:strRef>
+          </c:tx>
+          <c:marker>
+            <c:symbol val="none"/>
+          </c:marker>
+          <c:cat>
+            <c:numRef>
+              <c:f>'Speedups over stateful'!$B$2:$B$11</c:f>
+              <c:numCache>
+                <c:formatCode>General</c:formatCode>
+                <c:ptCount val="10"/>
+                <c:pt idx="0">
+                  <c:v>1</c:v>
+                </c:pt>
+                <c:pt idx="1">
+                  <c:v>2</c:v>
+                </c:pt>
+                <c:pt idx="2">
+                  <c:v>4</c:v>
+                </c:pt>
+                <c:pt idx="3">
+                  <c:v>8</c:v>
+                </c:pt>
+                <c:pt idx="4">
+                  <c:v>16</c:v>
+                </c:pt>
+                <c:pt idx="5">
+                  <c:v>32</c:v>
+                </c:pt>
+                <c:pt idx="6">
+                  <c:v>64</c:v>
+                </c:pt>
+                <c:pt idx="7">
+                  <c:v>128</c:v>
+                </c:pt>
+                <c:pt idx="8">
+                  <c:v>256</c:v>
+                </c:pt>
+                <c:pt idx="9">
+                  <c:v>512</c:v>
+                </c:pt>
+              </c:numCache>
+            </c:numRef>
+          </c:cat>
+          <c:val>
+            <c:numRef>
+              <c:f>'Speedups over stateful'!$E$2:$E$11</c:f>
+              <c:numCache>
+                <c:formatCode>0.00</c:formatCode>
+                <c:ptCount val="10"/>
+                <c:pt idx="0">
+                  <c:v>1</c:v>
+                </c:pt>
+                <c:pt idx="1">
+                  <c:v>1.05</c:v>
+                </c:pt>
+                <c:pt idx="2">
+                  <c:v>1.1499999999999999</c:v>
+                </c:pt>
+                <c:pt idx="3">
+                  <c:v>1.35</c:v>
+                </c:pt>
+                <c:pt idx="4">
+                  <c:v>1.75</c:v>
+                </c:pt>
+                <c:pt idx="5">
+                  <c:v>2.5499999999999998</c:v>
+                </c:pt>
+                <c:pt idx="6">
+                  <c:v>4.1500000000000004</c:v>
+                </c:pt>
+                <c:pt idx="7">
+                  <c:v>7.3500000000000005</c:v>
+                </c:pt>
+                <c:pt idx="8">
+                  <c:v>13.75</c:v>
+                </c:pt>
+                <c:pt idx="9">
+                  <c:v>26.55</c:v>
+                </c:pt>
+              </c:numCache>
+            </c:numRef>
+          </c:val>
+        </c:ser>
+        <c:ser>
+          <c:idx val="3"/>
+          <c:order val="3"/>
+          <c:tx>
+            <c:strRef>
+              <c:f>'Speedups over stateful'!$F$1</c:f>
+              <c:strCache>
+                <c:ptCount val="1"/>
+                <c:pt idx="0">
+                  <c:v>10%</c:v>
+                </c:pt>
+              </c:strCache>
+            </c:strRef>
+          </c:tx>
+          <c:marker>
+            <c:symbol val="none"/>
+          </c:marker>
+          <c:cat>
+            <c:numRef>
+              <c:f>'Speedups over stateful'!$B$2:$B$11</c:f>
+              <c:numCache>
+                <c:formatCode>General</c:formatCode>
+                <c:ptCount val="10"/>
+                <c:pt idx="0">
+                  <c:v>1</c:v>
+                </c:pt>
+                <c:pt idx="1">
+                  <c:v>2</c:v>
+                </c:pt>
+                <c:pt idx="2">
+                  <c:v>4</c:v>
+                </c:pt>
+                <c:pt idx="3">
+                  <c:v>8</c:v>
+                </c:pt>
+                <c:pt idx="4">
+                  <c:v>16</c:v>
+                </c:pt>
+                <c:pt idx="5">
+                  <c:v>32</c:v>
+                </c:pt>
+                <c:pt idx="6">
+                  <c:v>64</c:v>
+                </c:pt>
+                <c:pt idx="7">
+                  <c:v>128</c:v>
+                </c:pt>
+                <c:pt idx="8">
+                  <c:v>256</c:v>
+                </c:pt>
+                <c:pt idx="9">
+                  <c:v>512</c:v>
+                </c:pt>
+              </c:numCache>
+            </c:numRef>
+          </c:cat>
+          <c:val>
+            <c:numRef>
+              <c:f>'Speedups over stateful'!$F$2:$F$11</c:f>
+              <c:numCache>
+                <c:formatCode>0.00</c:formatCode>
+                <c:ptCount val="10"/>
+                <c:pt idx="0">
+                  <c:v>1</c:v>
+                </c:pt>
+                <c:pt idx="1">
+                  <c:v>1.1000000000000001</c:v>
+                </c:pt>
+                <c:pt idx="2">
+                  <c:v>1.3</c:v>
+                </c:pt>
+                <c:pt idx="3">
+                  <c:v>1.7000000000000002</c:v>
+                </c:pt>
+                <c:pt idx="4">
+                  <c:v>2.5</c:v>
+                </c:pt>
+                <c:pt idx="5">
+                  <c:v>4.0999999999999996</c:v>
+                </c:pt>
+                <c:pt idx="6">
+                  <c:v>7.3000000000000007</c:v>
+                </c:pt>
+                <c:pt idx="7">
+                  <c:v>13.700000000000001</c:v>
+                </c:pt>
+                <c:pt idx="8">
+                  <c:v>26.5</c:v>
+                </c:pt>
+                <c:pt idx="9">
+                  <c:v>52.1</c:v>
+                </c:pt>
+              </c:numCache>
+            </c:numRef>
+          </c:val>
+        </c:ser>
+        <c:marker val="1"/>
+        <c:axId val="61205888"/>
+        <c:axId val="64455040"/>
+      </c:lineChart>
+      <c:catAx>
+        <c:axId val="61205888"/>
+        <c:scaling>
+          <c:orientation val="minMax"/>
+        </c:scaling>
+        <c:axPos val="b"/>
+        <c:title>
+          <c:tx>
+            <c:rich>
+              <a:bodyPr/>
+              <a:lstStyle/>
+              <a:p>
+                <a:pPr>
+                  <a:defRPr b="0"/>
+                </a:pPr>
+                <a:r>
+                  <a:rPr lang="en-US" b="0"/>
+                  <a:t>Number</a:t>
+                </a:r>
+                <a:r>
+                  <a:rPr lang="en-US" b="0" baseline="0"/>
+                  <a:t> of Cores</a:t>
+                </a:r>
+              </a:p>
+            </c:rich>
+          </c:tx>
+          <c:layout/>
+        </c:title>
+        <c:numFmt formatCode="General" sourceLinked="1"/>
+        <c:majorTickMark val="none"/>
+        <c:tickLblPos val="nextTo"/>
+        <c:crossAx val="64455040"/>
+        <c:crosses val="autoZero"/>
+        <c:auto val="1"/>
+        <c:lblAlgn val="ctr"/>
+        <c:lblOffset val="100"/>
+      </c:catAx>
+      <c:valAx>
+        <c:axId val="64455040"/>
+        <c:scaling>
+          <c:orientation val="minMax"/>
+        </c:scaling>
+        <c:axPos val="l"/>
+        <c:majorGridlines/>
+        <c:title>
+          <c:tx>
+            <c:rich>
+              <a:bodyPr rot="-5400000" vert="horz"/>
+              <a:lstStyle/>
+              <a:p>
+                <a:pPr>
+                  <a:defRPr b="0"/>
+                </a:pPr>
+                <a:r>
+                  <a:rPr lang="en-US" b="0"/>
+                  <a:t>Speedup over Stateful Parallelized </a:t>
+                </a:r>
+                <a:r>
+                  <a:rPr lang="en-US" b="0" baseline="0"/>
+                  <a:t> Runtime</a:t>
+                </a:r>
+              </a:p>
+            </c:rich>
+          </c:tx>
+          <c:layout>
+            <c:manualLayout>
+              <c:xMode val="edge"/>
+              <c:yMode val="edge"/>
+              <c:x val="2.222222222222224E-2"/>
+              <c:y val="3.7396057976829364E-2"/>
+            </c:manualLayout>
+          </c:layout>
+        </c:title>
+        <c:numFmt formatCode="#,##0;\-#,##0" sourceLinked="0"/>
+        <c:majorTickMark val="none"/>
+        <c:tickLblPos val="nextTo"/>
+        <c:spPr>
+          <a:ln w="9525">
+            <a:noFill/>
+          </a:ln>
+        </c:spPr>
+        <c:crossAx val="61205888"/>
+        <c:crosses val="autoZero"/>
+        <c:crossBetween val="between"/>
+      </c:valAx>
+    </c:plotArea>
+    <c:legend>
+      <c:legendPos val="l"/>
+      <c:layout>
+        <c:manualLayout>
+          <c:xMode val="edge"/>
+          <c:yMode val="edge"/>
+          <c:x val="0.18055555555555555"/>
+          <c:y val="9.589882474881728E-2"/>
+          <c:w val="0.15913888888888891"/>
+          <c:h val="0.30714077937710044"/>
+        </c:manualLayout>
+      </c:layout>
+      <c:overlay val="1"/>
+      <c:spPr>
+        <a:solidFill>
+          <a:schemeClr val="bg1"/>
+        </a:solidFill>
+        <a:ln>
+          <a:solidFill>
+            <a:schemeClr val="tx1"/>
+          </a:solidFill>
+        </a:ln>
+      </c:spPr>
+    </c:legend>
+    <c:plotVisOnly val="1"/>
+  </c:chart>
+  <c:externalData r:id="rId1"/>
+</c:chartSpace>
 </file>
 
 <file path=ppt/handoutMasters/handoutMaster1.xml><?xml version="1.0" encoding="utf-8"?>
@@ -7414,8 +7928,10 @@
                 <a:latin typeface="Consolas" pitchFamily="49" charset="0"/>
                 <a:cs typeface="Consolas" pitchFamily="49" charset="0"/>
               </a:rPr>
-              <a:t> </a:t>
-            </a:r>
+              <a:t> max;</a:t>
+            </a:r>
+          </a:p>
+          <a:p>
             <a:r>
               <a:rPr lang="en-US" sz="1000" dirty="0" smtClean="0">
                 <a:solidFill>
@@ -7424,7 +7940,7 @@
                 <a:latin typeface="Consolas" pitchFamily="49" charset="0"/>
                 <a:cs typeface="Consolas" pitchFamily="49" charset="0"/>
               </a:rPr>
-              <a:t>max;</a:t>
+              <a:t>work push 1 pop 1{</a:t>
             </a:r>
           </a:p>
           <a:p>
@@ -7436,7 +7952,7 @@
                 <a:latin typeface="Consolas" pitchFamily="49" charset="0"/>
                 <a:cs typeface="Consolas" pitchFamily="49" charset="0"/>
               </a:rPr>
-              <a:t>work push 1 pop 1{</a:t>
+              <a:t>  ...</a:t>
             </a:r>
           </a:p>
           <a:p>
@@ -7448,15 +7964,8 @@
                 <a:latin typeface="Consolas" pitchFamily="49" charset="0"/>
                 <a:cs typeface="Consolas" pitchFamily="49" charset="0"/>
               </a:rPr>
-              <a:t>  ...</a:t>
-            </a:r>
-            <a:endParaRPr lang="en-US" sz="1000" dirty="0" smtClean="0">
-              <a:solidFill>
-                <a:schemeClr val="tx1"/>
-              </a:solidFill>
-              <a:latin typeface="Consolas" pitchFamily="49" charset="0"/>
-              <a:cs typeface="Consolas" pitchFamily="49" charset="0"/>
-            </a:endParaRPr>
+              <a:t>  counter = (counter + C);</a:t>
+            </a:r>
           </a:p>
           <a:p>
             <a:r>
@@ -7467,8 +7976,10 @@
                 <a:latin typeface="Consolas" pitchFamily="49" charset="0"/>
                 <a:cs typeface="Consolas" pitchFamily="49" charset="0"/>
               </a:rPr>
-              <a:t>  counter </a:t>
-            </a:r>
+              <a:t>  if (counter &gt; max) {</a:t>
+            </a:r>
+          </a:p>
+          <a:p>
             <a:r>
               <a:rPr lang="en-US" sz="1000" dirty="0" smtClean="0">
                 <a:solidFill>
@@ -7477,7 +7988,7 @@
                 <a:latin typeface="Consolas" pitchFamily="49" charset="0"/>
                 <a:cs typeface="Consolas" pitchFamily="49" charset="0"/>
               </a:rPr>
-              <a:t>= (counter + C);</a:t>
+              <a:t>    counter = 0;</a:t>
             </a:r>
           </a:p>
           <a:p>
@@ -7489,59 +8000,8 @@
                 <a:latin typeface="Consolas" pitchFamily="49" charset="0"/>
                 <a:cs typeface="Consolas" pitchFamily="49" charset="0"/>
               </a:rPr>
-              <a:t>  if </a:t>
-            </a:r>
-            <a:r>
-              <a:rPr lang="en-US" sz="1000" dirty="0" smtClean="0">
-                <a:solidFill>
-                  <a:schemeClr val="tx1"/>
-                </a:solidFill>
-                <a:latin typeface="Consolas" pitchFamily="49" charset="0"/>
-                <a:cs typeface="Consolas" pitchFamily="49" charset="0"/>
-              </a:rPr>
-              <a:t>(counter &gt; max) {</a:t>
-            </a:r>
-          </a:p>
-          <a:p>
-            <a:r>
-              <a:rPr lang="en-US" sz="1000" dirty="0" smtClean="0">
-                <a:solidFill>
-                  <a:schemeClr val="tx1"/>
-                </a:solidFill>
-                <a:latin typeface="Consolas" pitchFamily="49" charset="0"/>
-                <a:cs typeface="Consolas" pitchFamily="49" charset="0"/>
-              </a:rPr>
-              <a:t>    counter </a:t>
-            </a:r>
-            <a:r>
-              <a:rPr lang="en-US" sz="1000" dirty="0" smtClean="0">
-                <a:solidFill>
-                  <a:schemeClr val="tx1"/>
-                </a:solidFill>
-                <a:latin typeface="Consolas" pitchFamily="49" charset="0"/>
-                <a:cs typeface="Consolas" pitchFamily="49" charset="0"/>
-              </a:rPr>
-              <a:t>= 0;</a:t>
-            </a:r>
-          </a:p>
-          <a:p>
-            <a:r>
-              <a:rPr lang="en-US" sz="1000" dirty="0" smtClean="0">
-                <a:solidFill>
-                  <a:schemeClr val="tx1"/>
-                </a:solidFill>
-                <a:latin typeface="Consolas" pitchFamily="49" charset="0"/>
-                <a:cs typeface="Consolas" pitchFamily="49" charset="0"/>
-              </a:rPr>
               <a:t>  } </a:t>
             </a:r>
-            <a:endParaRPr lang="en-US" sz="1000" dirty="0" smtClean="0">
-              <a:solidFill>
-                <a:schemeClr val="tx1"/>
-              </a:solidFill>
-              <a:latin typeface="Consolas" pitchFamily="49" charset="0"/>
-              <a:cs typeface="Consolas" pitchFamily="49" charset="0"/>
-            </a:endParaRPr>
           </a:p>
           <a:p>
             <a:r>
@@ -7623,8 +8083,10 @@
                 <a:latin typeface="Consolas" pitchFamily="49" charset="0"/>
                 <a:cs typeface="Consolas" pitchFamily="49" charset="0"/>
               </a:rPr>
-              <a:t> </a:t>
-            </a:r>
+              <a:t> max;</a:t>
+            </a:r>
+          </a:p>
+          <a:p>
             <a:r>
               <a:rPr lang="en-US" sz="1000" dirty="0" smtClean="0">
                 <a:solidFill>
@@ -7633,8 +8095,10 @@
                 <a:latin typeface="Consolas" pitchFamily="49" charset="0"/>
                 <a:cs typeface="Consolas" pitchFamily="49" charset="0"/>
               </a:rPr>
-              <a:t>max</a:t>
-            </a:r>
+              <a:t>work push 1 pop 1{</a:t>
+            </a:r>
+          </a:p>
+          <a:p>
             <a:r>
               <a:rPr lang="en-US" sz="1000" dirty="0" smtClean="0">
                 <a:solidFill>
@@ -7643,17 +8107,18 @@
                 <a:latin typeface="Consolas" pitchFamily="49" charset="0"/>
                 <a:cs typeface="Consolas" pitchFamily="49" charset="0"/>
               </a:rPr>
-              <a:t>;</a:t>
-            </a:r>
-            <a:endParaRPr lang="en-US" sz="1000" dirty="0" smtClean="0">
-              <a:solidFill>
-                <a:schemeClr val="tx1"/>
-              </a:solidFill>
-              <a:latin typeface="Consolas" pitchFamily="49" charset="0"/>
-              <a:cs typeface="Consolas" pitchFamily="49" charset="0"/>
-            </a:endParaRPr>
-          </a:p>
-          <a:p>
+              <a:t>  </a:t>
+            </a:r>
+            <a:r>
+              <a:rPr lang="en-US" sz="1000" dirty="0" err="1" smtClean="0">
+                <a:solidFill>
+                  <a:schemeClr val="tx1"/>
+                </a:solidFill>
+                <a:latin typeface="Consolas" pitchFamily="49" charset="0"/>
+                <a:cs typeface="Consolas" pitchFamily="49" charset="0"/>
+              </a:rPr>
+              <a:t>int</a:t>
+            </a:r>
             <a:r>
               <a:rPr lang="en-US" sz="1000" dirty="0" smtClean="0">
                 <a:solidFill>
@@ -7662,8 +8127,10 @@
                 <a:latin typeface="Consolas" pitchFamily="49" charset="0"/>
                 <a:cs typeface="Consolas" pitchFamily="49" charset="0"/>
               </a:rPr>
-              <a:t>work push 1 pop 1</a:t>
-            </a:r>
+              <a:t> counter = </a:t>
+            </a:r>
+          </a:p>
+          <a:p>
             <a:r>
               <a:rPr lang="en-US" sz="1000" dirty="0" smtClean="0">
                 <a:solidFill>
@@ -7672,10 +8139,28 @@
                 <a:latin typeface="Consolas" pitchFamily="49" charset="0"/>
                 <a:cs typeface="Consolas" pitchFamily="49" charset="0"/>
               </a:rPr>
-              <a:t>{</a:t>
-            </a:r>
-          </a:p>
-          <a:p>
+              <a:t>    (</a:t>
+            </a:r>
+            <a:r>
+              <a:rPr lang="en-US" sz="1000" b="1" dirty="0" err="1" smtClean="0">
+                <a:solidFill>
+                  <a:schemeClr val="tx1"/>
+                </a:solidFill>
+                <a:latin typeface="Consolas" pitchFamily="49" charset="0"/>
+                <a:cs typeface="Consolas" pitchFamily="49" charset="0"/>
+              </a:rPr>
+              <a:t>iter</a:t>
+            </a:r>
+            <a:r>
+              <a:rPr lang="en-US" sz="1000" b="1" dirty="0" smtClean="0">
+                <a:solidFill>
+                  <a:schemeClr val="tx1"/>
+                </a:solidFill>
+                <a:latin typeface="Consolas" pitchFamily="49" charset="0"/>
+                <a:cs typeface="Consolas" pitchFamily="49" charset="0"/>
+              </a:rPr>
+              <a:t>() </a:t>
+            </a:r>
             <a:r>
               <a:rPr lang="en-US" sz="1000" dirty="0" smtClean="0">
                 <a:solidFill>
@@ -7684,123 +8169,20 @@
                 <a:latin typeface="Consolas" pitchFamily="49" charset="0"/>
                 <a:cs typeface="Consolas" pitchFamily="49" charset="0"/>
               </a:rPr>
-              <a:t>  </a:t>
-            </a:r>
-            <a:r>
-              <a:rPr lang="en-US" sz="1000" dirty="0" err="1" smtClean="0">
+              <a:t>* C) % max;</a:t>
+            </a:r>
+          </a:p>
+          <a:p>
+            <a:r>
+              <a:rPr lang="en-US" sz="1000" dirty="0" smtClean="0">
                 <a:solidFill>
                   <a:schemeClr val="tx1"/>
                 </a:solidFill>
                 <a:latin typeface="Consolas" pitchFamily="49" charset="0"/>
                 <a:cs typeface="Consolas" pitchFamily="49" charset="0"/>
               </a:rPr>
-              <a:t>int</a:t>
-            </a:r>
-            <a:r>
-              <a:rPr lang="en-US" sz="1000" dirty="0" smtClean="0">
-                <a:solidFill>
-                  <a:schemeClr val="tx1"/>
-                </a:solidFill>
-                <a:latin typeface="Consolas" pitchFamily="49" charset="0"/>
-                <a:cs typeface="Consolas" pitchFamily="49" charset="0"/>
-              </a:rPr>
-              <a:t> counter </a:t>
-            </a:r>
-            <a:r>
-              <a:rPr lang="en-US" sz="1000" dirty="0" smtClean="0">
-                <a:solidFill>
-                  <a:schemeClr val="tx1"/>
-                </a:solidFill>
-                <a:latin typeface="Consolas" pitchFamily="49" charset="0"/>
-                <a:cs typeface="Consolas" pitchFamily="49" charset="0"/>
-              </a:rPr>
-              <a:t>= </a:t>
-            </a:r>
-            <a:endParaRPr lang="en-US" sz="1000" dirty="0" smtClean="0">
-              <a:solidFill>
-                <a:schemeClr val="tx1"/>
-              </a:solidFill>
-              <a:latin typeface="Consolas" pitchFamily="49" charset="0"/>
-              <a:cs typeface="Consolas" pitchFamily="49" charset="0"/>
-            </a:endParaRPr>
-          </a:p>
-          <a:p>
-            <a:r>
-              <a:rPr lang="en-US" sz="1000" dirty="0" smtClean="0">
-                <a:solidFill>
-                  <a:schemeClr val="tx1"/>
-                </a:solidFill>
-                <a:latin typeface="Consolas" pitchFamily="49" charset="0"/>
-                <a:cs typeface="Consolas" pitchFamily="49" charset="0"/>
-              </a:rPr>
-              <a:t> </a:t>
-            </a:r>
-            <a:r>
-              <a:rPr lang="en-US" sz="1000" dirty="0" smtClean="0">
-                <a:solidFill>
-                  <a:schemeClr val="tx1"/>
-                </a:solidFill>
-                <a:latin typeface="Consolas" pitchFamily="49" charset="0"/>
-                <a:cs typeface="Consolas" pitchFamily="49" charset="0"/>
-              </a:rPr>
-              <a:t>   (</a:t>
-            </a:r>
-            <a:r>
-              <a:rPr lang="en-US" sz="1000" b="1" dirty="0" err="1" smtClean="0">
-                <a:solidFill>
-                  <a:schemeClr val="tx1"/>
-                </a:solidFill>
-                <a:latin typeface="Consolas" pitchFamily="49" charset="0"/>
-                <a:cs typeface="Consolas" pitchFamily="49" charset="0"/>
-              </a:rPr>
-              <a:t>iter</a:t>
-            </a:r>
-            <a:r>
-              <a:rPr lang="en-US" sz="1000" b="1" dirty="0" smtClean="0">
-                <a:solidFill>
-                  <a:schemeClr val="tx1"/>
-                </a:solidFill>
-                <a:latin typeface="Consolas" pitchFamily="49" charset="0"/>
-                <a:cs typeface="Consolas" pitchFamily="49" charset="0"/>
-              </a:rPr>
-              <a:t>() </a:t>
-            </a:r>
-            <a:r>
-              <a:rPr lang="en-US" sz="1000" dirty="0" smtClean="0">
-                <a:solidFill>
-                  <a:schemeClr val="tx1"/>
-                </a:solidFill>
-                <a:latin typeface="Consolas" pitchFamily="49" charset="0"/>
-                <a:cs typeface="Consolas" pitchFamily="49" charset="0"/>
-              </a:rPr>
-              <a:t>* C) % max;</a:t>
-            </a:r>
-            <a:endParaRPr lang="en-US" sz="1000" dirty="0" smtClean="0">
-              <a:solidFill>
-                <a:schemeClr val="tx1"/>
-              </a:solidFill>
-              <a:latin typeface="Consolas" pitchFamily="49" charset="0"/>
-              <a:cs typeface="Consolas" pitchFamily="49" charset="0"/>
-            </a:endParaRPr>
-          </a:p>
-          <a:p>
-            <a:r>
-              <a:rPr lang="en-US" sz="1000" dirty="0" smtClean="0">
-                <a:solidFill>
-                  <a:schemeClr val="tx1"/>
-                </a:solidFill>
-                <a:latin typeface="Consolas" pitchFamily="49" charset="0"/>
-                <a:cs typeface="Consolas" pitchFamily="49" charset="0"/>
-              </a:rPr>
               <a:t>  ...</a:t>
             </a:r>
-            <a:endParaRPr lang="en-US" sz="1000" dirty="0" smtClean="0">
-              <a:solidFill>
-                <a:schemeClr val="tx1"/>
-              </a:solidFill>
-              <a:latin typeface="Consolas" pitchFamily="49" charset="0"/>
-              <a:cs typeface="Consolas" pitchFamily="49" charset="0"/>
-            </a:endParaRPr>
           </a:p>
           <a:p>
             <a:r>
@@ -7952,7 +8334,19 @@
                 <a:latin typeface="Consolas" pitchFamily="49" charset="0"/>
                 <a:cs typeface="Consolas" pitchFamily="49" charset="0"/>
               </a:rPr>
-              <a:t> </a:t>
+              <a:t> start;</a:t>
+            </a:r>
+          </a:p>
+          <a:p>
+            <a:r>
+              <a:rPr lang="en-US" sz="1000" dirty="0" err="1" smtClean="0">
+                <a:solidFill>
+                  <a:schemeClr val="tx1"/>
+                </a:solidFill>
+                <a:latin typeface="Consolas" pitchFamily="49" charset="0"/>
+                <a:cs typeface="Consolas" pitchFamily="49" charset="0"/>
+              </a:rPr>
+              <a:t>int</a:t>
             </a:r>
             <a:r>
               <a:rPr lang="en-US" sz="1000" dirty="0" smtClean="0">
@@ -7962,39 +8356,7 @@
                 <a:latin typeface="Consolas" pitchFamily="49" charset="0"/>
                 <a:cs typeface="Consolas" pitchFamily="49" charset="0"/>
               </a:rPr>
-              <a:t>start;</a:t>
-            </a:r>
-          </a:p>
-          <a:p>
-            <a:r>
-              <a:rPr lang="en-US" sz="1000" dirty="0" err="1" smtClean="0">
-                <a:solidFill>
-                  <a:schemeClr val="tx1"/>
-                </a:solidFill>
-                <a:latin typeface="Consolas" pitchFamily="49" charset="0"/>
-                <a:cs typeface="Consolas" pitchFamily="49" charset="0"/>
-              </a:rPr>
-              <a:t>int</a:t>
-            </a:r>
-            <a:r>
-              <a:rPr lang="en-US" sz="1000" dirty="0" smtClean="0">
-                <a:solidFill>
-                  <a:schemeClr val="tx1"/>
-                </a:solidFill>
-                <a:latin typeface="Consolas" pitchFamily="49" charset="0"/>
-                <a:cs typeface="Consolas" pitchFamily="49" charset="0"/>
-              </a:rPr>
-              <a:t> </a:t>
-            </a:r>
-            <a:r>
-              <a:rPr lang="en-US" sz="1000" dirty="0" smtClean="0">
-                <a:solidFill>
-                  <a:schemeClr val="tx1"/>
-                </a:solidFill>
-                <a:latin typeface="Consolas" pitchFamily="49" charset="0"/>
-                <a:cs typeface="Consolas" pitchFamily="49" charset="0"/>
-              </a:rPr>
-              <a:t>max;</a:t>
+              <a:t> max;</a:t>
             </a:r>
           </a:p>
           <a:p>
@@ -8015,8 +8377,10 @@
                 <a:latin typeface="Consolas" pitchFamily="49" charset="0"/>
                 <a:cs typeface="Consolas" pitchFamily="49" charset="0"/>
               </a:rPr>
-              <a:t>init </a:t>
-            </a:r>
+              <a:t>init {</a:t>
+            </a:r>
+          </a:p>
+          <a:p>
             <a:r>
               <a:rPr lang="en-US" sz="1000" dirty="0" smtClean="0">
                 <a:solidFill>
@@ -8025,7 +8389,7 @@
                 <a:latin typeface="Consolas" pitchFamily="49" charset="0"/>
                 <a:cs typeface="Consolas" pitchFamily="49" charset="0"/>
               </a:rPr>
-              <a:t>{</a:t>
+              <a:t>  counter = start;</a:t>
             </a:r>
           </a:p>
           <a:p>
@@ -8037,8 +8401,10 @@
                 <a:latin typeface="Consolas" pitchFamily="49" charset="0"/>
                 <a:cs typeface="Consolas" pitchFamily="49" charset="0"/>
               </a:rPr>
-              <a:t>  counter </a:t>
-            </a:r>
+              <a:t>}</a:t>
+            </a:r>
+          </a:p>
+          <a:p>
             <a:r>
               <a:rPr lang="en-US" sz="1000" dirty="0" smtClean="0">
                 <a:solidFill>
@@ -8047,7 +8413,7 @@
                 <a:latin typeface="Consolas" pitchFamily="49" charset="0"/>
                 <a:cs typeface="Consolas" pitchFamily="49" charset="0"/>
               </a:rPr>
-              <a:t>= start;</a:t>
+              <a:t>  </a:t>
             </a:r>
           </a:p>
           <a:p>
@@ -8059,15 +8425,8 @@
                 <a:latin typeface="Consolas" pitchFamily="49" charset="0"/>
                 <a:cs typeface="Consolas" pitchFamily="49" charset="0"/>
               </a:rPr>
-              <a:t>}</a:t>
-            </a:r>
-            <a:endParaRPr lang="en-US" sz="1000" dirty="0" smtClean="0">
-              <a:solidFill>
-                <a:schemeClr val="tx1"/>
-              </a:solidFill>
-              <a:latin typeface="Consolas" pitchFamily="49" charset="0"/>
-              <a:cs typeface="Consolas" pitchFamily="49" charset="0"/>
-            </a:endParaRPr>
+              <a:t>work push 1 pop 1{</a:t>
+            </a:r>
           </a:p>
           <a:p>
             <a:r>
@@ -8078,7 +8437,7 @@
                 <a:latin typeface="Consolas" pitchFamily="49" charset="0"/>
                 <a:cs typeface="Consolas" pitchFamily="49" charset="0"/>
               </a:rPr>
-              <a:t>  </a:t>
+              <a:t>  ...</a:t>
             </a:r>
           </a:p>
           <a:p>
@@ -8090,8 +8449,10 @@
                 <a:latin typeface="Consolas" pitchFamily="49" charset="0"/>
                 <a:cs typeface="Consolas" pitchFamily="49" charset="0"/>
               </a:rPr>
-              <a:t>work </a:t>
-            </a:r>
+              <a:t>  counter = (counter + 1);</a:t>
+            </a:r>
+          </a:p>
+          <a:p>
             <a:r>
               <a:rPr lang="en-US" sz="1000" dirty="0" smtClean="0">
                 <a:solidFill>
@@ -8100,8 +8461,10 @@
                 <a:latin typeface="Consolas" pitchFamily="49" charset="0"/>
                 <a:cs typeface="Consolas" pitchFamily="49" charset="0"/>
               </a:rPr>
-              <a:t>push 1 pop 1</a:t>
-            </a:r>
+              <a:t>  if (counter &gt; max) {</a:t>
+            </a:r>
+          </a:p>
+          <a:p>
             <a:r>
               <a:rPr lang="en-US" sz="1000" dirty="0" smtClean="0">
                 <a:solidFill>
@@ -8110,7 +8473,7 @@
                 <a:latin typeface="Consolas" pitchFamily="49" charset="0"/>
                 <a:cs typeface="Consolas" pitchFamily="49" charset="0"/>
               </a:rPr>
-              <a:t>{</a:t>
+              <a:t>    counter = start;</a:t>
             </a:r>
           </a:p>
           <a:p>
@@ -8122,110 +8485,8 @@
                 <a:latin typeface="Consolas" pitchFamily="49" charset="0"/>
                 <a:cs typeface="Consolas" pitchFamily="49" charset="0"/>
               </a:rPr>
-              <a:t> </a:t>
-            </a:r>
-            <a:r>
-              <a:rPr lang="en-US" sz="1000" dirty="0" smtClean="0">
-                <a:solidFill>
-                  <a:schemeClr val="tx1"/>
-                </a:solidFill>
-                <a:latin typeface="Consolas" pitchFamily="49" charset="0"/>
-                <a:cs typeface="Consolas" pitchFamily="49" charset="0"/>
-              </a:rPr>
-              <a:t> ...</a:t>
-            </a:r>
-            <a:endParaRPr lang="en-US" sz="1000" dirty="0" smtClean="0">
-              <a:solidFill>
-                <a:schemeClr val="tx1"/>
-              </a:solidFill>
-              <a:latin typeface="Consolas" pitchFamily="49" charset="0"/>
-              <a:cs typeface="Consolas" pitchFamily="49" charset="0"/>
-            </a:endParaRPr>
-          </a:p>
-          <a:p>
-            <a:r>
-              <a:rPr lang="en-US" sz="1000" dirty="0" smtClean="0">
-                <a:solidFill>
-                  <a:schemeClr val="tx1"/>
-                </a:solidFill>
-                <a:latin typeface="Consolas" pitchFamily="49" charset="0"/>
-                <a:cs typeface="Consolas" pitchFamily="49" charset="0"/>
-              </a:rPr>
-              <a:t>  counter </a:t>
-            </a:r>
-            <a:r>
-              <a:rPr lang="en-US" sz="1000" dirty="0" smtClean="0">
-                <a:solidFill>
-                  <a:schemeClr val="tx1"/>
-                </a:solidFill>
-                <a:latin typeface="Consolas" pitchFamily="49" charset="0"/>
-                <a:cs typeface="Consolas" pitchFamily="49" charset="0"/>
-              </a:rPr>
-              <a:t>= (counter + 1);</a:t>
-            </a:r>
-          </a:p>
-          <a:p>
-            <a:r>
-              <a:rPr lang="en-US" sz="1000" dirty="0" smtClean="0">
-                <a:solidFill>
-                  <a:schemeClr val="tx1"/>
-                </a:solidFill>
-                <a:latin typeface="Consolas" pitchFamily="49" charset="0"/>
-                <a:cs typeface="Consolas" pitchFamily="49" charset="0"/>
-              </a:rPr>
-              <a:t>  if </a:t>
-            </a:r>
-            <a:r>
-              <a:rPr lang="en-US" sz="1000" dirty="0" smtClean="0">
-                <a:solidFill>
-                  <a:schemeClr val="tx1"/>
-                </a:solidFill>
-                <a:latin typeface="Consolas" pitchFamily="49" charset="0"/>
-                <a:cs typeface="Consolas" pitchFamily="49" charset="0"/>
-              </a:rPr>
-              <a:t>(counter &gt; max) {</a:t>
-            </a:r>
-          </a:p>
-          <a:p>
-            <a:r>
-              <a:rPr lang="en-US" sz="1000" dirty="0" smtClean="0">
-                <a:solidFill>
-                  <a:schemeClr val="tx1"/>
-                </a:solidFill>
-                <a:latin typeface="Consolas" pitchFamily="49" charset="0"/>
-                <a:cs typeface="Consolas" pitchFamily="49" charset="0"/>
-              </a:rPr>
-              <a:t>    counter </a:t>
-            </a:r>
-            <a:r>
-              <a:rPr lang="en-US" sz="1000" dirty="0" smtClean="0">
-                <a:solidFill>
-                  <a:schemeClr val="tx1"/>
-                </a:solidFill>
-                <a:latin typeface="Consolas" pitchFamily="49" charset="0"/>
-                <a:cs typeface="Consolas" pitchFamily="49" charset="0"/>
-              </a:rPr>
-              <a:t>= start;</a:t>
-            </a:r>
-          </a:p>
-          <a:p>
-            <a:r>
-              <a:rPr lang="en-US" sz="1000" dirty="0" smtClean="0">
-                <a:solidFill>
-                  <a:schemeClr val="tx1"/>
-                </a:solidFill>
-                <a:latin typeface="Consolas" pitchFamily="49" charset="0"/>
-                <a:cs typeface="Consolas" pitchFamily="49" charset="0"/>
-              </a:rPr>
               <a:t>  } </a:t>
             </a:r>
-            <a:endParaRPr lang="en-US" sz="1000" dirty="0" smtClean="0">
-              <a:solidFill>
-                <a:schemeClr val="tx1"/>
-              </a:solidFill>
-              <a:latin typeface="Consolas" pitchFamily="49" charset="0"/>
-              <a:cs typeface="Consolas" pitchFamily="49" charset="0"/>
-            </a:endParaRPr>
           </a:p>
           <a:p>
             <a:r>
@@ -8329,30 +8590,22 @@
                 <a:latin typeface="Consolas" pitchFamily="49" charset="0"/>
                 <a:cs typeface="Consolas" pitchFamily="49" charset="0"/>
               </a:rPr>
+              <a:t> start;</a:t>
+            </a:r>
+          </a:p>
+          <a:p>
+            <a:r>
+              <a:rPr lang="en-US" sz="1000" dirty="0" smtClean="0">
+                <a:solidFill>
+                  <a:schemeClr val="tx1"/>
+                </a:solidFill>
+                <a:latin typeface="Consolas" pitchFamily="49" charset="0"/>
+                <a:cs typeface="Consolas" pitchFamily="49" charset="0"/>
+              </a:rPr>
               <a:t> </a:t>
             </a:r>
-            <a:r>
-              <a:rPr lang="en-US" sz="1000" dirty="0" smtClean="0">
-                <a:solidFill>
-                  <a:schemeClr val="tx1"/>
-                </a:solidFill>
-                <a:latin typeface="Consolas" pitchFamily="49" charset="0"/>
-                <a:cs typeface="Consolas" pitchFamily="49" charset="0"/>
-              </a:rPr>
-              <a:t>start;</a:t>
-            </a:r>
-          </a:p>
-          <a:p>
-            <a:r>
-              <a:rPr lang="en-US" sz="1000" dirty="0" smtClean="0">
-                <a:solidFill>
-                  <a:schemeClr val="tx1"/>
-                </a:solidFill>
-                <a:latin typeface="Consolas" pitchFamily="49" charset="0"/>
-                <a:cs typeface="Consolas" pitchFamily="49" charset="0"/>
-              </a:rPr>
-              <a:t> </a:t>
-            </a:r>
+          </a:p>
+          <a:p>
             <a:endParaRPr lang="en-US" sz="1000" dirty="0" smtClean="0">
               <a:solidFill>
                 <a:schemeClr val="tx1"/>
@@ -8380,15 +8633,6 @@
             </a:endParaRPr>
           </a:p>
           <a:p>
-            <a:endParaRPr lang="en-US" sz="1000" dirty="0" smtClean="0">
-              <a:solidFill>
-                <a:schemeClr val="tx1"/>
-              </a:solidFill>
-              <a:latin typeface="Consolas" pitchFamily="49" charset="0"/>
-              <a:cs typeface="Consolas" pitchFamily="49" charset="0"/>
-            </a:endParaRPr>
-          </a:p>
-          <a:p>
             <a:r>
               <a:rPr lang="en-US" sz="1000" dirty="0" smtClean="0">
                 <a:solidFill>
@@ -8399,13 +8643,6 @@
               </a:rPr>
               <a:t> </a:t>
             </a:r>
-            <a:endParaRPr lang="en-US" sz="1000" dirty="0" smtClean="0">
-              <a:solidFill>
-                <a:schemeClr val="tx1"/>
-              </a:solidFill>
-              <a:latin typeface="Consolas" pitchFamily="49" charset="0"/>
-              <a:cs typeface="Consolas" pitchFamily="49" charset="0"/>
-            </a:endParaRPr>
           </a:p>
           <a:p>
             <a:r>
@@ -8416,8 +8653,10 @@
                 <a:latin typeface="Consolas" pitchFamily="49" charset="0"/>
                 <a:cs typeface="Consolas" pitchFamily="49" charset="0"/>
               </a:rPr>
-              <a:t>work </a:t>
-            </a:r>
+              <a:t>work push 1 pop 1{</a:t>
+            </a:r>
+          </a:p>
+          <a:p>
             <a:r>
               <a:rPr lang="en-US" sz="1000" dirty="0" smtClean="0">
                 <a:solidFill>
@@ -8426,10 +8665,18 @@
                 <a:latin typeface="Consolas" pitchFamily="49" charset="0"/>
                 <a:cs typeface="Consolas" pitchFamily="49" charset="0"/>
               </a:rPr>
-              <a:t>push 1 pop 1{</a:t>
-            </a:r>
-          </a:p>
-          <a:p>
+              <a:t>  </a:t>
+            </a:r>
+            <a:r>
+              <a:rPr lang="en-US" sz="1000" dirty="0" err="1" smtClean="0">
+                <a:solidFill>
+                  <a:schemeClr val="tx1"/>
+                </a:solidFill>
+                <a:latin typeface="Consolas" pitchFamily="49" charset="0"/>
+                <a:cs typeface="Consolas" pitchFamily="49" charset="0"/>
+              </a:rPr>
+              <a:t>int</a:t>
+            </a:r>
             <a:r>
               <a:rPr lang="en-US" sz="1000" dirty="0" smtClean="0">
                 <a:solidFill>
@@ -8438,17 +8685,39 @@
                 <a:latin typeface="Consolas" pitchFamily="49" charset="0"/>
                 <a:cs typeface="Consolas" pitchFamily="49" charset="0"/>
               </a:rPr>
-              <a:t>  </a:t>
-            </a:r>
-            <a:r>
-              <a:rPr lang="en-US" sz="1000" dirty="0" err="1" smtClean="0">
+              <a:t> counter = </a:t>
+            </a:r>
+          </a:p>
+          <a:p>
+            <a:r>
+              <a:rPr lang="en-US" sz="1000" dirty="0" smtClean="0">
                 <a:solidFill>
                   <a:schemeClr val="tx1"/>
                 </a:solidFill>
                 <a:latin typeface="Consolas" pitchFamily="49" charset="0"/>
                 <a:cs typeface="Consolas" pitchFamily="49" charset="0"/>
               </a:rPr>
-              <a:t>int</a:t>
+              <a:t>    </a:t>
+            </a:r>
+            <a:r>
+              <a:rPr lang="en-US" sz="1000" b="1" dirty="0" err="1" smtClean="0">
+                <a:solidFill>
+                  <a:schemeClr val="tx1"/>
+                </a:solidFill>
+                <a:latin typeface="Consolas" pitchFamily="49" charset="0"/>
+                <a:cs typeface="Consolas" pitchFamily="49" charset="0"/>
+              </a:rPr>
+              <a:t>iter</a:t>
+            </a:r>
+            <a:r>
+              <a:rPr lang="en-US" sz="1000" b="1" dirty="0" smtClean="0">
+                <a:solidFill>
+                  <a:schemeClr val="tx1"/>
+                </a:solidFill>
+                <a:latin typeface="Consolas" pitchFamily="49" charset="0"/>
+                <a:cs typeface="Consolas" pitchFamily="49" charset="0"/>
+              </a:rPr>
+              <a:t>() </a:t>
             </a:r>
             <a:r>
               <a:rPr lang="en-US" sz="1000" dirty="0" smtClean="0">
@@ -8458,8 +8727,10 @@
                 <a:latin typeface="Consolas" pitchFamily="49" charset="0"/>
                 <a:cs typeface="Consolas" pitchFamily="49" charset="0"/>
               </a:rPr>
-              <a:t> </a:t>
-            </a:r>
+              <a:t>% (max - start) </a:t>
+            </a:r>
+          </a:p>
+          <a:p>
             <a:r>
               <a:rPr lang="en-US" sz="1000" dirty="0" smtClean="0">
                 <a:solidFill>
@@ -8468,15 +8739,8 @@
                 <a:latin typeface="Consolas" pitchFamily="49" charset="0"/>
                 <a:cs typeface="Consolas" pitchFamily="49" charset="0"/>
               </a:rPr>
-              <a:t>counter = </a:t>
-            </a:r>
-            <a:endParaRPr lang="en-US" sz="1000" dirty="0" smtClean="0">
-              <a:solidFill>
-                <a:schemeClr val="tx1"/>
-              </a:solidFill>
-              <a:latin typeface="Consolas" pitchFamily="49" charset="0"/>
-              <a:cs typeface="Consolas" pitchFamily="49" charset="0"/>
-            </a:endParaRPr>
+              <a:t>      + start;</a:t>
+            </a:r>
           </a:p>
           <a:p>
             <a:r>
@@ -8487,8 +8751,10 @@
                 <a:latin typeface="Consolas" pitchFamily="49" charset="0"/>
                 <a:cs typeface="Consolas" pitchFamily="49" charset="0"/>
               </a:rPr>
-              <a:t> </a:t>
-            </a:r>
+              <a:t>  ...</a:t>
+            </a:r>
+          </a:p>
+          <a:p>
             <a:r>
               <a:rPr lang="en-US" sz="1000" dirty="0" smtClean="0">
                 <a:solidFill>
@@ -8497,115 +8763,8 @@
                 <a:latin typeface="Consolas" pitchFamily="49" charset="0"/>
                 <a:cs typeface="Consolas" pitchFamily="49" charset="0"/>
               </a:rPr>
-              <a:t>   </a:t>
-            </a:r>
-            <a:r>
-              <a:rPr lang="en-US" sz="1000" b="1" dirty="0" err="1" smtClean="0">
-                <a:solidFill>
-                  <a:schemeClr val="tx1"/>
-                </a:solidFill>
-                <a:latin typeface="Consolas" pitchFamily="49" charset="0"/>
-                <a:cs typeface="Consolas" pitchFamily="49" charset="0"/>
-              </a:rPr>
-              <a:t>iter</a:t>
-            </a:r>
-            <a:r>
-              <a:rPr lang="en-US" sz="1000" b="1" dirty="0" smtClean="0">
-                <a:solidFill>
-                  <a:schemeClr val="tx1"/>
-                </a:solidFill>
-                <a:latin typeface="Consolas" pitchFamily="49" charset="0"/>
-                <a:cs typeface="Consolas" pitchFamily="49" charset="0"/>
-              </a:rPr>
-              <a:t>() </a:t>
-            </a:r>
-            <a:r>
-              <a:rPr lang="en-US" sz="1000" dirty="0" smtClean="0">
-                <a:solidFill>
-                  <a:schemeClr val="tx1"/>
-                </a:solidFill>
-                <a:latin typeface="Consolas" pitchFamily="49" charset="0"/>
-                <a:cs typeface="Consolas" pitchFamily="49" charset="0"/>
-              </a:rPr>
-              <a:t>% (max - start) </a:t>
-            </a:r>
-            <a:endParaRPr lang="en-US" sz="1000" dirty="0" smtClean="0">
-              <a:solidFill>
-                <a:schemeClr val="tx1"/>
-              </a:solidFill>
-              <a:latin typeface="Consolas" pitchFamily="49" charset="0"/>
-              <a:cs typeface="Consolas" pitchFamily="49" charset="0"/>
-            </a:endParaRPr>
-          </a:p>
-          <a:p>
-            <a:r>
-              <a:rPr lang="en-US" sz="1000" dirty="0" smtClean="0">
-                <a:solidFill>
-                  <a:schemeClr val="tx1"/>
-                </a:solidFill>
-                <a:latin typeface="Consolas" pitchFamily="49" charset="0"/>
-                <a:cs typeface="Consolas" pitchFamily="49" charset="0"/>
-              </a:rPr>
-              <a:t> </a:t>
-            </a:r>
-            <a:r>
-              <a:rPr lang="en-US" sz="1000" dirty="0" smtClean="0">
-                <a:solidFill>
-                  <a:schemeClr val="tx1"/>
-                </a:solidFill>
-                <a:latin typeface="Consolas" pitchFamily="49" charset="0"/>
-                <a:cs typeface="Consolas" pitchFamily="49" charset="0"/>
-              </a:rPr>
-              <a:t>     + </a:t>
-            </a:r>
-            <a:r>
-              <a:rPr lang="en-US" sz="1000" dirty="0" smtClean="0">
-                <a:solidFill>
-                  <a:schemeClr val="tx1"/>
-                </a:solidFill>
-                <a:latin typeface="Consolas" pitchFamily="49" charset="0"/>
-                <a:cs typeface="Consolas" pitchFamily="49" charset="0"/>
-              </a:rPr>
-              <a:t>start;</a:t>
-            </a:r>
-          </a:p>
-          <a:p>
-            <a:r>
-              <a:rPr lang="en-US" sz="1000" dirty="0" smtClean="0">
-                <a:solidFill>
-                  <a:schemeClr val="tx1"/>
-                </a:solidFill>
-                <a:latin typeface="Consolas" pitchFamily="49" charset="0"/>
-                <a:cs typeface="Consolas" pitchFamily="49" charset="0"/>
-              </a:rPr>
-              <a:t>  ...</a:t>
-            </a:r>
-            <a:endParaRPr lang="en-US" sz="1000" dirty="0" smtClean="0">
-              <a:solidFill>
-                <a:schemeClr val="tx1"/>
-              </a:solidFill>
-              <a:latin typeface="Consolas" pitchFamily="49" charset="0"/>
-              <a:cs typeface="Consolas" pitchFamily="49" charset="0"/>
-            </a:endParaRPr>
-          </a:p>
-          <a:p>
-            <a:r>
-              <a:rPr lang="en-US" sz="1000" dirty="0" smtClean="0">
-                <a:solidFill>
-                  <a:schemeClr val="tx1"/>
-                </a:solidFill>
-                <a:latin typeface="Consolas" pitchFamily="49" charset="0"/>
-                <a:cs typeface="Consolas" pitchFamily="49" charset="0"/>
-              </a:rPr>
               <a:t>}</a:t>
             </a:r>
-            <a:endParaRPr lang="en-US" sz="1000" dirty="0" smtClean="0">
-              <a:solidFill>
-                <a:schemeClr val="tx1"/>
-              </a:solidFill>
-              <a:latin typeface="Consolas" pitchFamily="49" charset="0"/>
-              <a:cs typeface="Consolas" pitchFamily="49" charset="0"/>
-            </a:endParaRPr>
           </a:p>
         </p:txBody>
       </p:sp>
@@ -8909,17 +9068,7 @@
                 <a:latin typeface="Consolas" pitchFamily="49" charset="0"/>
                 <a:cs typeface="Consolas" pitchFamily="49" charset="0"/>
               </a:rPr>
-              <a:t>work </a:t>
-            </a:r>
-            <a:r>
-              <a:rPr lang="en-US" sz="1000" dirty="0" smtClean="0">
-                <a:solidFill>
-                  <a:schemeClr val="tx1"/>
-                </a:solidFill>
-                <a:latin typeface="Consolas" pitchFamily="49" charset="0"/>
-                <a:cs typeface="Consolas" pitchFamily="49" charset="0"/>
-              </a:rPr>
-              <a:t>push 1 pop 1{</a:t>
+              <a:t>work push 1 pop 1{</a:t>
             </a:r>
           </a:p>
           <a:p>
@@ -8952,7 +9101,17 @@
                 <a:latin typeface="Consolas" pitchFamily="49" charset="0"/>
                 <a:cs typeface="Consolas" pitchFamily="49" charset="0"/>
               </a:rPr>
-              <a:t> </a:t>
+              <a:t>  </a:t>
+            </a:r>
+            <a:r>
+              <a:rPr lang="en-US" sz="1000" dirty="0" err="1" smtClean="0">
+                <a:solidFill>
+                  <a:schemeClr val="tx1"/>
+                </a:solidFill>
+                <a:latin typeface="Consolas" pitchFamily="49" charset="0"/>
+                <a:cs typeface="Consolas" pitchFamily="49" charset="0"/>
+              </a:rPr>
+              <a:t>counter_x</a:t>
             </a:r>
             <a:r>
               <a:rPr lang="en-US" sz="1000" dirty="0" smtClean="0">
@@ -8962,7 +9121,7 @@
                 <a:latin typeface="Consolas" pitchFamily="49" charset="0"/>
                 <a:cs typeface="Consolas" pitchFamily="49" charset="0"/>
               </a:rPr>
-              <a:t> </a:t>
+              <a:t> = (</a:t>
             </a:r>
             <a:r>
               <a:rPr lang="en-US" sz="1000" dirty="0" err="1" smtClean="0">
@@ -8982,8 +9141,10 @@
                 <a:latin typeface="Consolas" pitchFamily="49" charset="0"/>
                 <a:cs typeface="Consolas" pitchFamily="49" charset="0"/>
               </a:rPr>
-              <a:t> </a:t>
-            </a:r>
+              <a:t> + 1);</a:t>
+            </a:r>
+          </a:p>
+          <a:p>
             <a:r>
               <a:rPr lang="en-US" sz="1000" dirty="0" smtClean="0">
                 <a:solidFill>
@@ -8992,7 +9153,7 @@
                 <a:latin typeface="Consolas" pitchFamily="49" charset="0"/>
                 <a:cs typeface="Consolas" pitchFamily="49" charset="0"/>
               </a:rPr>
-              <a:t>= (</a:t>
+              <a:t>  if (</a:t>
             </a:r>
             <a:r>
               <a:rPr lang="en-US" sz="1000" dirty="0" err="1" smtClean="0">
@@ -9012,122 +9173,114 @@
                 <a:latin typeface="Consolas" pitchFamily="49" charset="0"/>
                 <a:cs typeface="Consolas" pitchFamily="49" charset="0"/>
               </a:rPr>
+              <a:t> &gt; </a:t>
+            </a:r>
+            <a:r>
+              <a:rPr lang="en-US" sz="1000" dirty="0" err="1" smtClean="0">
+                <a:solidFill>
+                  <a:schemeClr val="tx1"/>
+                </a:solidFill>
+                <a:latin typeface="Consolas" pitchFamily="49" charset="0"/>
+                <a:cs typeface="Consolas" pitchFamily="49" charset="0"/>
+              </a:rPr>
+              <a:t>max_x</a:t>
+            </a:r>
+            <a:r>
+              <a:rPr lang="en-US" sz="1000" dirty="0" smtClean="0">
+                <a:solidFill>
+                  <a:schemeClr val="tx1"/>
+                </a:solidFill>
+                <a:latin typeface="Consolas" pitchFamily="49" charset="0"/>
+                <a:cs typeface="Consolas" pitchFamily="49" charset="0"/>
+              </a:rPr>
+              <a:t>) {</a:t>
+            </a:r>
+          </a:p>
+          <a:p>
+            <a:r>
+              <a:rPr lang="en-US" sz="1000" dirty="0" smtClean="0">
+                <a:solidFill>
+                  <a:schemeClr val="tx1"/>
+                </a:solidFill>
+                <a:latin typeface="Consolas" pitchFamily="49" charset="0"/>
+                <a:cs typeface="Consolas" pitchFamily="49" charset="0"/>
+              </a:rPr>
+              <a:t>    </a:t>
+            </a:r>
+            <a:r>
+              <a:rPr lang="en-US" sz="1000" dirty="0" err="1" smtClean="0">
+                <a:solidFill>
+                  <a:schemeClr val="tx1"/>
+                </a:solidFill>
+                <a:latin typeface="Consolas" pitchFamily="49" charset="0"/>
+                <a:cs typeface="Consolas" pitchFamily="49" charset="0"/>
+              </a:rPr>
+              <a:t>counter_x</a:t>
+            </a:r>
+            <a:r>
+              <a:rPr lang="en-US" sz="1000" dirty="0" smtClean="0">
+                <a:solidFill>
+                  <a:schemeClr val="tx1"/>
+                </a:solidFill>
+                <a:latin typeface="Consolas" pitchFamily="49" charset="0"/>
+                <a:cs typeface="Consolas" pitchFamily="49" charset="0"/>
+              </a:rPr>
+              <a:t> = 0;</a:t>
+            </a:r>
+          </a:p>
+          <a:p>
+            <a:r>
+              <a:rPr lang="en-US" sz="1000" dirty="0" smtClean="0">
+                <a:solidFill>
+                  <a:schemeClr val="tx1"/>
+                </a:solidFill>
+                <a:latin typeface="Consolas" pitchFamily="49" charset="0"/>
+                <a:cs typeface="Consolas" pitchFamily="49" charset="0"/>
+              </a:rPr>
+              <a:t>    </a:t>
+            </a:r>
+            <a:r>
+              <a:rPr lang="en-US" sz="1000" dirty="0" err="1" smtClean="0">
+                <a:solidFill>
+                  <a:schemeClr val="tx1"/>
+                </a:solidFill>
+                <a:latin typeface="Consolas" pitchFamily="49" charset="0"/>
+                <a:cs typeface="Consolas" pitchFamily="49" charset="0"/>
+              </a:rPr>
+              <a:t>counter_y</a:t>
+            </a:r>
+            <a:r>
+              <a:rPr lang="en-US" sz="1000" dirty="0" smtClean="0">
+                <a:solidFill>
+                  <a:schemeClr val="tx1"/>
+                </a:solidFill>
+                <a:latin typeface="Consolas" pitchFamily="49" charset="0"/>
+                <a:cs typeface="Consolas" pitchFamily="49" charset="0"/>
+              </a:rPr>
+              <a:t> = (</a:t>
+            </a:r>
+            <a:r>
+              <a:rPr lang="en-US" sz="1000" dirty="0" err="1" smtClean="0">
+                <a:solidFill>
+                  <a:schemeClr val="tx1"/>
+                </a:solidFill>
+                <a:latin typeface="Consolas" pitchFamily="49" charset="0"/>
+                <a:cs typeface="Consolas" pitchFamily="49" charset="0"/>
+              </a:rPr>
+              <a:t>counter_y</a:t>
+            </a:r>
+            <a:r>
+              <a:rPr lang="en-US" sz="1000" dirty="0" smtClean="0">
+                <a:solidFill>
+                  <a:schemeClr val="tx1"/>
+                </a:solidFill>
+                <a:latin typeface="Consolas" pitchFamily="49" charset="0"/>
+                <a:cs typeface="Consolas" pitchFamily="49" charset="0"/>
+              </a:rPr>
               <a:t> + 1);</a:t>
             </a:r>
           </a:p>
           <a:p>
-            <a:r>
-              <a:rPr lang="en-US" sz="1000" dirty="0" smtClean="0">
-                <a:solidFill>
-                  <a:schemeClr val="tx1"/>
-                </a:solidFill>
-                <a:latin typeface="Consolas" pitchFamily="49" charset="0"/>
-                <a:cs typeface="Consolas" pitchFamily="49" charset="0"/>
-              </a:rPr>
-              <a:t>  if </a:t>
-            </a:r>
-            <a:r>
-              <a:rPr lang="en-US" sz="1000" dirty="0" smtClean="0">
-                <a:solidFill>
-                  <a:schemeClr val="tx1"/>
-                </a:solidFill>
-                <a:latin typeface="Consolas" pitchFamily="49" charset="0"/>
-                <a:cs typeface="Consolas" pitchFamily="49" charset="0"/>
-              </a:rPr>
-              <a:t>(</a:t>
-            </a:r>
-            <a:r>
-              <a:rPr lang="en-US" sz="1000" dirty="0" err="1" smtClean="0">
-                <a:solidFill>
-                  <a:schemeClr val="tx1"/>
-                </a:solidFill>
-                <a:latin typeface="Consolas" pitchFamily="49" charset="0"/>
-                <a:cs typeface="Consolas" pitchFamily="49" charset="0"/>
-              </a:rPr>
-              <a:t>counter_x</a:t>
-            </a:r>
-            <a:r>
-              <a:rPr lang="en-US" sz="1000" dirty="0" smtClean="0">
-                <a:solidFill>
-                  <a:schemeClr val="tx1"/>
-                </a:solidFill>
-                <a:latin typeface="Consolas" pitchFamily="49" charset="0"/>
-                <a:cs typeface="Consolas" pitchFamily="49" charset="0"/>
-              </a:rPr>
-              <a:t> &gt; </a:t>
-            </a:r>
-            <a:r>
-              <a:rPr lang="en-US" sz="1000" dirty="0" err="1" smtClean="0">
-                <a:solidFill>
-                  <a:schemeClr val="tx1"/>
-                </a:solidFill>
-                <a:latin typeface="Consolas" pitchFamily="49" charset="0"/>
-                <a:cs typeface="Consolas" pitchFamily="49" charset="0"/>
-              </a:rPr>
-              <a:t>max_x</a:t>
-            </a:r>
-            <a:r>
-              <a:rPr lang="en-US" sz="1000" dirty="0" smtClean="0">
-                <a:solidFill>
-                  <a:schemeClr val="tx1"/>
-                </a:solidFill>
-                <a:latin typeface="Consolas" pitchFamily="49" charset="0"/>
-                <a:cs typeface="Consolas" pitchFamily="49" charset="0"/>
-              </a:rPr>
-              <a:t>) {</a:t>
-            </a:r>
-          </a:p>
-          <a:p>
-            <a:r>
-              <a:rPr lang="en-US" sz="1000" dirty="0" smtClean="0">
-                <a:solidFill>
-                  <a:schemeClr val="tx1"/>
-                </a:solidFill>
-                <a:latin typeface="Consolas" pitchFamily="49" charset="0"/>
-                <a:cs typeface="Consolas" pitchFamily="49" charset="0"/>
-              </a:rPr>
-              <a:t>    </a:t>
-            </a:r>
-            <a:r>
-              <a:rPr lang="en-US" sz="1000" dirty="0" err="1" smtClean="0">
-                <a:solidFill>
-                  <a:schemeClr val="tx1"/>
-                </a:solidFill>
-                <a:latin typeface="Consolas" pitchFamily="49" charset="0"/>
-                <a:cs typeface="Consolas" pitchFamily="49" charset="0"/>
-              </a:rPr>
-              <a:t>counter_x</a:t>
-            </a:r>
-            <a:r>
-              <a:rPr lang="en-US" sz="1000" dirty="0" smtClean="0">
-                <a:solidFill>
-                  <a:schemeClr val="tx1"/>
-                </a:solidFill>
-                <a:latin typeface="Consolas" pitchFamily="49" charset="0"/>
-                <a:cs typeface="Consolas" pitchFamily="49" charset="0"/>
-              </a:rPr>
-              <a:t> </a:t>
-            </a:r>
-            <a:r>
-              <a:rPr lang="en-US" sz="1000" dirty="0" smtClean="0">
-                <a:solidFill>
-                  <a:schemeClr val="tx1"/>
-                </a:solidFill>
-                <a:latin typeface="Consolas" pitchFamily="49" charset="0"/>
-                <a:cs typeface="Consolas" pitchFamily="49" charset="0"/>
-              </a:rPr>
-              <a:t>= 0</a:t>
-            </a:r>
-            <a:r>
-              <a:rPr lang="en-US" sz="1000" dirty="0" smtClean="0">
-                <a:solidFill>
-                  <a:schemeClr val="tx1"/>
-                </a:solidFill>
-                <a:latin typeface="Consolas" pitchFamily="49" charset="0"/>
-                <a:cs typeface="Consolas" pitchFamily="49" charset="0"/>
-              </a:rPr>
-              <a:t>;</a:t>
-            </a:r>
             <a:endParaRPr lang="en-US" sz="1000" dirty="0" smtClean="0">
               <a:solidFill>
                 <a:schemeClr val="tx1"/>
@@ -9145,7 +9298,7 @@
                 <a:latin typeface="Consolas" pitchFamily="49" charset="0"/>
                 <a:cs typeface="Consolas" pitchFamily="49" charset="0"/>
               </a:rPr>
-              <a:t>    </a:t>
+              <a:t>    if (</a:t>
             </a:r>
             <a:r>
               <a:rPr lang="en-US" sz="1000" dirty="0" err="1" smtClean="0">
@@ -9165,7 +9318,17 @@
                 <a:latin typeface="Consolas" pitchFamily="49" charset="0"/>
                 <a:cs typeface="Consolas" pitchFamily="49" charset="0"/>
               </a:rPr>
-              <a:t> </a:t>
+              <a:t> &gt; </a:t>
+            </a:r>
+            <a:r>
+              <a:rPr lang="en-US" sz="1000" dirty="0" err="1" smtClean="0">
+                <a:solidFill>
+                  <a:schemeClr val="tx1"/>
+                </a:solidFill>
+                <a:latin typeface="Consolas" pitchFamily="49" charset="0"/>
+                <a:cs typeface="Consolas" pitchFamily="49" charset="0"/>
+              </a:rPr>
+              <a:t>max_y</a:t>
             </a:r>
             <a:r>
               <a:rPr lang="en-US" sz="1000" dirty="0" smtClean="0">
@@ -9175,7 +9338,19 @@
                 <a:latin typeface="Consolas" pitchFamily="49" charset="0"/>
                 <a:cs typeface="Consolas" pitchFamily="49" charset="0"/>
               </a:rPr>
-              <a:t>= (</a:t>
+              <a:t>) {</a:t>
+            </a:r>
+          </a:p>
+          <a:p>
+            <a:r>
+              <a:rPr lang="en-US" sz="1000" dirty="0" smtClean="0">
+                <a:solidFill>
+                  <a:schemeClr val="tx1"/>
+                </a:solidFill>
+                <a:latin typeface="Consolas" pitchFamily="49" charset="0"/>
+                <a:cs typeface="Consolas" pitchFamily="49" charset="0"/>
+              </a:rPr>
+              <a:t>      </a:t>
             </a:r>
             <a:r>
               <a:rPr lang="en-US" sz="1000" dirty="0" err="1" smtClean="0">
@@ -9195,8 +9370,10 @@
                 <a:latin typeface="Consolas" pitchFamily="49" charset="0"/>
                 <a:cs typeface="Consolas" pitchFamily="49" charset="0"/>
               </a:rPr>
-              <a:t> + 1</a:t>
-            </a:r>
+              <a:t> = 0</a:t>
+            </a:r>
+          </a:p>
+          <a:p>
             <a:r>
               <a:rPr lang="en-US" sz="1000" dirty="0" smtClean="0">
                 <a:solidFill>
@@ -9205,17 +9382,8 @@
                 <a:latin typeface="Consolas" pitchFamily="49" charset="0"/>
                 <a:cs typeface="Consolas" pitchFamily="49" charset="0"/>
               </a:rPr>
-              <a:t>);</a:t>
-            </a:r>
-          </a:p>
-          <a:p>
-            <a:endParaRPr lang="en-US" sz="1000" dirty="0" smtClean="0">
-              <a:solidFill>
-                <a:schemeClr val="tx1"/>
-              </a:solidFill>
-              <a:latin typeface="Consolas" pitchFamily="49" charset="0"/>
-              <a:cs typeface="Consolas" pitchFamily="49" charset="0"/>
-            </a:endParaRPr>
+              <a:t>    }</a:t>
+            </a:r>
           </a:p>
           <a:p>
             <a:r>
@@ -9226,138 +9394,8 @@
                 <a:latin typeface="Consolas" pitchFamily="49" charset="0"/>
                 <a:cs typeface="Consolas" pitchFamily="49" charset="0"/>
               </a:rPr>
-              <a:t>    if </a:t>
-            </a:r>
-            <a:r>
-              <a:rPr lang="en-US" sz="1000" dirty="0" smtClean="0">
-                <a:solidFill>
-                  <a:schemeClr val="tx1"/>
-                </a:solidFill>
-                <a:latin typeface="Consolas" pitchFamily="49" charset="0"/>
-                <a:cs typeface="Consolas" pitchFamily="49" charset="0"/>
-              </a:rPr>
-              <a:t>(</a:t>
-            </a:r>
-            <a:r>
-              <a:rPr lang="en-US" sz="1000" dirty="0" err="1" smtClean="0">
-                <a:solidFill>
-                  <a:schemeClr val="tx1"/>
-                </a:solidFill>
-                <a:latin typeface="Consolas" pitchFamily="49" charset="0"/>
-                <a:cs typeface="Consolas" pitchFamily="49" charset="0"/>
-              </a:rPr>
-              <a:t>counter_y</a:t>
-            </a:r>
-            <a:r>
-              <a:rPr lang="en-US" sz="1000" dirty="0" smtClean="0">
-                <a:solidFill>
-                  <a:schemeClr val="tx1"/>
-                </a:solidFill>
-                <a:latin typeface="Consolas" pitchFamily="49" charset="0"/>
-                <a:cs typeface="Consolas" pitchFamily="49" charset="0"/>
-              </a:rPr>
-              <a:t> &gt; </a:t>
-            </a:r>
-            <a:r>
-              <a:rPr lang="en-US" sz="1000" dirty="0" err="1" smtClean="0">
-                <a:solidFill>
-                  <a:schemeClr val="tx1"/>
-                </a:solidFill>
-                <a:latin typeface="Consolas" pitchFamily="49" charset="0"/>
-                <a:cs typeface="Consolas" pitchFamily="49" charset="0"/>
-              </a:rPr>
-              <a:t>max_y</a:t>
-            </a:r>
-            <a:r>
-              <a:rPr lang="en-US" sz="1000" dirty="0" smtClean="0">
-                <a:solidFill>
-                  <a:schemeClr val="tx1"/>
-                </a:solidFill>
-                <a:latin typeface="Consolas" pitchFamily="49" charset="0"/>
-                <a:cs typeface="Consolas" pitchFamily="49" charset="0"/>
-              </a:rPr>
-              <a:t>) {</a:t>
-            </a:r>
-          </a:p>
-          <a:p>
-            <a:r>
-              <a:rPr lang="en-US" sz="1000" dirty="0" smtClean="0">
-                <a:solidFill>
-                  <a:schemeClr val="tx1"/>
-                </a:solidFill>
-                <a:latin typeface="Consolas" pitchFamily="49" charset="0"/>
-                <a:cs typeface="Consolas" pitchFamily="49" charset="0"/>
-              </a:rPr>
-              <a:t>      </a:t>
-            </a:r>
-            <a:r>
-              <a:rPr lang="en-US" sz="1000" dirty="0" err="1" smtClean="0">
-                <a:solidFill>
-                  <a:schemeClr val="tx1"/>
-                </a:solidFill>
-                <a:latin typeface="Consolas" pitchFamily="49" charset="0"/>
-                <a:cs typeface="Consolas" pitchFamily="49" charset="0"/>
-              </a:rPr>
-              <a:t>counter_y</a:t>
-            </a:r>
-            <a:r>
-              <a:rPr lang="en-US" sz="1000" dirty="0" smtClean="0">
-                <a:solidFill>
-                  <a:schemeClr val="tx1"/>
-                </a:solidFill>
-                <a:latin typeface="Consolas" pitchFamily="49" charset="0"/>
-                <a:cs typeface="Consolas" pitchFamily="49" charset="0"/>
-              </a:rPr>
-              <a:t> </a:t>
-            </a:r>
-            <a:r>
-              <a:rPr lang="en-US" sz="1000" dirty="0" smtClean="0">
-                <a:solidFill>
-                  <a:schemeClr val="tx1"/>
-                </a:solidFill>
-                <a:latin typeface="Consolas" pitchFamily="49" charset="0"/>
-                <a:cs typeface="Consolas" pitchFamily="49" charset="0"/>
-              </a:rPr>
-              <a:t>= 0</a:t>
-            </a:r>
-          </a:p>
-          <a:p>
-            <a:r>
-              <a:rPr lang="en-US" sz="1000" dirty="0" smtClean="0">
-                <a:solidFill>
-                  <a:schemeClr val="tx1"/>
-                </a:solidFill>
-                <a:latin typeface="Consolas" pitchFamily="49" charset="0"/>
-                <a:cs typeface="Consolas" pitchFamily="49" charset="0"/>
-              </a:rPr>
-              <a:t>    }</a:t>
-            </a:r>
-            <a:endParaRPr lang="en-US" sz="1000" dirty="0" smtClean="0">
-              <a:solidFill>
-                <a:schemeClr val="tx1"/>
-              </a:solidFill>
-              <a:latin typeface="Consolas" pitchFamily="49" charset="0"/>
-              <a:cs typeface="Consolas" pitchFamily="49" charset="0"/>
-            </a:endParaRPr>
-          </a:p>
-          <a:p>
-            <a:r>
-              <a:rPr lang="en-US" sz="1000" dirty="0" smtClean="0">
-                <a:solidFill>
-                  <a:schemeClr val="tx1"/>
-                </a:solidFill>
-                <a:latin typeface="Consolas" pitchFamily="49" charset="0"/>
-                <a:cs typeface="Consolas" pitchFamily="49" charset="0"/>
-              </a:rPr>
               <a:t>  } </a:t>
             </a:r>
-            <a:endParaRPr lang="en-US" sz="1000" dirty="0" smtClean="0">
-              <a:solidFill>
-                <a:schemeClr val="tx1"/>
-              </a:solidFill>
-              <a:latin typeface="Consolas" pitchFamily="49" charset="0"/>
-              <a:cs typeface="Consolas" pitchFamily="49" charset="0"/>
-            </a:endParaRPr>
           </a:p>
           <a:p>
             <a:r>
@@ -9503,6 +9541,8 @@
               </a:rPr>
               <a:t>;</a:t>
             </a:r>
+          </a:p>
+          <a:p>
             <a:endParaRPr lang="en-US" sz="1000" dirty="0" smtClean="0">
               <a:solidFill>
                 <a:schemeClr val="tx1"/>
@@ -9512,15 +9552,6 @@
             </a:endParaRPr>
           </a:p>
           <a:p>
-            <a:endParaRPr lang="en-US" sz="1000" dirty="0" smtClean="0">
-              <a:solidFill>
-                <a:schemeClr val="tx1"/>
-              </a:solidFill>
-              <a:latin typeface="Consolas" pitchFamily="49" charset="0"/>
-              <a:cs typeface="Consolas" pitchFamily="49" charset="0"/>
-            </a:endParaRPr>
-          </a:p>
-          <a:p>
             <a:r>
               <a:rPr lang="en-US" sz="1000" dirty="0" smtClean="0">
                 <a:solidFill>
@@ -9529,8 +9560,10 @@
                 <a:latin typeface="Consolas" pitchFamily="49" charset="0"/>
                 <a:cs typeface="Consolas" pitchFamily="49" charset="0"/>
               </a:rPr>
-              <a:t>work </a:t>
-            </a:r>
+              <a:t>work push 1 pop 1{</a:t>
+            </a:r>
+          </a:p>
+          <a:p>
             <a:r>
               <a:rPr lang="en-US" sz="1000" dirty="0" smtClean="0">
                 <a:solidFill>
@@ -9539,10 +9572,18 @@
                 <a:latin typeface="Consolas" pitchFamily="49" charset="0"/>
                 <a:cs typeface="Consolas" pitchFamily="49" charset="0"/>
               </a:rPr>
-              <a:t>push 1 pop 1{</a:t>
-            </a:r>
-          </a:p>
-          <a:p>
+              <a:t>  </a:t>
+            </a:r>
+            <a:r>
+              <a:rPr lang="en-US" sz="1000" dirty="0" err="1" smtClean="0">
+                <a:solidFill>
+                  <a:schemeClr val="tx1"/>
+                </a:solidFill>
+                <a:latin typeface="Consolas" pitchFamily="49" charset="0"/>
+                <a:cs typeface="Consolas" pitchFamily="49" charset="0"/>
+              </a:rPr>
+              <a:t>int</a:t>
+            </a:r>
             <a:r>
               <a:rPr lang="en-US" sz="1000" dirty="0" smtClean="0">
                 <a:solidFill>
@@ -9551,6 +9592,100 @@
                 <a:latin typeface="Consolas" pitchFamily="49" charset="0"/>
                 <a:cs typeface="Consolas" pitchFamily="49" charset="0"/>
               </a:rPr>
+              <a:t> </a:t>
+            </a:r>
+            <a:r>
+              <a:rPr lang="en-US" sz="1000" dirty="0" err="1" smtClean="0">
+                <a:solidFill>
+                  <a:schemeClr val="tx1"/>
+                </a:solidFill>
+                <a:latin typeface="Consolas" pitchFamily="49" charset="0"/>
+                <a:cs typeface="Consolas" pitchFamily="49" charset="0"/>
+              </a:rPr>
+              <a:t>counter_x</a:t>
+            </a:r>
+            <a:r>
+              <a:rPr lang="en-US" sz="1000" dirty="0" smtClean="0">
+                <a:solidFill>
+                  <a:schemeClr val="tx1"/>
+                </a:solidFill>
+                <a:latin typeface="Consolas" pitchFamily="49" charset="0"/>
+                <a:cs typeface="Consolas" pitchFamily="49" charset="0"/>
+              </a:rPr>
+              <a:t> = </a:t>
+            </a:r>
+          </a:p>
+          <a:p>
+            <a:r>
+              <a:rPr lang="en-US" sz="1000" dirty="0" smtClean="0">
+                <a:solidFill>
+                  <a:schemeClr val="tx1"/>
+                </a:solidFill>
+                <a:latin typeface="Consolas" pitchFamily="49" charset="0"/>
+                <a:cs typeface="Consolas" pitchFamily="49" charset="0"/>
+              </a:rPr>
+              <a:t>    (</a:t>
+            </a:r>
+            <a:r>
+              <a:rPr lang="en-US" sz="1000" b="1" dirty="0" err="1" smtClean="0">
+                <a:solidFill>
+                  <a:schemeClr val="tx1"/>
+                </a:solidFill>
+                <a:latin typeface="Consolas" pitchFamily="49" charset="0"/>
+                <a:cs typeface="Consolas" pitchFamily="49" charset="0"/>
+              </a:rPr>
+              <a:t>iter</a:t>
+            </a:r>
+            <a:r>
+              <a:rPr lang="en-US" sz="1000" b="1" dirty="0" smtClean="0">
+                <a:solidFill>
+                  <a:schemeClr val="tx1"/>
+                </a:solidFill>
+                <a:latin typeface="Consolas" pitchFamily="49" charset="0"/>
+                <a:cs typeface="Consolas" pitchFamily="49" charset="0"/>
+              </a:rPr>
+              <a:t>() </a:t>
+            </a:r>
+            <a:r>
+              <a:rPr lang="en-US" sz="1000" dirty="0" smtClean="0">
+                <a:solidFill>
+                  <a:schemeClr val="tx1"/>
+                </a:solidFill>
+                <a:latin typeface="Consolas" pitchFamily="49" charset="0"/>
+                <a:cs typeface="Consolas" pitchFamily="49" charset="0"/>
+              </a:rPr>
+              <a:t>% </a:t>
+            </a:r>
+            <a:r>
+              <a:rPr lang="en-US" sz="1000" dirty="0" err="1" smtClean="0">
+                <a:solidFill>
+                  <a:schemeClr val="tx1"/>
+                </a:solidFill>
+                <a:latin typeface="Consolas" pitchFamily="49" charset="0"/>
+                <a:cs typeface="Consolas" pitchFamily="49" charset="0"/>
+              </a:rPr>
+              <a:t>max_x</a:t>
+            </a:r>
+            <a:r>
+              <a:rPr lang="en-US" sz="1000" dirty="0" smtClean="0">
+                <a:solidFill>
+                  <a:schemeClr val="tx1"/>
+                </a:solidFill>
+                <a:latin typeface="Consolas" pitchFamily="49" charset="0"/>
+                <a:cs typeface="Consolas" pitchFamily="49" charset="0"/>
+              </a:rPr>
+              <a:t>);</a:t>
+            </a:r>
+          </a:p>
+          <a:p>
+            <a:r>
+              <a:rPr lang="en-US" sz="1000" dirty="0" smtClean="0">
+                <a:solidFill>
+                  <a:schemeClr val="tx1"/>
+                </a:solidFill>
+                <a:latin typeface="Consolas" pitchFamily="49" charset="0"/>
+                <a:cs typeface="Consolas" pitchFamily="49" charset="0"/>
+              </a:rPr>
               <a:t>  </a:t>
             </a:r>
             <a:r>
@@ -9581,7 +9716,7 @@
                 <a:latin typeface="Consolas" pitchFamily="49" charset="0"/>
                 <a:cs typeface="Consolas" pitchFamily="49" charset="0"/>
               </a:rPr>
-              <a:t>counter_x</a:t>
+              <a:t>counter_y</a:t>
             </a:r>
             <a:r>
               <a:rPr lang="en-US" sz="1000" dirty="0" smtClean="0">
@@ -9593,13 +9728,6 @@
               </a:rPr>
               <a:t> = </a:t>
             </a:r>
-            <a:endParaRPr lang="en-US" sz="1000" dirty="0" smtClean="0">
-              <a:solidFill>
-                <a:schemeClr val="tx1"/>
-              </a:solidFill>
-              <a:latin typeface="Consolas" pitchFamily="49" charset="0"/>
-              <a:cs typeface="Consolas" pitchFamily="49" charset="0"/>
-            </a:endParaRPr>
           </a:p>
           <a:p>
             <a:r>
@@ -9610,7 +9738,27 @@
                 <a:latin typeface="Consolas" pitchFamily="49" charset="0"/>
                 <a:cs typeface="Consolas" pitchFamily="49" charset="0"/>
               </a:rPr>
-              <a:t> </a:t>
+              <a:t>    (</a:t>
+            </a:r>
+            <a:r>
+              <a:rPr lang="en-US" sz="1000" b="1" dirty="0" err="1" smtClean="0">
+                <a:solidFill>
+                  <a:schemeClr val="tx1"/>
+                </a:solidFill>
+                <a:latin typeface="Consolas" pitchFamily="49" charset="0"/>
+                <a:cs typeface="Consolas" pitchFamily="49" charset="0"/>
+              </a:rPr>
+              <a:t>iter</a:t>
+            </a:r>
+            <a:r>
+              <a:rPr lang="en-US" sz="1000" b="1" dirty="0" smtClean="0">
+                <a:solidFill>
+                  <a:schemeClr val="tx1"/>
+                </a:solidFill>
+                <a:latin typeface="Consolas" pitchFamily="49" charset="0"/>
+                <a:cs typeface="Consolas" pitchFamily="49" charset="0"/>
+              </a:rPr>
+              <a:t>() </a:t>
             </a:r>
             <a:r>
               <a:rPr lang="en-US" sz="1000" dirty="0" smtClean="0">
@@ -9620,27 +9768,37 @@
                 <a:latin typeface="Consolas" pitchFamily="49" charset="0"/>
                 <a:cs typeface="Consolas" pitchFamily="49" charset="0"/>
               </a:rPr>
-              <a:t>   (</a:t>
-            </a:r>
-            <a:r>
-              <a:rPr lang="en-US" sz="1000" b="1" dirty="0" err="1" smtClean="0">
+              <a:t>/ </a:t>
+            </a:r>
+            <a:r>
+              <a:rPr lang="en-US" sz="1000" dirty="0" err="1" smtClean="0">
                 <a:solidFill>
                   <a:schemeClr val="tx1"/>
                 </a:solidFill>
                 <a:latin typeface="Consolas" pitchFamily="49" charset="0"/>
                 <a:cs typeface="Consolas" pitchFamily="49" charset="0"/>
               </a:rPr>
-              <a:t>iter</a:t>
-            </a:r>
-            <a:r>
-              <a:rPr lang="en-US" sz="1000" b="1" dirty="0" smtClean="0">
+              <a:t>max_x</a:t>
+            </a:r>
+            <a:r>
+              <a:rPr lang="en-US" sz="1000" dirty="0" smtClean="0">
                 <a:solidFill>
                   <a:schemeClr val="tx1"/>
                 </a:solidFill>
                 <a:latin typeface="Consolas" pitchFamily="49" charset="0"/>
                 <a:cs typeface="Consolas" pitchFamily="49" charset="0"/>
               </a:rPr>
-              <a:t>() </a:t>
+              <a:t>) % </a:t>
+            </a:r>
+            <a:r>
+              <a:rPr lang="en-US" sz="1000" dirty="0" err="1" smtClean="0">
+                <a:solidFill>
+                  <a:schemeClr val="tx1"/>
+                </a:solidFill>
+                <a:latin typeface="Consolas" pitchFamily="49" charset="0"/>
+                <a:cs typeface="Consolas" pitchFamily="49" charset="0"/>
+              </a:rPr>
+              <a:t>max_y</a:t>
             </a:r>
             <a:r>
               <a:rPr lang="en-US" sz="1000" dirty="0" smtClean="0">
@@ -9650,198 +9808,20 @@
                 <a:latin typeface="Consolas" pitchFamily="49" charset="0"/>
                 <a:cs typeface="Consolas" pitchFamily="49" charset="0"/>
               </a:rPr>
-              <a:t>% </a:t>
-            </a:r>
-            <a:r>
-              <a:rPr lang="en-US" sz="1000" dirty="0" err="1" smtClean="0">
+              <a:t>;</a:t>
+            </a:r>
+          </a:p>
+          <a:p>
+            <a:r>
+              <a:rPr lang="en-US" sz="1000" dirty="0" smtClean="0">
                 <a:solidFill>
                   <a:schemeClr val="tx1"/>
                 </a:solidFill>
                 <a:latin typeface="Consolas" pitchFamily="49" charset="0"/>
                 <a:cs typeface="Consolas" pitchFamily="49" charset="0"/>
               </a:rPr>
-              <a:t>max_x</a:t>
-            </a:r>
-            <a:r>
-              <a:rPr lang="en-US" sz="1000" dirty="0" smtClean="0">
-                <a:solidFill>
-                  <a:schemeClr val="tx1"/>
-                </a:solidFill>
-                <a:latin typeface="Consolas" pitchFamily="49" charset="0"/>
-                <a:cs typeface="Consolas" pitchFamily="49" charset="0"/>
-              </a:rPr>
-              <a:t>);</a:t>
-            </a:r>
-          </a:p>
-          <a:p>
-            <a:r>
-              <a:rPr lang="en-US" sz="1000" dirty="0" smtClean="0">
-                <a:solidFill>
-                  <a:schemeClr val="tx1"/>
-                </a:solidFill>
-                <a:latin typeface="Consolas" pitchFamily="49" charset="0"/>
-                <a:cs typeface="Consolas" pitchFamily="49" charset="0"/>
-              </a:rPr>
-              <a:t>  </a:t>
-            </a:r>
-            <a:r>
-              <a:rPr lang="en-US" sz="1000" dirty="0" err="1" smtClean="0">
-                <a:solidFill>
-                  <a:schemeClr val="tx1"/>
-                </a:solidFill>
-                <a:latin typeface="Consolas" pitchFamily="49" charset="0"/>
-                <a:cs typeface="Consolas" pitchFamily="49" charset="0"/>
-              </a:rPr>
-              <a:t>int</a:t>
-            </a:r>
-            <a:r>
-              <a:rPr lang="en-US" sz="1000" dirty="0" smtClean="0">
-                <a:solidFill>
-                  <a:schemeClr val="tx1"/>
-                </a:solidFill>
-                <a:latin typeface="Consolas" pitchFamily="49" charset="0"/>
-                <a:cs typeface="Consolas" pitchFamily="49" charset="0"/>
-              </a:rPr>
-              <a:t> </a:t>
-            </a:r>
-            <a:r>
-              <a:rPr lang="en-US" sz="1000" dirty="0" err="1" smtClean="0">
-                <a:solidFill>
-                  <a:schemeClr val="tx1"/>
-                </a:solidFill>
-                <a:latin typeface="Consolas" pitchFamily="49" charset="0"/>
-                <a:cs typeface="Consolas" pitchFamily="49" charset="0"/>
-              </a:rPr>
-              <a:t>counter_y</a:t>
-            </a:r>
-            <a:r>
-              <a:rPr lang="en-US" sz="1000" dirty="0" smtClean="0">
-                <a:solidFill>
-                  <a:schemeClr val="tx1"/>
-                </a:solidFill>
-                <a:latin typeface="Consolas" pitchFamily="49" charset="0"/>
-                <a:cs typeface="Consolas" pitchFamily="49" charset="0"/>
-              </a:rPr>
-              <a:t> = </a:t>
-            </a:r>
-            <a:endParaRPr lang="en-US" sz="1000" dirty="0" smtClean="0">
-              <a:solidFill>
-                <a:schemeClr val="tx1"/>
-              </a:solidFill>
-              <a:latin typeface="Consolas" pitchFamily="49" charset="0"/>
-              <a:cs typeface="Consolas" pitchFamily="49" charset="0"/>
-            </a:endParaRPr>
-          </a:p>
-          <a:p>
-            <a:r>
-              <a:rPr lang="en-US" sz="1000" dirty="0" smtClean="0">
-                <a:solidFill>
-                  <a:schemeClr val="tx1"/>
-                </a:solidFill>
-                <a:latin typeface="Consolas" pitchFamily="49" charset="0"/>
-                <a:cs typeface="Consolas" pitchFamily="49" charset="0"/>
-              </a:rPr>
-              <a:t> </a:t>
-            </a:r>
-            <a:r>
-              <a:rPr lang="en-US" sz="1000" dirty="0" smtClean="0">
-                <a:solidFill>
-                  <a:schemeClr val="tx1"/>
-                </a:solidFill>
-                <a:latin typeface="Consolas" pitchFamily="49" charset="0"/>
-                <a:cs typeface="Consolas" pitchFamily="49" charset="0"/>
-              </a:rPr>
-              <a:t>   (</a:t>
-            </a:r>
-            <a:r>
-              <a:rPr lang="en-US" sz="1000" b="1" dirty="0" err="1" smtClean="0">
-                <a:solidFill>
-                  <a:schemeClr val="tx1"/>
-                </a:solidFill>
-                <a:latin typeface="Consolas" pitchFamily="49" charset="0"/>
-                <a:cs typeface="Consolas" pitchFamily="49" charset="0"/>
-              </a:rPr>
-              <a:t>iter</a:t>
-            </a:r>
-            <a:r>
-              <a:rPr lang="en-US" sz="1000" b="1" dirty="0" smtClean="0">
-                <a:solidFill>
-                  <a:schemeClr val="tx1"/>
-                </a:solidFill>
-                <a:latin typeface="Consolas" pitchFamily="49" charset="0"/>
-                <a:cs typeface="Consolas" pitchFamily="49" charset="0"/>
-              </a:rPr>
-              <a:t>() </a:t>
-            </a:r>
-            <a:r>
-              <a:rPr lang="en-US" sz="1000" dirty="0" smtClean="0">
-                <a:solidFill>
-                  <a:schemeClr val="tx1"/>
-                </a:solidFill>
-                <a:latin typeface="Consolas" pitchFamily="49" charset="0"/>
-                <a:cs typeface="Consolas" pitchFamily="49" charset="0"/>
-              </a:rPr>
-              <a:t>/ </a:t>
-            </a:r>
-            <a:r>
-              <a:rPr lang="en-US" sz="1000" dirty="0" err="1" smtClean="0">
-                <a:solidFill>
-                  <a:schemeClr val="tx1"/>
-                </a:solidFill>
-                <a:latin typeface="Consolas" pitchFamily="49" charset="0"/>
-                <a:cs typeface="Consolas" pitchFamily="49" charset="0"/>
-              </a:rPr>
-              <a:t>max_x</a:t>
-            </a:r>
-            <a:r>
-              <a:rPr lang="en-US" sz="1000" dirty="0" smtClean="0">
-                <a:solidFill>
-                  <a:schemeClr val="tx1"/>
-                </a:solidFill>
-                <a:latin typeface="Consolas" pitchFamily="49" charset="0"/>
-                <a:cs typeface="Consolas" pitchFamily="49" charset="0"/>
-              </a:rPr>
-              <a:t>) % </a:t>
-            </a:r>
-            <a:r>
-              <a:rPr lang="en-US" sz="1000" dirty="0" err="1" smtClean="0">
-                <a:solidFill>
-                  <a:schemeClr val="tx1"/>
-                </a:solidFill>
-                <a:latin typeface="Consolas" pitchFamily="49" charset="0"/>
-                <a:cs typeface="Consolas" pitchFamily="49" charset="0"/>
-              </a:rPr>
-              <a:t>max_y</a:t>
-            </a:r>
-            <a:r>
-              <a:rPr lang="en-US" sz="1000" dirty="0" smtClean="0">
-                <a:solidFill>
-                  <a:schemeClr val="tx1"/>
-                </a:solidFill>
-                <a:latin typeface="Consolas" pitchFamily="49" charset="0"/>
-                <a:cs typeface="Consolas" pitchFamily="49" charset="0"/>
-              </a:rPr>
-              <a:t>;</a:t>
-            </a:r>
-          </a:p>
-          <a:p>
-            <a:r>
-              <a:rPr lang="en-US" sz="1000" dirty="0" smtClean="0">
-                <a:solidFill>
-                  <a:schemeClr val="tx1"/>
-                </a:solidFill>
-                <a:latin typeface="Consolas" pitchFamily="49" charset="0"/>
-                <a:cs typeface="Consolas" pitchFamily="49" charset="0"/>
-              </a:rPr>
               <a:t>  ...</a:t>
             </a:r>
-            <a:endParaRPr lang="en-US" sz="1000" dirty="0" smtClean="0">
-              <a:solidFill>
-                <a:schemeClr val="tx1"/>
-              </a:solidFill>
-              <a:latin typeface="Consolas" pitchFamily="49" charset="0"/>
-              <a:cs typeface="Consolas" pitchFamily="49" charset="0"/>
-            </a:endParaRPr>
           </a:p>
           <a:p>
             <a:r>
@@ -23799,6 +23779,22 @@
           <a:chExt cx="0" cy="0"/>
         </a:xfrm>
       </p:grpSpPr>
+      <p:graphicFrame>
+        <p:nvGraphicFramePr>
+          <p:cNvPr id="2" name="Chart 1"/>
+          <p:cNvGraphicFramePr/>
+          <p:nvPr/>
+        </p:nvGraphicFramePr>
+        <p:xfrm>
+          <a:off x="2286000" y="1933575"/>
+          <a:ext cx="4572000" cy="2990850"/>
+        </p:xfrm>
+        <a:graphic>
+          <a:graphicData uri="http://schemas.openxmlformats.org/drawingml/2006/chart">
+            <c:chart xmlns:c="http://schemas.openxmlformats.org/drawingml/2006/chart" xmlns:r="http://schemas.openxmlformats.org/officeDocument/2006/relationships" r:id="rId2"/>
+          </a:graphicData>
+        </a:graphic>
+      </p:graphicFrame>
     </p:spTree>
   </p:cSld>
   <p:clrMapOvr>

--- a/streams/docs/induction-state-2012/figures/fission-induction.pptx
+++ b/streams/docs/induction-state-2012/figures/fission-induction.pptx
@@ -5,21 +5,22 @@
     <p:sldMasterId id="2147483648" r:id="rId1"/>
   </p:sldMasterIdLst>
   <p:notesMasterIdLst>
-    <p:notesMasterId r:id="rId11"/>
+    <p:notesMasterId r:id="rId12"/>
   </p:notesMasterIdLst>
   <p:handoutMasterIdLst>
-    <p:handoutMasterId r:id="rId12"/>
+    <p:handoutMasterId r:id="rId13"/>
   </p:handoutMasterIdLst>
   <p:sldIdLst>
     <p:sldId id="256" r:id="rId2"/>
     <p:sldId id="257" r:id="rId3"/>
     <p:sldId id="263" r:id="rId4"/>
     <p:sldId id="264" r:id="rId5"/>
-    <p:sldId id="258" r:id="rId6"/>
-    <p:sldId id="259" r:id="rId7"/>
-    <p:sldId id="260" r:id="rId8"/>
-    <p:sldId id="261" r:id="rId9"/>
-    <p:sldId id="262" r:id="rId10"/>
+    <p:sldId id="265" r:id="rId6"/>
+    <p:sldId id="258" r:id="rId7"/>
+    <p:sldId id="259" r:id="rId8"/>
+    <p:sldId id="260" r:id="rId9"/>
+    <p:sldId id="261" r:id="rId10"/>
+    <p:sldId id="262" r:id="rId11"/>
   </p:sldIdLst>
   <p:sldSz cx="9144000" cy="6858000" type="screen4x3"/>
   <p:notesSz cx="6858000" cy="9144000"/>
@@ -140,7 +141,7 @@
               <c:strCache>
                 <c:ptCount val="1"/>
                 <c:pt idx="0">
-                  <c:v>1%</c:v>
+                  <c:v>10%</c:v>
                 </c:pt>
               </c:strCache>
             </c:strRef>
@@ -197,31 +198,31 @@
                   <c:v>1</c:v>
                 </c:pt>
                 <c:pt idx="1">
-                  <c:v>1.01</c:v>
+                  <c:v>1.1000000000000001</c:v>
                 </c:pt>
                 <c:pt idx="2">
-                  <c:v>1.03</c:v>
+                  <c:v>1.3</c:v>
                 </c:pt>
                 <c:pt idx="3">
-                  <c:v>1.07</c:v>
+                  <c:v>1.7000000000000002</c:v>
                 </c:pt>
                 <c:pt idx="4">
-                  <c:v>1.1499999999999999</c:v>
+                  <c:v>2.5</c:v>
                 </c:pt>
                 <c:pt idx="5">
-                  <c:v>1.31</c:v>
+                  <c:v>4.0999999999999996</c:v>
                 </c:pt>
                 <c:pt idx="6">
-                  <c:v>1.63</c:v>
+                  <c:v>7.3000000000000007</c:v>
                 </c:pt>
                 <c:pt idx="7">
-                  <c:v>2.27</c:v>
+                  <c:v>13.700000000000001</c:v>
                 </c:pt>
                 <c:pt idx="8">
-                  <c:v>3.5500000000000003</c:v>
+                  <c:v>26.5</c:v>
                 </c:pt>
                 <c:pt idx="9">
-                  <c:v>6.11</c:v>
+                  <c:v>52.1</c:v>
                 </c:pt>
               </c:numCache>
             </c:numRef>
@@ -236,7 +237,7 @@
               <c:strCache>
                 <c:ptCount val="1"/>
                 <c:pt idx="0">
-                  <c:v>3%</c:v>
+                  <c:v>5%</c:v>
                 </c:pt>
               </c:strCache>
             </c:strRef>
@@ -293,31 +294,31 @@
                   <c:v>1</c:v>
                 </c:pt>
                 <c:pt idx="1">
-                  <c:v>1.03</c:v>
+                  <c:v>1.05</c:v>
                 </c:pt>
                 <c:pt idx="2">
-                  <c:v>1.0900000000000001</c:v>
+                  <c:v>1.1499999999999999</c:v>
                 </c:pt>
                 <c:pt idx="3">
-                  <c:v>1.21</c:v>
+                  <c:v>1.35</c:v>
                 </c:pt>
                 <c:pt idx="4">
-                  <c:v>1.45</c:v>
+                  <c:v>1.75</c:v>
                 </c:pt>
                 <c:pt idx="5">
-                  <c:v>1.93</c:v>
+                  <c:v>2.5499999999999998</c:v>
                 </c:pt>
                 <c:pt idx="6">
-                  <c:v>2.8899999999999997</c:v>
+                  <c:v>4.1500000000000004</c:v>
                 </c:pt>
                 <c:pt idx="7">
-                  <c:v>4.8100000000000005</c:v>
+                  <c:v>7.3500000000000005</c:v>
                 </c:pt>
                 <c:pt idx="8">
-                  <c:v>8.6499999999999986</c:v>
+                  <c:v>13.75</c:v>
                 </c:pt>
                 <c:pt idx="9">
-                  <c:v>16.329999999999998</c:v>
+                  <c:v>26.55</c:v>
                 </c:pt>
               </c:numCache>
             </c:numRef>
@@ -332,7 +333,7 @@
               <c:strCache>
                 <c:ptCount val="1"/>
                 <c:pt idx="0">
-                  <c:v>5%</c:v>
+                  <c:v>3%</c:v>
                 </c:pt>
               </c:strCache>
             </c:strRef>
@@ -389,31 +390,31 @@
                   <c:v>1</c:v>
                 </c:pt>
                 <c:pt idx="1">
-                  <c:v>1.05</c:v>
+                  <c:v>1.03</c:v>
                 </c:pt>
                 <c:pt idx="2">
-                  <c:v>1.1499999999999999</c:v>
+                  <c:v>1.0900000000000001</c:v>
                 </c:pt>
                 <c:pt idx="3">
-                  <c:v>1.35</c:v>
+                  <c:v>1.21</c:v>
                 </c:pt>
                 <c:pt idx="4">
-                  <c:v>1.75</c:v>
+                  <c:v>1.45</c:v>
                 </c:pt>
                 <c:pt idx="5">
-                  <c:v>2.5499999999999998</c:v>
+                  <c:v>1.93</c:v>
                 </c:pt>
                 <c:pt idx="6">
-                  <c:v>4.1500000000000004</c:v>
+                  <c:v>2.8899999999999997</c:v>
                 </c:pt>
                 <c:pt idx="7">
-                  <c:v>7.3500000000000005</c:v>
+                  <c:v>4.8100000000000005</c:v>
                 </c:pt>
                 <c:pt idx="8">
-                  <c:v>13.75</c:v>
+                  <c:v>8.6499999999999986</c:v>
                 </c:pt>
                 <c:pt idx="9">
-                  <c:v>26.55</c:v>
+                  <c:v>16.329999999999998</c:v>
                 </c:pt>
               </c:numCache>
             </c:numRef>
@@ -428,7 +429,7 @@
               <c:strCache>
                 <c:ptCount val="1"/>
                 <c:pt idx="0">
-                  <c:v>10%</c:v>
+                  <c:v>1%</c:v>
                 </c:pt>
               </c:strCache>
             </c:strRef>
@@ -485,42 +486,42 @@
                   <c:v>1</c:v>
                 </c:pt>
                 <c:pt idx="1">
-                  <c:v>1.1000000000000001</c:v>
+                  <c:v>1.01</c:v>
                 </c:pt>
                 <c:pt idx="2">
-                  <c:v>1.3</c:v>
+                  <c:v>1.03</c:v>
                 </c:pt>
                 <c:pt idx="3">
-                  <c:v>1.7000000000000002</c:v>
+                  <c:v>1.07</c:v>
                 </c:pt>
                 <c:pt idx="4">
-                  <c:v>2.5</c:v>
+                  <c:v>1.1499999999999999</c:v>
                 </c:pt>
                 <c:pt idx="5">
-                  <c:v>4.0999999999999996</c:v>
+                  <c:v>1.31</c:v>
                 </c:pt>
                 <c:pt idx="6">
-                  <c:v>7.3000000000000007</c:v>
+                  <c:v>1.63</c:v>
                 </c:pt>
                 <c:pt idx="7">
-                  <c:v>13.700000000000001</c:v>
+                  <c:v>2.27</c:v>
                 </c:pt>
                 <c:pt idx="8">
-                  <c:v>26.5</c:v>
+                  <c:v>3.5500000000000003</c:v>
                 </c:pt>
                 <c:pt idx="9">
-                  <c:v>52.1</c:v>
+                  <c:v>6.11</c:v>
                 </c:pt>
               </c:numCache>
             </c:numRef>
           </c:val>
         </c:ser>
         <c:marker val="1"/>
-        <c:axId val="61205888"/>
-        <c:axId val="64455040"/>
+        <c:axId val="76932608"/>
+        <c:axId val="77145600"/>
       </c:lineChart>
       <c:catAx>
-        <c:axId val="61205888"/>
+        <c:axId val="76932608"/>
         <c:scaling>
           <c:orientation val="minMax"/>
         </c:scaling>
@@ -536,11 +537,7 @@
                 </a:pPr>
                 <a:r>
                   <a:rPr lang="en-US" b="0"/>
-                  <a:t>Number</a:t>
-                </a:r>
-                <a:r>
-                  <a:rPr lang="en-US" b="0" baseline="0"/>
-                  <a:t> of Cores</a:t>
+                  <a:t>Available Cores</a:t>
                 </a:r>
               </a:p>
             </c:rich>
@@ -550,14 +547,14 @@
         <c:numFmt formatCode="General" sourceLinked="1"/>
         <c:majorTickMark val="none"/>
         <c:tickLblPos val="nextTo"/>
-        <c:crossAx val="64455040"/>
+        <c:crossAx val="77145600"/>
         <c:crosses val="autoZero"/>
         <c:auto val="1"/>
         <c:lblAlgn val="ctr"/>
         <c:lblOffset val="100"/>
       </c:catAx>
       <c:valAx>
-        <c:axId val="64455040"/>
+        <c:axId val="77145600"/>
         <c:scaling>
           <c:orientation val="minMax"/>
         </c:scaling>
@@ -566,7 +563,7 @@
         <c:title>
           <c:tx>
             <c:rich>
-              <a:bodyPr rot="-5400000" vert="horz"/>
+              <a:bodyPr/>
               <a:lstStyle/>
               <a:p>
                 <a:pPr>
@@ -574,33 +571,17 @@
                 </a:pPr>
                 <a:r>
                   <a:rPr lang="en-US" b="0"/>
-                  <a:t>Speedup over Stateful Parallelized </a:t>
-                </a:r>
-                <a:r>
-                  <a:rPr lang="en-US" b="0" baseline="0"/>
-                  <a:t> Runtime</a:t>
+                  <a:t>Speedups Over 1 Core</a:t>
                 </a:r>
               </a:p>
             </c:rich>
           </c:tx>
-          <c:layout>
-            <c:manualLayout>
-              <c:xMode val="edge"/>
-              <c:yMode val="edge"/>
-              <c:x val="2.222222222222224E-2"/>
-              <c:y val="3.7396057976829364E-2"/>
-            </c:manualLayout>
-          </c:layout>
+          <c:layout/>
         </c:title>
-        <c:numFmt formatCode="#,##0;\-#,##0" sourceLinked="0"/>
+        <c:numFmt formatCode="0" sourceLinked="0"/>
         <c:majorTickMark val="none"/>
         <c:tickLblPos val="nextTo"/>
-        <c:spPr>
-          <a:ln w="9525">
-            <a:noFill/>
-          </a:ln>
-        </c:spPr>
-        <c:crossAx val="61205888"/>
+        <c:crossAx val="76932608"/>
         <c:crosses val="autoZero"/>
         <c:crossBetween val="between"/>
       </c:valAx>
@@ -611,20 +592,20 @@
         <c:manualLayout>
           <c:xMode val="edge"/>
           <c:yMode val="edge"/>
-          <c:x val="0.18055555555555555"/>
-          <c:y val="9.589882474881728E-2"/>
-          <c:w val="0.15913888888888891"/>
-          <c:h val="0.30714077937710044"/>
+          <c:x val="0.19444444444444456"/>
+          <c:y val="0.13349154272382621"/>
+          <c:w val="0.13136111111111118"/>
+          <c:h val="0.33486876640419971"/>
         </c:manualLayout>
       </c:layout>
       <c:overlay val="1"/>
       <c:spPr>
         <a:solidFill>
-          <a:schemeClr val="bg1"/>
+          <a:sysClr val="window" lastClr="FFFFFF"/>
         </a:solidFill>
         <a:ln>
           <a:solidFill>
-            <a:schemeClr val="tx1"/>
+            <a:sysClr val="windowText" lastClr="000000"/>
           </a:solidFill>
         </a:ln>
       </c:spPr>
@@ -1214,7 +1195,7 @@
             <a:fld id="{185F5428-3A96-4744-8E30-76C27E1E64FC}" type="slidenum">
               <a:rPr lang="en-US" smtClean="0"/>
               <a:pPr/>
-              <a:t>5</a:t>
+              <a:t>6</a:t>
             </a:fld>
             <a:endParaRPr lang="en-US"/>
           </a:p>
@@ -1296,7 +1277,7 @@
             <a:fld id="{185F5428-3A96-4744-8E30-76C27E1E64FC}" type="slidenum">
               <a:rPr lang="en-US" smtClean="0"/>
               <a:pPr/>
-              <a:t>6</a:t>
+              <a:t>7</a:t>
             </a:fld>
             <a:endParaRPr lang="en-US"/>
           </a:p>
@@ -6814,6 +6795,47 @@
 </p:sld>
 </file>
 
+<file path=ppt/slides/slide10.xml><?xml version="1.0" encoding="utf-8"?>
+<p:sld xmlns:a="http://schemas.openxmlformats.org/drawingml/2006/main" xmlns:r="http://schemas.openxmlformats.org/officeDocument/2006/relationships" xmlns:p="http://schemas.openxmlformats.org/presentationml/2006/main">
+  <p:cSld>
+    <p:spTree>
+      <p:nvGrpSpPr>
+        <p:cNvPr id="1" name=""/>
+        <p:cNvGrpSpPr/>
+        <p:nvPr/>
+      </p:nvGrpSpPr>
+      <p:grpSpPr>
+        <a:xfrm>
+          <a:off x="0" y="0"/>
+          <a:ext cx="0" cy="0"/>
+          <a:chOff x="0" y="0"/>
+          <a:chExt cx="0" cy="0"/>
+        </a:xfrm>
+      </p:grpSpPr>
+      <p:graphicFrame>
+        <p:nvGraphicFramePr>
+          <p:cNvPr id="4" name="Chart 3"/>
+          <p:cNvGraphicFramePr/>
+          <p:nvPr/>
+        </p:nvGraphicFramePr>
+        <p:xfrm>
+          <a:off x="2286000" y="2057400"/>
+          <a:ext cx="4572000" cy="2743200"/>
+        </p:xfrm>
+        <a:graphic>
+          <a:graphicData uri="http://schemas.openxmlformats.org/drawingml/2006/chart">
+            <c:chart xmlns:c="http://schemas.openxmlformats.org/drawingml/2006/chart" xmlns:r="http://schemas.openxmlformats.org/officeDocument/2006/relationships" r:id="rId2"/>
+          </a:graphicData>
+        </a:graphic>
+      </p:graphicFrame>
+    </p:spTree>
+  </p:cSld>
+  <p:clrMapOvr>
+    <a:masterClrMapping/>
+  </p:clrMapOvr>
+</p:sld>
+</file>
+
 <file path=ppt/slides/slide2.xml><?xml version="1.0" encoding="utf-8"?>
 <p:sld xmlns:a="http://schemas.openxmlformats.org/drawingml/2006/main" xmlns:r="http://schemas.openxmlformats.org/officeDocument/2006/relationships" xmlns:p="http://schemas.openxmlformats.org/presentationml/2006/main">
   <p:cSld>
@@ -9961,6 +9983,539 @@
         </p:nvSpPr>
         <p:spPr>
           <a:xfrm>
+            <a:off x="2133600" y="2362200"/>
+            <a:ext cx="2071310" cy="1905000"/>
+          </a:xfrm>
+          <a:prstGeom prst="roundRect">
+            <a:avLst/>
+          </a:prstGeom>
+          <a:solidFill>
+            <a:schemeClr val="bg1"/>
+          </a:solidFill>
+          <a:ln>
+            <a:solidFill>
+              <a:schemeClr val="tx1"/>
+            </a:solidFill>
+          </a:ln>
+        </p:spPr>
+        <p:style>
+          <a:lnRef idx="1">
+            <a:schemeClr val="accent1"/>
+          </a:lnRef>
+          <a:fillRef idx="3">
+            <a:schemeClr val="accent1"/>
+          </a:fillRef>
+          <a:effectRef idx="2">
+            <a:schemeClr val="accent1"/>
+          </a:effectRef>
+          <a:fontRef idx="minor">
+            <a:schemeClr val="lt1"/>
+          </a:fontRef>
+        </p:style>
+        <p:txBody>
+          <a:bodyPr wrap="none" rtlCol="0" anchor="ctr"/>
+          <a:lstStyle/>
+          <a:p>
+            <a:r>
+              <a:rPr lang="en-US" sz="1000" dirty="0" smtClean="0">
+                <a:solidFill>
+                  <a:schemeClr val="tx1"/>
+                </a:solidFill>
+                <a:latin typeface="Consolas" pitchFamily="49" charset="0"/>
+                <a:cs typeface="Consolas" pitchFamily="49" charset="0"/>
+              </a:rPr>
+              <a:t> work push 1 pop 1{</a:t>
+            </a:r>
+          </a:p>
+          <a:p>
+            <a:endParaRPr lang="en-US" sz="1000" dirty="0" smtClean="0">
+              <a:solidFill>
+                <a:schemeClr val="tx1"/>
+              </a:solidFill>
+              <a:latin typeface="Consolas" pitchFamily="49" charset="0"/>
+              <a:cs typeface="Consolas" pitchFamily="49" charset="0"/>
+            </a:endParaRPr>
+          </a:p>
+          <a:p>
+            <a:r>
+              <a:rPr lang="en-US" sz="1000" dirty="0" smtClean="0">
+                <a:solidFill>
+                  <a:schemeClr val="tx1"/>
+                </a:solidFill>
+                <a:latin typeface="Consolas" pitchFamily="49" charset="0"/>
+                <a:cs typeface="Consolas" pitchFamily="49" charset="0"/>
+              </a:rPr>
+              <a:t>    </a:t>
+            </a:r>
+            <a:r>
+              <a:rPr lang="en-US" sz="1000" dirty="0" err="1" smtClean="0">
+                <a:solidFill>
+                  <a:schemeClr val="tx1"/>
+                </a:solidFill>
+                <a:latin typeface="Consolas" pitchFamily="49" charset="0"/>
+                <a:cs typeface="Consolas" pitchFamily="49" charset="0"/>
+              </a:rPr>
+              <a:t>int</a:t>
+            </a:r>
+            <a:r>
+              <a:rPr lang="en-US" sz="1000" dirty="0" smtClean="0">
+                <a:solidFill>
+                  <a:schemeClr val="tx1"/>
+                </a:solidFill>
+                <a:latin typeface="Consolas" pitchFamily="49" charset="0"/>
+                <a:cs typeface="Consolas" pitchFamily="49" charset="0"/>
+              </a:rPr>
+              <a:t> counter = </a:t>
+            </a:r>
+            <a:r>
+              <a:rPr lang="en-US" sz="1000" b="1" dirty="0" err="1" smtClean="0">
+                <a:solidFill>
+                  <a:schemeClr val="tx1"/>
+                </a:solidFill>
+                <a:latin typeface="Consolas" pitchFamily="49" charset="0"/>
+                <a:cs typeface="Consolas" pitchFamily="49" charset="0"/>
+              </a:rPr>
+              <a:t>iter</a:t>
+            </a:r>
+            <a:r>
+              <a:rPr lang="en-US" sz="1000" b="1" dirty="0" smtClean="0">
+                <a:solidFill>
+                  <a:schemeClr val="tx1"/>
+                </a:solidFill>
+                <a:latin typeface="Consolas" pitchFamily="49" charset="0"/>
+                <a:cs typeface="Consolas" pitchFamily="49" charset="0"/>
+              </a:rPr>
+              <a:t>()</a:t>
+            </a:r>
+            <a:r>
+              <a:rPr lang="en-US" sz="1000" dirty="0" smtClean="0">
+                <a:solidFill>
+                  <a:schemeClr val="tx1"/>
+                </a:solidFill>
+                <a:latin typeface="Consolas" pitchFamily="49" charset="0"/>
+                <a:cs typeface="Consolas" pitchFamily="49" charset="0"/>
+              </a:rPr>
+              <a:t>;</a:t>
+            </a:r>
+          </a:p>
+          <a:p>
+            <a:r>
+              <a:rPr lang="en-US" sz="1000" dirty="0" smtClean="0">
+                <a:solidFill>
+                  <a:schemeClr val="tx1"/>
+                </a:solidFill>
+                <a:latin typeface="Consolas" pitchFamily="49" charset="0"/>
+                <a:cs typeface="Consolas" pitchFamily="49" charset="0"/>
+              </a:rPr>
+              <a:t>    </a:t>
+            </a:r>
+            <a:r>
+              <a:rPr lang="en-US" sz="1000" dirty="0" smtClean="0">
+                <a:solidFill>
+                  <a:schemeClr val="tx1"/>
+                </a:solidFill>
+                <a:latin typeface="Consolas" pitchFamily="49" charset="0"/>
+                <a:cs typeface="Consolas" pitchFamily="49" charset="0"/>
+              </a:rPr>
+              <a:t>...</a:t>
+            </a:r>
+          </a:p>
+          <a:p>
+            <a:endParaRPr lang="en-US" sz="1000" dirty="0" smtClean="0">
+              <a:solidFill>
+                <a:schemeClr val="tx1"/>
+              </a:solidFill>
+              <a:latin typeface="Consolas" pitchFamily="49" charset="0"/>
+              <a:cs typeface="Consolas" pitchFamily="49" charset="0"/>
+            </a:endParaRPr>
+          </a:p>
+          <a:p>
+            <a:r>
+              <a:rPr lang="en-US" sz="1000" dirty="0" smtClean="0">
+                <a:solidFill>
+                  <a:schemeClr val="tx1"/>
+                </a:solidFill>
+                <a:latin typeface="Consolas" pitchFamily="49" charset="0"/>
+                <a:cs typeface="Consolas" pitchFamily="49" charset="0"/>
+              </a:rPr>
+              <a:t>}</a:t>
+            </a:r>
+            <a:endParaRPr lang="en-US" sz="1000" dirty="0" smtClean="0">
+              <a:solidFill>
+                <a:schemeClr val="tx1"/>
+              </a:solidFill>
+              <a:latin typeface="Consolas" pitchFamily="49" charset="0"/>
+              <a:cs typeface="Consolas" pitchFamily="49" charset="0"/>
+            </a:endParaRPr>
+          </a:p>
+        </p:txBody>
+      </p:sp>
+      <p:sp>
+        <p:nvSpPr>
+          <p:cNvPr id="6" name="Rounded Rectangle 5"/>
+          <p:cNvSpPr/>
+          <p:nvPr/>
+        </p:nvSpPr>
+        <p:spPr>
+          <a:xfrm>
+            <a:off x="4648200" y="2362200"/>
+            <a:ext cx="2071310" cy="1905000"/>
+          </a:xfrm>
+          <a:prstGeom prst="roundRect">
+            <a:avLst/>
+          </a:prstGeom>
+          <a:solidFill>
+            <a:schemeClr val="bg1"/>
+          </a:solidFill>
+          <a:ln>
+            <a:solidFill>
+              <a:schemeClr val="tx1"/>
+            </a:solidFill>
+          </a:ln>
+        </p:spPr>
+        <p:style>
+          <a:lnRef idx="1">
+            <a:schemeClr val="accent1"/>
+          </a:lnRef>
+          <a:fillRef idx="3">
+            <a:schemeClr val="accent1"/>
+          </a:fillRef>
+          <a:effectRef idx="2">
+            <a:schemeClr val="accent1"/>
+          </a:effectRef>
+          <a:fontRef idx="minor">
+            <a:schemeClr val="lt1"/>
+          </a:fontRef>
+        </p:style>
+        <p:txBody>
+          <a:bodyPr wrap="none" rtlCol="0" anchor="ctr"/>
+          <a:lstStyle/>
+          <a:p>
+            <a:r>
+              <a:rPr lang="en-US" sz="1000" dirty="0" err="1" smtClean="0">
+                <a:solidFill>
+                  <a:schemeClr val="tx1"/>
+                </a:solidFill>
+                <a:latin typeface="Consolas" pitchFamily="49" charset="0"/>
+                <a:cs typeface="Consolas" pitchFamily="49" charset="0"/>
+              </a:rPr>
+              <a:t>int</a:t>
+            </a:r>
+            <a:r>
+              <a:rPr lang="en-US" sz="1000" dirty="0" smtClean="0">
+                <a:solidFill>
+                  <a:schemeClr val="tx1"/>
+                </a:solidFill>
+                <a:latin typeface="Consolas" pitchFamily="49" charset="0"/>
+                <a:cs typeface="Consolas" pitchFamily="49" charset="0"/>
+              </a:rPr>
+              <a:t> </a:t>
+            </a:r>
+            <a:r>
+              <a:rPr lang="en-US" sz="1000" dirty="0" err="1" smtClean="0">
+                <a:solidFill>
+                  <a:schemeClr val="tx1"/>
+                </a:solidFill>
+                <a:latin typeface="Consolas" pitchFamily="49" charset="0"/>
+                <a:cs typeface="Consolas" pitchFamily="49" charset="0"/>
+              </a:rPr>
+              <a:t>iter</a:t>
+            </a:r>
+            <a:r>
+              <a:rPr lang="en-US" sz="1000" dirty="0" smtClean="0">
+                <a:solidFill>
+                  <a:schemeClr val="tx1"/>
+                </a:solidFill>
+                <a:latin typeface="Consolas" pitchFamily="49" charset="0"/>
+                <a:cs typeface="Consolas" pitchFamily="49" charset="0"/>
+              </a:rPr>
+              <a:t>= </a:t>
+            </a:r>
+            <a:r>
+              <a:rPr lang="en-US" sz="1000" dirty="0" smtClean="0">
+                <a:solidFill>
+                  <a:schemeClr val="tx1"/>
+                </a:solidFill>
+                <a:latin typeface="Consolas" pitchFamily="49" charset="0"/>
+                <a:cs typeface="Consolas" pitchFamily="49" charset="0"/>
+              </a:rPr>
+              <a:t>0;      </a:t>
+            </a:r>
+          </a:p>
+          <a:p>
+            <a:endParaRPr lang="en-US" sz="1000" dirty="0" smtClean="0">
+              <a:solidFill>
+                <a:schemeClr val="tx1"/>
+              </a:solidFill>
+              <a:latin typeface="Consolas" pitchFamily="49" charset="0"/>
+              <a:cs typeface="Consolas" pitchFamily="49" charset="0"/>
+            </a:endParaRPr>
+          </a:p>
+          <a:p>
+            <a:r>
+              <a:rPr lang="en-US" sz="1000" dirty="0" smtClean="0">
+                <a:solidFill>
+                  <a:schemeClr val="tx1"/>
+                </a:solidFill>
+                <a:latin typeface="Consolas" pitchFamily="49" charset="0"/>
+                <a:cs typeface="Consolas" pitchFamily="49" charset="0"/>
+              </a:rPr>
+              <a:t>work </a:t>
+            </a:r>
+            <a:r>
+              <a:rPr lang="en-US" sz="1000" dirty="0" smtClean="0">
+                <a:solidFill>
+                  <a:schemeClr val="tx1"/>
+                </a:solidFill>
+                <a:latin typeface="Consolas" pitchFamily="49" charset="0"/>
+                <a:cs typeface="Consolas" pitchFamily="49" charset="0"/>
+              </a:rPr>
+              <a:t>push 1 pop 1</a:t>
+            </a:r>
+            <a:r>
+              <a:rPr lang="en-US" sz="1000" dirty="0" smtClean="0">
+                <a:solidFill>
+                  <a:schemeClr val="tx1"/>
+                </a:solidFill>
+                <a:latin typeface="Consolas" pitchFamily="49" charset="0"/>
+                <a:cs typeface="Consolas" pitchFamily="49" charset="0"/>
+              </a:rPr>
+              <a:t>{</a:t>
+            </a:r>
+          </a:p>
+          <a:p>
+            <a:endParaRPr lang="en-US" sz="1000" dirty="0" smtClean="0">
+              <a:solidFill>
+                <a:schemeClr val="tx1"/>
+              </a:solidFill>
+              <a:latin typeface="Consolas" pitchFamily="49" charset="0"/>
+              <a:cs typeface="Consolas" pitchFamily="49" charset="0"/>
+            </a:endParaRPr>
+          </a:p>
+          <a:p>
+            <a:r>
+              <a:rPr lang="en-US" sz="1000" dirty="0" smtClean="0">
+                <a:solidFill>
+                  <a:schemeClr val="tx1"/>
+                </a:solidFill>
+                <a:latin typeface="Consolas" pitchFamily="49" charset="0"/>
+                <a:cs typeface="Consolas" pitchFamily="49" charset="0"/>
+              </a:rPr>
+              <a:t>    </a:t>
+            </a:r>
+            <a:r>
+              <a:rPr lang="en-US" sz="1000" dirty="0" err="1" smtClean="0">
+                <a:solidFill>
+                  <a:schemeClr val="tx1"/>
+                </a:solidFill>
+                <a:latin typeface="Consolas" pitchFamily="49" charset="0"/>
+                <a:cs typeface="Consolas" pitchFamily="49" charset="0"/>
+              </a:rPr>
+              <a:t>int</a:t>
+            </a:r>
+            <a:r>
+              <a:rPr lang="en-US" sz="1000" dirty="0" smtClean="0">
+                <a:solidFill>
+                  <a:schemeClr val="tx1"/>
+                </a:solidFill>
+                <a:latin typeface="Consolas" pitchFamily="49" charset="0"/>
+                <a:cs typeface="Consolas" pitchFamily="49" charset="0"/>
+              </a:rPr>
+              <a:t> </a:t>
+            </a:r>
+            <a:r>
+              <a:rPr lang="en-US" sz="1000" dirty="0" smtClean="0">
+                <a:solidFill>
+                  <a:schemeClr val="tx1"/>
+                </a:solidFill>
+                <a:latin typeface="Consolas" pitchFamily="49" charset="0"/>
+                <a:cs typeface="Consolas" pitchFamily="49" charset="0"/>
+              </a:rPr>
+              <a:t>counter = </a:t>
+            </a:r>
+            <a:r>
+              <a:rPr lang="en-US" sz="1000" dirty="0" err="1" smtClean="0">
+                <a:solidFill>
+                  <a:schemeClr val="tx1"/>
+                </a:solidFill>
+                <a:latin typeface="Consolas" pitchFamily="49" charset="0"/>
+                <a:cs typeface="Consolas" pitchFamily="49" charset="0"/>
+              </a:rPr>
+              <a:t>iter</a:t>
+            </a:r>
+            <a:r>
+              <a:rPr lang="en-US" sz="1000" dirty="0" smtClean="0">
+                <a:solidFill>
+                  <a:schemeClr val="tx1"/>
+                </a:solidFill>
+                <a:latin typeface="Consolas" pitchFamily="49" charset="0"/>
+                <a:cs typeface="Consolas" pitchFamily="49" charset="0"/>
+              </a:rPr>
+              <a:t>;</a:t>
+            </a:r>
+          </a:p>
+          <a:p>
+            <a:r>
+              <a:rPr lang="en-US" sz="1000" dirty="0" smtClean="0">
+                <a:solidFill>
+                  <a:schemeClr val="tx1"/>
+                </a:solidFill>
+                <a:latin typeface="Consolas" pitchFamily="49" charset="0"/>
+                <a:cs typeface="Consolas" pitchFamily="49" charset="0"/>
+              </a:rPr>
+              <a:t>    ...</a:t>
+            </a:r>
+          </a:p>
+          <a:p>
+            <a:endParaRPr lang="en-US" sz="1000" dirty="0" smtClean="0">
+              <a:solidFill>
+                <a:schemeClr val="tx1"/>
+              </a:solidFill>
+              <a:latin typeface="Consolas" pitchFamily="49" charset="0"/>
+              <a:cs typeface="Consolas" pitchFamily="49" charset="0"/>
+            </a:endParaRPr>
+          </a:p>
+          <a:p>
+            <a:r>
+              <a:rPr lang="en-US" sz="1000" dirty="0" smtClean="0">
+                <a:solidFill>
+                  <a:schemeClr val="tx1"/>
+                </a:solidFill>
+                <a:latin typeface="Consolas" pitchFamily="49" charset="0"/>
+                <a:cs typeface="Consolas" pitchFamily="49" charset="0"/>
+              </a:rPr>
+              <a:t>    </a:t>
+            </a:r>
+            <a:r>
+              <a:rPr lang="en-US" sz="1000" dirty="0" err="1" smtClean="0">
+                <a:solidFill>
+                  <a:schemeClr val="tx1"/>
+                </a:solidFill>
+                <a:latin typeface="Consolas" pitchFamily="49" charset="0"/>
+                <a:cs typeface="Consolas" pitchFamily="49" charset="0"/>
+              </a:rPr>
+              <a:t>iter</a:t>
+            </a:r>
+            <a:r>
+              <a:rPr lang="en-US" sz="1000" dirty="0" smtClean="0">
+                <a:solidFill>
+                  <a:schemeClr val="tx1"/>
+                </a:solidFill>
+                <a:latin typeface="Consolas" pitchFamily="49" charset="0"/>
+                <a:cs typeface="Consolas" pitchFamily="49" charset="0"/>
+              </a:rPr>
+              <a:t>++;</a:t>
+            </a:r>
+          </a:p>
+          <a:p>
+            <a:endParaRPr lang="en-US" sz="1000" dirty="0" smtClean="0">
+              <a:solidFill>
+                <a:schemeClr val="tx1"/>
+              </a:solidFill>
+              <a:latin typeface="Consolas" pitchFamily="49" charset="0"/>
+              <a:cs typeface="Consolas" pitchFamily="49" charset="0"/>
+            </a:endParaRPr>
+          </a:p>
+          <a:p>
+            <a:r>
+              <a:rPr lang="en-US" sz="1000" dirty="0" smtClean="0">
+                <a:solidFill>
+                  <a:schemeClr val="tx1"/>
+                </a:solidFill>
+                <a:latin typeface="Consolas" pitchFamily="49" charset="0"/>
+                <a:cs typeface="Consolas" pitchFamily="49" charset="0"/>
+              </a:rPr>
+              <a:t>}</a:t>
+            </a:r>
+            <a:endParaRPr lang="en-US" sz="1000" dirty="0" smtClean="0">
+              <a:solidFill>
+                <a:schemeClr val="tx1"/>
+              </a:solidFill>
+              <a:latin typeface="Consolas" pitchFamily="49" charset="0"/>
+              <a:cs typeface="Consolas" pitchFamily="49" charset="0"/>
+            </a:endParaRPr>
+          </a:p>
+        </p:txBody>
+      </p:sp>
+      <p:sp>
+        <p:nvSpPr>
+          <p:cNvPr id="7" name="Right Arrow 6"/>
+          <p:cNvSpPr/>
+          <p:nvPr/>
+        </p:nvSpPr>
+        <p:spPr>
+          <a:xfrm>
+            <a:off x="4267200" y="3124200"/>
+            <a:ext cx="304800" cy="304800"/>
+          </a:xfrm>
+          <a:prstGeom prst="rightArrow">
+            <a:avLst/>
+          </a:prstGeom>
+          <a:noFill/>
+          <a:ln w="12700">
+            <a:solidFill>
+              <a:schemeClr val="tx1"/>
+            </a:solidFill>
+          </a:ln>
+        </p:spPr>
+        <p:style>
+          <a:lnRef idx="2">
+            <a:schemeClr val="accent1">
+              <a:shade val="50000"/>
+            </a:schemeClr>
+          </a:lnRef>
+          <a:fillRef idx="1">
+            <a:schemeClr val="accent1"/>
+          </a:fillRef>
+          <a:effectRef idx="0">
+            <a:schemeClr val="accent1"/>
+          </a:effectRef>
+          <a:fontRef idx="minor">
+            <a:schemeClr val="lt1"/>
+          </a:fontRef>
+        </p:style>
+        <p:txBody>
+          <a:bodyPr rtlCol="0" anchor="ctr"/>
+          <a:lstStyle/>
+          <a:p>
+            <a:pPr algn="ctr"/>
+            <a:endParaRPr lang="en-US"/>
+          </a:p>
+        </p:txBody>
+      </p:sp>
+    </p:spTree>
+  </p:cSld>
+  <p:clrMapOvr>
+    <a:masterClrMapping/>
+  </p:clrMapOvr>
+</p:sld>
+</file>
+
+<file path=ppt/slides/slide6.xml><?xml version="1.0" encoding="utf-8"?>
+<p:sld xmlns:a="http://schemas.openxmlformats.org/drawingml/2006/main" xmlns:r="http://schemas.openxmlformats.org/officeDocument/2006/relationships" xmlns:p="http://schemas.openxmlformats.org/presentationml/2006/main">
+  <p:cSld>
+    <p:spTree>
+      <p:nvGrpSpPr>
+        <p:cNvPr id="1" name=""/>
+        <p:cNvGrpSpPr/>
+        <p:nvPr/>
+      </p:nvGrpSpPr>
+      <p:grpSpPr>
+        <a:xfrm>
+          <a:off x="0" y="0"/>
+          <a:ext cx="0" cy="0"/>
+          <a:chOff x="0" y="0"/>
+          <a:chExt cx="0" cy="0"/>
+        </a:xfrm>
+      </p:grpSpPr>
+      <p:sp>
+        <p:nvSpPr>
+          <p:cNvPr id="5" name="Rounded Rectangle 4"/>
+          <p:cNvSpPr/>
+          <p:nvPr/>
+        </p:nvSpPr>
+        <p:spPr>
+          <a:xfrm>
             <a:off x="4038600" y="1172549"/>
             <a:ext cx="699710" cy="275251"/>
           </a:xfrm>
@@ -14210,7 +14765,7 @@
 </p:sld>
 </file>
 
-<file path=ppt/slides/slide6.xml><?xml version="1.0" encoding="utf-8"?>
+<file path=ppt/slides/slide7.xml><?xml version="1.0" encoding="utf-8"?>
 <p:sld xmlns:a="http://schemas.openxmlformats.org/drawingml/2006/main" xmlns:r="http://schemas.openxmlformats.org/officeDocument/2006/relationships" xmlns:p="http://schemas.openxmlformats.org/presentationml/2006/main">
   <p:cSld>
     <p:spTree>
@@ -17029,7 +17584,7 @@
 </p:sld>
 </file>
 
-<file path=ppt/slides/slide7.xml><?xml version="1.0" encoding="utf-8"?>
+<file path=ppt/slides/slide8.xml><?xml version="1.0" encoding="utf-8"?>
 <p:sld xmlns:a="http://schemas.openxmlformats.org/drawingml/2006/main" xmlns:r="http://schemas.openxmlformats.org/officeDocument/2006/relationships" xmlns:p="http://schemas.openxmlformats.org/presentationml/2006/main">
   <p:cSld>
     <p:spTree>
@@ -21881,7 +22436,7 @@
 </p:sld>
 </file>
 
-<file path=ppt/slides/slide8.xml><?xml version="1.0" encoding="utf-8"?>
+<file path=ppt/slides/slide9.xml><?xml version="1.0" encoding="utf-8"?>
 <p:sld xmlns:a="http://schemas.openxmlformats.org/drawingml/2006/main" xmlns:r="http://schemas.openxmlformats.org/officeDocument/2006/relationships" xmlns:p="http://schemas.openxmlformats.org/presentationml/2006/main">
   <p:cSld>
     <p:spTree>
@@ -21927,6 +22482,15 @@
                     <a:lstStyle/>
                     <a:p>
                       <a:pPr algn="l" fontAlgn="ctr"/>
+                      <a:r>
+                        <a:rPr lang="en-US" sz="1100" b="1" i="0" u="none" strike="noStrike" dirty="0" err="1" smtClean="0">
+                          <a:solidFill>
+                            <a:srgbClr val="000000"/>
+                          </a:solidFill>
+                          <a:latin typeface="Calibri"/>
+                        </a:rPr>
+                        <a:t>pai</a:t>
+                      </a:r>
                       <a:endParaRPr lang="en-US" sz="1100" b="1" i="0" u="none" strike="noStrike" dirty="0">
                         <a:solidFill>
                           <a:srgbClr val="000000"/>
@@ -23751,47 +24315,6 @@
                 </a:tc>
               </a:tr>
             </a:tbl>
-          </a:graphicData>
-        </a:graphic>
-      </p:graphicFrame>
-    </p:spTree>
-  </p:cSld>
-  <p:clrMapOvr>
-    <a:masterClrMapping/>
-  </p:clrMapOvr>
-</p:sld>
-</file>
-
-<file path=ppt/slides/slide9.xml><?xml version="1.0" encoding="utf-8"?>
-<p:sld xmlns:a="http://schemas.openxmlformats.org/drawingml/2006/main" xmlns:r="http://schemas.openxmlformats.org/officeDocument/2006/relationships" xmlns:p="http://schemas.openxmlformats.org/presentationml/2006/main">
-  <p:cSld>
-    <p:spTree>
-      <p:nvGrpSpPr>
-        <p:cNvPr id="1" name=""/>
-        <p:cNvGrpSpPr/>
-        <p:nvPr/>
-      </p:nvGrpSpPr>
-      <p:grpSpPr>
-        <a:xfrm>
-          <a:off x="0" y="0"/>
-          <a:ext cx="0" cy="0"/>
-          <a:chOff x="0" y="0"/>
-          <a:chExt cx="0" cy="0"/>
-        </a:xfrm>
-      </p:grpSpPr>
-      <p:graphicFrame>
-        <p:nvGraphicFramePr>
-          <p:cNvPr id="2" name="Chart 1"/>
-          <p:cNvGraphicFramePr/>
-          <p:nvPr/>
-        </p:nvGraphicFramePr>
-        <p:xfrm>
-          <a:off x="2286000" y="1933575"/>
-          <a:ext cx="4572000" cy="2990850"/>
-        </p:xfrm>
-        <a:graphic>
-          <a:graphicData uri="http://schemas.openxmlformats.org/drawingml/2006/chart">
-            <c:chart xmlns:c="http://schemas.openxmlformats.org/drawingml/2006/chart" xmlns:r="http://schemas.openxmlformats.org/officeDocument/2006/relationships" r:id="rId2"/>
           </a:graphicData>
         </a:graphic>
       </p:graphicFrame>

--- a/streams/docs/induction-state-2012/figures/fission-induction.pptx
+++ b/streams/docs/induction-state-2012/figures/fission-induction.pptx
@@ -22482,15 +22482,6 @@
                     <a:lstStyle/>
                     <a:p>
                       <a:pPr algn="l" fontAlgn="ctr"/>
-                      <a:r>
-                        <a:rPr lang="en-US" sz="1100" b="1" i="0" u="none" strike="noStrike" dirty="0" err="1" smtClean="0">
-                          <a:solidFill>
-                            <a:srgbClr val="000000"/>
-                          </a:solidFill>
-                          <a:latin typeface="Calibri"/>
-                        </a:rPr>
-                        <a:t>pai</a:t>
-                      </a:r>
                       <a:endParaRPr lang="en-US" sz="1100" b="1" i="0" u="none" strike="noStrike" dirty="0">
                         <a:solidFill>
                           <a:srgbClr val="000000"/>

--- a/streams/docs/induction-state-2012/figures/fission-induction.pptx
+++ b/streams/docs/induction-state-2012/figures/fission-induction.pptx
@@ -5,10 +5,10 @@
     <p:sldMasterId id="2147483648" r:id="rId1"/>
   </p:sldMasterIdLst>
   <p:notesMasterIdLst>
-    <p:notesMasterId r:id="rId12"/>
+    <p:notesMasterId r:id="rId13"/>
   </p:notesMasterIdLst>
   <p:handoutMasterIdLst>
-    <p:handoutMasterId r:id="rId13"/>
+    <p:handoutMasterId r:id="rId14"/>
   </p:handoutMasterIdLst>
   <p:sldIdLst>
     <p:sldId id="256" r:id="rId2"/>
@@ -21,6 +21,7 @@
     <p:sldId id="260" r:id="rId9"/>
     <p:sldId id="261" r:id="rId10"/>
     <p:sldId id="262" r:id="rId11"/>
+    <p:sldId id="266" r:id="rId12"/>
   </p:sldIdLst>
   <p:sldSz cx="9144000" cy="6858000" type="screen4x3"/>
   <p:notesSz cx="6858000" cy="9144000"/>
@@ -204,7 +205,7 @@
                   <c:v>1.3</c:v>
                 </c:pt>
                 <c:pt idx="3">
-                  <c:v>1.7000000000000002</c:v>
+                  <c:v>1.7000000000000004</c:v>
                 </c:pt>
                 <c:pt idx="4">
                   <c:v>2.5</c:v>
@@ -297,19 +298,19 @@
                   <c:v>1.05</c:v>
                 </c:pt>
                 <c:pt idx="2">
-                  <c:v>1.1499999999999999</c:v>
+                  <c:v>1.1499999999999997</c:v>
                 </c:pt>
                 <c:pt idx="3">
                   <c:v>1.35</c:v>
                 </c:pt>
                 <c:pt idx="4">
-                  <c:v>1.75</c:v>
+                  <c:v>1.7500000000000002</c:v>
                 </c:pt>
                 <c:pt idx="5">
                   <c:v>2.5499999999999998</c:v>
                 </c:pt>
                 <c:pt idx="6">
-                  <c:v>4.1500000000000004</c:v>
+                  <c:v>4.1499999999999995</c:v>
                 </c:pt>
                 <c:pt idx="7">
                   <c:v>7.3500000000000005</c:v>
@@ -411,10 +412,10 @@
                   <c:v>4.8100000000000005</c:v>
                 </c:pt>
                 <c:pt idx="8">
-                  <c:v>8.6499999999999986</c:v>
+                  <c:v>8.65</c:v>
                 </c:pt>
                 <c:pt idx="9">
-                  <c:v>16.329999999999998</c:v>
+                  <c:v>16.329999999999995</c:v>
                 </c:pt>
               </c:numCache>
             </c:numRef>
@@ -495,13 +496,13 @@
                   <c:v>1.07</c:v>
                 </c:pt>
                 <c:pt idx="4">
-                  <c:v>1.1499999999999999</c:v>
+                  <c:v>1.1499999999999997</c:v>
                 </c:pt>
                 <c:pt idx="5">
                   <c:v>1.31</c:v>
                 </c:pt>
                 <c:pt idx="6">
-                  <c:v>1.63</c:v>
+                  <c:v>1.6300000000000001</c:v>
                 </c:pt>
                 <c:pt idx="7">
                   <c:v>2.27</c:v>
@@ -510,18 +511,18 @@
                   <c:v>3.5500000000000003</c:v>
                 </c:pt>
                 <c:pt idx="9">
-                  <c:v>6.11</c:v>
+                  <c:v>6.1099999999999994</c:v>
                 </c:pt>
               </c:numCache>
             </c:numRef>
           </c:val>
         </c:ser>
         <c:marker val="1"/>
-        <c:axId val="76932608"/>
-        <c:axId val="77145600"/>
+        <c:axId val="61566976"/>
+        <c:axId val="61568896"/>
       </c:lineChart>
       <c:catAx>
-        <c:axId val="76932608"/>
+        <c:axId val="61566976"/>
         <c:scaling>
           <c:orientation val="minMax"/>
         </c:scaling>
@@ -547,14 +548,14 @@
         <c:numFmt formatCode="General" sourceLinked="1"/>
         <c:majorTickMark val="none"/>
         <c:tickLblPos val="nextTo"/>
-        <c:crossAx val="77145600"/>
+        <c:crossAx val="61568896"/>
         <c:crosses val="autoZero"/>
         <c:auto val="1"/>
         <c:lblAlgn val="ctr"/>
         <c:lblOffset val="100"/>
       </c:catAx>
       <c:valAx>
-        <c:axId val="77145600"/>
+        <c:axId val="61568896"/>
         <c:scaling>
           <c:orientation val="minMax"/>
         </c:scaling>
@@ -581,7 +582,7 @@
         <c:numFmt formatCode="0" sourceLinked="0"/>
         <c:majorTickMark val="none"/>
         <c:tickLblPos val="nextTo"/>
-        <c:crossAx val="76932608"/>
+        <c:crossAx val="61566976"/>
         <c:crosses val="autoZero"/>
         <c:crossBetween val="between"/>
       </c:valAx>
@@ -592,10 +593,10 @@
         <c:manualLayout>
           <c:xMode val="edge"/>
           <c:yMode val="edge"/>
-          <c:x val="0.19444444444444456"/>
+          <c:x val="0.19444444444444464"/>
           <c:y val="0.13349154272382621"/>
-          <c:w val="0.13136111111111118"/>
-          <c:h val="0.33486876640419971"/>
+          <c:w val="0.13136111111111121"/>
+          <c:h val="0.33486876640419982"/>
         </c:manualLayout>
       </c:layout>
       <c:overlay val="1"/>
@@ -699,7 +700,7 @@
             <a:fld id="{D6533938-991C-4101-B477-6C06EA2D34CE}" type="datetimeFigureOut">
               <a:rPr lang="en-US" smtClean="0"/>
               <a:pPr/>
-              <a:t>3/23/2012</a:t>
+              <a:t>4/9/2012</a:t>
             </a:fld>
             <a:endParaRPr lang="en-US"/>
           </a:p>
@@ -861,7 +862,7 @@
             <a:fld id="{091C2A66-BC0F-40E7-AC34-159177E24112}" type="datetimeFigureOut">
               <a:rPr lang="en-US" smtClean="0"/>
               <a:pPr/>
-              <a:t>3/23/2012</a:t>
+              <a:t>4/9/2012</a:t>
             </a:fld>
             <a:endParaRPr lang="en-US"/>
           </a:p>
@@ -1473,7 +1474,7 @@
             <a:fld id="{132E68CD-F5A8-4944-A4F2-71B895E02366}" type="datetimeFigureOut">
               <a:rPr lang="en-US" smtClean="0"/>
               <a:pPr/>
-              <a:t>3/23/2012</a:t>
+              <a:t>4/9/2012</a:t>
             </a:fld>
             <a:endParaRPr lang="en-US"/>
           </a:p>
@@ -1640,7 +1641,7 @@
             <a:fld id="{132E68CD-F5A8-4944-A4F2-71B895E02366}" type="datetimeFigureOut">
               <a:rPr lang="en-US" smtClean="0"/>
               <a:pPr/>
-              <a:t>3/23/2012</a:t>
+              <a:t>4/9/2012</a:t>
             </a:fld>
             <a:endParaRPr lang="en-US"/>
           </a:p>
@@ -1817,7 +1818,7 @@
             <a:fld id="{132E68CD-F5A8-4944-A4F2-71B895E02366}" type="datetimeFigureOut">
               <a:rPr lang="en-US" smtClean="0"/>
               <a:pPr/>
-              <a:t>3/23/2012</a:t>
+              <a:t>4/9/2012</a:t>
             </a:fld>
             <a:endParaRPr lang="en-US"/>
           </a:p>
@@ -1984,7 +1985,7 @@
             <a:fld id="{132E68CD-F5A8-4944-A4F2-71B895E02366}" type="datetimeFigureOut">
               <a:rPr lang="en-US" smtClean="0"/>
               <a:pPr/>
-              <a:t>3/23/2012</a:t>
+              <a:t>4/9/2012</a:t>
             </a:fld>
             <a:endParaRPr lang="en-US"/>
           </a:p>
@@ -2227,7 +2228,7 @@
             <a:fld id="{132E68CD-F5A8-4944-A4F2-71B895E02366}" type="datetimeFigureOut">
               <a:rPr lang="en-US" smtClean="0"/>
               <a:pPr/>
-              <a:t>3/23/2012</a:t>
+              <a:t>4/9/2012</a:t>
             </a:fld>
             <a:endParaRPr lang="en-US"/>
           </a:p>
@@ -2512,7 +2513,7 @@
             <a:fld id="{132E68CD-F5A8-4944-A4F2-71B895E02366}" type="datetimeFigureOut">
               <a:rPr lang="en-US" smtClean="0"/>
               <a:pPr/>
-              <a:t>3/23/2012</a:t>
+              <a:t>4/9/2012</a:t>
             </a:fld>
             <a:endParaRPr lang="en-US"/>
           </a:p>
@@ -2931,7 +2932,7 @@
             <a:fld id="{132E68CD-F5A8-4944-A4F2-71B895E02366}" type="datetimeFigureOut">
               <a:rPr lang="en-US" smtClean="0"/>
               <a:pPr/>
-              <a:t>3/23/2012</a:t>
+              <a:t>4/9/2012</a:t>
             </a:fld>
             <a:endParaRPr lang="en-US"/>
           </a:p>
@@ -3046,7 +3047,7 @@
             <a:fld id="{132E68CD-F5A8-4944-A4F2-71B895E02366}" type="datetimeFigureOut">
               <a:rPr lang="en-US" smtClean="0"/>
               <a:pPr/>
-              <a:t>3/23/2012</a:t>
+              <a:t>4/9/2012</a:t>
             </a:fld>
             <a:endParaRPr lang="en-US"/>
           </a:p>
@@ -3138,7 +3139,7 @@
             <a:fld id="{132E68CD-F5A8-4944-A4F2-71B895E02366}" type="datetimeFigureOut">
               <a:rPr lang="en-US" smtClean="0"/>
               <a:pPr/>
-              <a:t>3/23/2012</a:t>
+              <a:t>4/9/2012</a:t>
             </a:fld>
             <a:endParaRPr lang="en-US"/>
           </a:p>
@@ -3412,7 +3413,7 @@
             <a:fld id="{132E68CD-F5A8-4944-A4F2-71B895E02366}" type="datetimeFigureOut">
               <a:rPr lang="en-US" smtClean="0"/>
               <a:pPr/>
-              <a:t>3/23/2012</a:t>
+              <a:t>4/9/2012</a:t>
             </a:fld>
             <a:endParaRPr lang="en-US"/>
           </a:p>
@@ -3662,7 +3663,7 @@
             <a:fld id="{132E68CD-F5A8-4944-A4F2-71B895E02366}" type="datetimeFigureOut">
               <a:rPr lang="en-US" smtClean="0"/>
               <a:pPr/>
-              <a:t>3/23/2012</a:t>
+              <a:t>4/9/2012</a:t>
             </a:fld>
             <a:endParaRPr lang="en-US"/>
           </a:p>
@@ -3872,7 +3873,7 @@
             <a:fld id="{132E68CD-F5A8-4944-A4F2-71B895E02366}" type="datetimeFigureOut">
               <a:rPr lang="en-US" smtClean="0"/>
               <a:pPr/>
-              <a:t>3/23/2012</a:t>
+              <a:t>4/9/2012</a:t>
             </a:fld>
             <a:endParaRPr lang="en-US"/>
           </a:p>
@@ -6836,6 +6837,758 @@
 </p:sld>
 </file>
 
+<file path=ppt/slides/slide11.xml><?xml version="1.0" encoding="utf-8"?>
+<p:sld xmlns:a="http://schemas.openxmlformats.org/drawingml/2006/main" xmlns:r="http://schemas.openxmlformats.org/officeDocument/2006/relationships" xmlns:p="http://schemas.openxmlformats.org/presentationml/2006/main">
+  <p:cSld>
+    <p:spTree>
+      <p:nvGrpSpPr>
+        <p:cNvPr id="1" name=""/>
+        <p:cNvGrpSpPr/>
+        <p:nvPr/>
+      </p:nvGrpSpPr>
+      <p:grpSpPr>
+        <a:xfrm>
+          <a:off x="0" y="0"/>
+          <a:ext cx="0" cy="0"/>
+          <a:chOff x="0" y="0"/>
+          <a:chExt cx="0" cy="0"/>
+        </a:xfrm>
+      </p:grpSpPr>
+      <p:sp>
+        <p:nvSpPr>
+          <p:cNvPr id="5" name="Rounded Rectangle 4"/>
+          <p:cNvSpPr/>
+          <p:nvPr/>
+        </p:nvSpPr>
+        <p:spPr>
+          <a:xfrm>
+            <a:off x="457200" y="1524000"/>
+            <a:ext cx="3352800" cy="3810000"/>
+          </a:xfrm>
+          <a:prstGeom prst="roundRect">
+            <a:avLst/>
+          </a:prstGeom>
+          <a:solidFill>
+            <a:schemeClr val="bg1"/>
+          </a:solidFill>
+          <a:ln>
+            <a:solidFill>
+              <a:schemeClr val="tx1"/>
+            </a:solidFill>
+          </a:ln>
+        </p:spPr>
+        <p:style>
+          <a:lnRef idx="2">
+            <a:schemeClr val="accent1">
+              <a:shade val="50000"/>
+            </a:schemeClr>
+          </a:lnRef>
+          <a:fillRef idx="1">
+            <a:schemeClr val="accent1"/>
+          </a:fillRef>
+          <a:effectRef idx="0">
+            <a:schemeClr val="accent1"/>
+          </a:effectRef>
+          <a:fontRef idx="minor">
+            <a:schemeClr val="lt1"/>
+          </a:fontRef>
+        </p:style>
+        <p:txBody>
+          <a:bodyPr rtlCol="0" anchor="ctr"/>
+          <a:lstStyle/>
+          <a:p>
+            <a:r>
+              <a:rPr lang="en-US" sz="1000" dirty="0" err="1" smtClean="0">
+                <a:solidFill>
+                  <a:schemeClr val="tx1"/>
+                </a:solidFill>
+                <a:latin typeface="Consolas" pitchFamily="49" charset="0"/>
+                <a:cs typeface="Consolas" pitchFamily="49" charset="0"/>
+              </a:rPr>
+              <a:t>int</a:t>
+            </a:r>
+            <a:r>
+              <a:rPr lang="en-US" sz="1000" dirty="0" smtClean="0">
+                <a:solidFill>
+                  <a:schemeClr val="tx1"/>
+                </a:solidFill>
+                <a:latin typeface="Consolas" pitchFamily="49" charset="0"/>
+                <a:cs typeface="Consolas" pitchFamily="49" charset="0"/>
+              </a:rPr>
+              <a:t>-</a:t>
+            </a:r>
+            <a:r>
+              <a:rPr lang="en-US" sz="1000" dirty="0" smtClean="0">
+                <a:solidFill>
+                  <a:schemeClr val="tx1"/>
+                </a:solidFill>
+                <a:latin typeface="Consolas" pitchFamily="49" charset="0"/>
+                <a:cs typeface="Consolas" pitchFamily="49" charset="0"/>
+              </a:rPr>
+              <a:t>&gt;</a:t>
+            </a:r>
+            <a:r>
+              <a:rPr lang="en-US" sz="1000" dirty="0" err="1" smtClean="0">
+                <a:solidFill>
+                  <a:schemeClr val="tx1"/>
+                </a:solidFill>
+                <a:latin typeface="Consolas" pitchFamily="49" charset="0"/>
+                <a:cs typeface="Consolas" pitchFamily="49" charset="0"/>
+              </a:rPr>
+              <a:t>int</a:t>
+            </a:r>
+            <a:r>
+              <a:rPr lang="en-US" sz="1000" dirty="0" smtClean="0">
+                <a:solidFill>
+                  <a:schemeClr val="tx1"/>
+                </a:solidFill>
+                <a:latin typeface="Consolas" pitchFamily="49" charset="0"/>
+                <a:cs typeface="Consolas" pitchFamily="49" charset="0"/>
+              </a:rPr>
+              <a:t> filter </a:t>
+            </a:r>
+            <a:r>
+              <a:rPr lang="en-US" sz="1000" dirty="0" err="1" smtClean="0">
+                <a:solidFill>
+                  <a:schemeClr val="tx1"/>
+                </a:solidFill>
+                <a:latin typeface="Consolas" pitchFamily="49" charset="0"/>
+                <a:cs typeface="Consolas" pitchFamily="49" charset="0"/>
+              </a:rPr>
+              <a:t>AssignPictureType</a:t>
+            </a:r>
+            <a:r>
+              <a:rPr lang="en-US" sz="1000" dirty="0" smtClean="0">
+                <a:solidFill>
+                  <a:schemeClr val="tx1"/>
+                </a:solidFill>
+                <a:latin typeface="Consolas" pitchFamily="49" charset="0"/>
+                <a:cs typeface="Consolas" pitchFamily="49" charset="0"/>
+              </a:rPr>
+              <a:t>(...) </a:t>
+            </a:r>
+            <a:r>
+              <a:rPr lang="en-US" sz="1000" dirty="0" smtClean="0">
+                <a:solidFill>
+                  <a:schemeClr val="tx1"/>
+                </a:solidFill>
+                <a:latin typeface="Consolas" pitchFamily="49" charset="0"/>
+                <a:cs typeface="Consolas" pitchFamily="49" charset="0"/>
+              </a:rPr>
+              <a:t>{</a:t>
+            </a:r>
+          </a:p>
+          <a:p>
+            <a:r>
+              <a:rPr lang="en-US" sz="1000" dirty="0" smtClean="0">
+                <a:solidFill>
+                  <a:schemeClr val="tx1"/>
+                </a:solidFill>
+                <a:latin typeface="Consolas" pitchFamily="49" charset="0"/>
+                <a:cs typeface="Consolas" pitchFamily="49" charset="0"/>
+              </a:rPr>
+              <a:t>    </a:t>
+            </a:r>
+            <a:r>
+              <a:rPr lang="en-US" sz="1000" dirty="0" err="1" smtClean="0">
+                <a:solidFill>
+                  <a:schemeClr val="tx1"/>
+                </a:solidFill>
+                <a:latin typeface="Consolas" pitchFamily="49" charset="0"/>
+                <a:cs typeface="Consolas" pitchFamily="49" charset="0"/>
+              </a:rPr>
+              <a:t>int</a:t>
+            </a:r>
+            <a:r>
+              <a:rPr lang="en-US" sz="1000" dirty="0" smtClean="0">
+                <a:solidFill>
+                  <a:schemeClr val="tx1"/>
+                </a:solidFill>
+                <a:latin typeface="Consolas" pitchFamily="49" charset="0"/>
+                <a:cs typeface="Consolas" pitchFamily="49" charset="0"/>
+              </a:rPr>
+              <a:t> </a:t>
+            </a:r>
+            <a:r>
+              <a:rPr lang="en-US" sz="1000" dirty="0" err="1" smtClean="0">
+                <a:solidFill>
+                  <a:schemeClr val="tx1"/>
+                </a:solidFill>
+                <a:latin typeface="Consolas" pitchFamily="49" charset="0"/>
+                <a:cs typeface="Consolas" pitchFamily="49" charset="0"/>
+              </a:rPr>
+              <a:t>frameno</a:t>
+            </a:r>
+            <a:r>
+              <a:rPr lang="en-US" sz="1000" dirty="0" smtClean="0">
+                <a:solidFill>
+                  <a:schemeClr val="tx1"/>
+                </a:solidFill>
+                <a:latin typeface="Consolas" pitchFamily="49" charset="0"/>
+                <a:cs typeface="Consolas" pitchFamily="49" charset="0"/>
+              </a:rPr>
+              <a:t>;</a:t>
+            </a:r>
+          </a:p>
+          <a:p>
+            <a:r>
+              <a:rPr lang="en-US" sz="1000" dirty="0" smtClean="0">
+                <a:solidFill>
+                  <a:schemeClr val="tx1"/>
+                </a:solidFill>
+                <a:latin typeface="Consolas" pitchFamily="49" charset="0"/>
+                <a:cs typeface="Consolas" pitchFamily="49" charset="0"/>
+              </a:rPr>
+              <a:t>    init </a:t>
+            </a:r>
+            <a:r>
+              <a:rPr lang="en-US" sz="1000" dirty="0" smtClean="0">
+                <a:solidFill>
+                  <a:schemeClr val="tx1"/>
+                </a:solidFill>
+                <a:latin typeface="Consolas" pitchFamily="49" charset="0"/>
+                <a:cs typeface="Consolas" pitchFamily="49" charset="0"/>
+              </a:rPr>
+              <a:t>{</a:t>
+            </a:r>
+          </a:p>
+          <a:p>
+            <a:r>
+              <a:rPr lang="en-US" sz="1000" dirty="0" smtClean="0">
+                <a:solidFill>
+                  <a:schemeClr val="tx1"/>
+                </a:solidFill>
+                <a:latin typeface="Consolas" pitchFamily="49" charset="0"/>
+                <a:cs typeface="Consolas" pitchFamily="49" charset="0"/>
+              </a:rPr>
+              <a:t>        </a:t>
+            </a:r>
+            <a:r>
+              <a:rPr lang="en-US" sz="1000" dirty="0" err="1" smtClean="0">
+                <a:solidFill>
+                  <a:schemeClr val="tx1"/>
+                </a:solidFill>
+                <a:latin typeface="Consolas" pitchFamily="49" charset="0"/>
+                <a:cs typeface="Consolas" pitchFamily="49" charset="0"/>
+              </a:rPr>
+              <a:t>frameno</a:t>
+            </a:r>
+            <a:r>
+              <a:rPr lang="en-US" sz="1000" dirty="0" smtClean="0">
+                <a:solidFill>
+                  <a:schemeClr val="tx1"/>
+                </a:solidFill>
+                <a:latin typeface="Consolas" pitchFamily="49" charset="0"/>
+                <a:cs typeface="Consolas" pitchFamily="49" charset="0"/>
+              </a:rPr>
+              <a:t> </a:t>
+            </a:r>
+            <a:r>
+              <a:rPr lang="en-US" sz="1000" dirty="0" smtClean="0">
+                <a:solidFill>
+                  <a:schemeClr val="tx1"/>
+                </a:solidFill>
+                <a:latin typeface="Consolas" pitchFamily="49" charset="0"/>
+                <a:cs typeface="Consolas" pitchFamily="49" charset="0"/>
+              </a:rPr>
+              <a:t>= 0;</a:t>
+            </a:r>
+          </a:p>
+          <a:p>
+            <a:r>
+              <a:rPr lang="en-US" sz="1000" dirty="0" smtClean="0">
+                <a:solidFill>
+                  <a:schemeClr val="tx1"/>
+                </a:solidFill>
+                <a:latin typeface="Consolas" pitchFamily="49" charset="0"/>
+                <a:cs typeface="Consolas" pitchFamily="49" charset="0"/>
+              </a:rPr>
+              <a:t>    }</a:t>
+            </a:r>
+            <a:endParaRPr lang="en-US" sz="1000" dirty="0" smtClean="0">
+              <a:solidFill>
+                <a:schemeClr val="tx1"/>
+              </a:solidFill>
+              <a:latin typeface="Consolas" pitchFamily="49" charset="0"/>
+              <a:cs typeface="Consolas" pitchFamily="49" charset="0"/>
+            </a:endParaRPr>
+          </a:p>
+          <a:p>
+            <a:endParaRPr lang="en-US" sz="1000" dirty="0" smtClean="0">
+              <a:solidFill>
+                <a:schemeClr val="tx1"/>
+              </a:solidFill>
+              <a:latin typeface="Consolas" pitchFamily="49" charset="0"/>
+              <a:cs typeface="Consolas" pitchFamily="49" charset="0"/>
+            </a:endParaRPr>
+          </a:p>
+          <a:p>
+            <a:r>
+              <a:rPr lang="en-US" sz="1000" dirty="0" smtClean="0">
+                <a:solidFill>
+                  <a:schemeClr val="tx1"/>
+                </a:solidFill>
+                <a:latin typeface="Consolas" pitchFamily="49" charset="0"/>
+                <a:cs typeface="Consolas" pitchFamily="49" charset="0"/>
+              </a:rPr>
+              <a:t>    work </a:t>
+            </a:r>
+            <a:r>
+              <a:rPr lang="en-US" sz="1000" dirty="0" smtClean="0">
+                <a:solidFill>
+                  <a:schemeClr val="tx1"/>
+                </a:solidFill>
+                <a:latin typeface="Consolas" pitchFamily="49" charset="0"/>
+                <a:cs typeface="Consolas" pitchFamily="49" charset="0"/>
+              </a:rPr>
+              <a:t>pop (width*height*3) push 2 {</a:t>
+            </a:r>
+          </a:p>
+          <a:p>
+            <a:r>
+              <a:rPr lang="en-US" sz="1000" dirty="0" smtClean="0">
+                <a:solidFill>
+                  <a:schemeClr val="tx1"/>
+                </a:solidFill>
+                <a:latin typeface="Consolas" pitchFamily="49" charset="0"/>
+                <a:cs typeface="Consolas" pitchFamily="49" charset="0"/>
+              </a:rPr>
+              <a:t>            ...</a:t>
+            </a:r>
+          </a:p>
+          <a:p>
+            <a:r>
+              <a:rPr lang="en-US" sz="1000" dirty="0" smtClean="0">
+                <a:solidFill>
+                  <a:schemeClr val="tx1"/>
+                </a:solidFill>
+                <a:latin typeface="Consolas" pitchFamily="49" charset="0"/>
+                <a:cs typeface="Consolas" pitchFamily="49" charset="0"/>
+              </a:rPr>
+              <a:t>        </a:t>
+            </a:r>
+            <a:r>
+              <a:rPr lang="en-US" sz="1000" dirty="0" err="1" smtClean="0">
+                <a:solidFill>
+                  <a:schemeClr val="tx1"/>
+                </a:solidFill>
+                <a:latin typeface="Consolas" pitchFamily="49" charset="0"/>
+                <a:cs typeface="Consolas" pitchFamily="49" charset="0"/>
+              </a:rPr>
+              <a:t>int</a:t>
+            </a:r>
+            <a:r>
+              <a:rPr lang="en-US" sz="1000" dirty="0" smtClean="0">
+                <a:solidFill>
+                  <a:schemeClr val="tx1"/>
+                </a:solidFill>
+                <a:latin typeface="Consolas" pitchFamily="49" charset="0"/>
+                <a:cs typeface="Consolas" pitchFamily="49" charset="0"/>
+              </a:rPr>
+              <a:t> </a:t>
+            </a:r>
+            <a:r>
+              <a:rPr lang="en-US" sz="1000" dirty="0" err="1" smtClean="0">
+                <a:solidFill>
+                  <a:schemeClr val="tx1"/>
+                </a:solidFill>
+                <a:latin typeface="Consolas" pitchFamily="49" charset="0"/>
+                <a:cs typeface="Consolas" pitchFamily="49" charset="0"/>
+              </a:rPr>
+              <a:t>framecount</a:t>
+            </a:r>
+            <a:r>
+              <a:rPr lang="en-US" sz="1000" dirty="0" smtClean="0">
+                <a:solidFill>
+                  <a:schemeClr val="tx1"/>
+                </a:solidFill>
+                <a:latin typeface="Consolas" pitchFamily="49" charset="0"/>
+                <a:cs typeface="Consolas" pitchFamily="49" charset="0"/>
+              </a:rPr>
+              <a:t> = </a:t>
+            </a:r>
+            <a:r>
+              <a:rPr lang="en-US" sz="1000" dirty="0" err="1" smtClean="0">
+                <a:solidFill>
+                  <a:schemeClr val="tx1"/>
+                </a:solidFill>
+                <a:latin typeface="Consolas" pitchFamily="49" charset="0"/>
+                <a:cs typeface="Consolas" pitchFamily="49" charset="0"/>
+              </a:rPr>
+              <a:t>frameno</a:t>
+            </a:r>
+            <a:r>
+              <a:rPr lang="en-US" sz="1000" dirty="0" smtClean="0">
+                <a:solidFill>
+                  <a:schemeClr val="tx1"/>
+                </a:solidFill>
+                <a:latin typeface="Consolas" pitchFamily="49" charset="0"/>
+                <a:cs typeface="Consolas" pitchFamily="49" charset="0"/>
+              </a:rPr>
+              <a:t> % 12;</a:t>
+            </a:r>
+          </a:p>
+          <a:p>
+            <a:r>
+              <a:rPr lang="en-US" sz="1000" dirty="0" smtClean="0">
+                <a:solidFill>
+                  <a:schemeClr val="tx1"/>
+                </a:solidFill>
+                <a:latin typeface="Consolas" pitchFamily="49" charset="0"/>
+                <a:cs typeface="Consolas" pitchFamily="49" charset="0"/>
+              </a:rPr>
+              <a:t>        if </a:t>
+            </a:r>
+            <a:r>
+              <a:rPr lang="en-US" sz="1000" dirty="0" smtClean="0">
+                <a:solidFill>
+                  <a:schemeClr val="tx1"/>
+                </a:solidFill>
+                <a:latin typeface="Consolas" pitchFamily="49" charset="0"/>
+                <a:cs typeface="Consolas" pitchFamily="49" charset="0"/>
+              </a:rPr>
+              <a:t>(</a:t>
+            </a:r>
+            <a:r>
+              <a:rPr lang="en-US" sz="1000" dirty="0" err="1" smtClean="0">
+                <a:solidFill>
+                  <a:schemeClr val="tx1"/>
+                </a:solidFill>
+                <a:latin typeface="Consolas" pitchFamily="49" charset="0"/>
+                <a:cs typeface="Consolas" pitchFamily="49" charset="0"/>
+              </a:rPr>
+              <a:t>framecount</a:t>
+            </a:r>
+            <a:r>
+              <a:rPr lang="en-US" sz="1000" dirty="0" smtClean="0">
+                <a:solidFill>
+                  <a:schemeClr val="tx1"/>
+                </a:solidFill>
+                <a:latin typeface="Consolas" pitchFamily="49" charset="0"/>
+                <a:cs typeface="Consolas" pitchFamily="49" charset="0"/>
+              </a:rPr>
+              <a:t> == 0) </a:t>
+            </a:r>
+            <a:r>
+              <a:rPr lang="en-US" sz="1000" dirty="0" smtClean="0">
+                <a:solidFill>
+                  <a:schemeClr val="tx1"/>
+                </a:solidFill>
+                <a:latin typeface="Consolas" pitchFamily="49" charset="0"/>
+                <a:cs typeface="Consolas" pitchFamily="49" charset="0"/>
+              </a:rPr>
+              <a:t>{</a:t>
+            </a:r>
+          </a:p>
+          <a:p>
+            <a:r>
+              <a:rPr lang="en-US" sz="1000" dirty="0" smtClean="0">
+                <a:solidFill>
+                  <a:schemeClr val="tx1"/>
+                </a:solidFill>
+                <a:latin typeface="Consolas" pitchFamily="49" charset="0"/>
+                <a:cs typeface="Consolas" pitchFamily="49" charset="0"/>
+              </a:rPr>
+              <a:t>            ...</a:t>
+            </a:r>
+            <a:endParaRPr lang="en-US" sz="1000" dirty="0" smtClean="0">
+              <a:solidFill>
+                <a:schemeClr val="tx1"/>
+              </a:solidFill>
+              <a:latin typeface="Consolas" pitchFamily="49" charset="0"/>
+              <a:cs typeface="Consolas" pitchFamily="49" charset="0"/>
+            </a:endParaRPr>
+          </a:p>
+          <a:p>
+            <a:r>
+              <a:rPr lang="en-US" sz="1000" dirty="0" smtClean="0">
+                <a:solidFill>
+                  <a:schemeClr val="tx1"/>
+                </a:solidFill>
+                <a:latin typeface="Consolas" pitchFamily="49" charset="0"/>
+                <a:cs typeface="Consolas" pitchFamily="49" charset="0"/>
+              </a:rPr>
+              <a:t>        } </a:t>
+            </a:r>
+            <a:r>
+              <a:rPr lang="en-US" sz="1000" dirty="0" smtClean="0">
+                <a:solidFill>
+                  <a:schemeClr val="tx1"/>
+                </a:solidFill>
+                <a:latin typeface="Consolas" pitchFamily="49" charset="0"/>
+                <a:cs typeface="Consolas" pitchFamily="49" charset="0"/>
+              </a:rPr>
+              <a:t>else if (</a:t>
+            </a:r>
+            <a:r>
+              <a:rPr lang="en-US" sz="1000" dirty="0" err="1" smtClean="0">
+                <a:solidFill>
+                  <a:schemeClr val="tx1"/>
+                </a:solidFill>
+                <a:latin typeface="Consolas" pitchFamily="49" charset="0"/>
+                <a:cs typeface="Consolas" pitchFamily="49" charset="0"/>
+              </a:rPr>
+              <a:t>framecount</a:t>
+            </a:r>
+            <a:r>
+              <a:rPr lang="en-US" sz="1000" dirty="0" smtClean="0">
+                <a:solidFill>
+                  <a:schemeClr val="tx1"/>
+                </a:solidFill>
+                <a:latin typeface="Consolas" pitchFamily="49" charset="0"/>
+                <a:cs typeface="Consolas" pitchFamily="49" charset="0"/>
+              </a:rPr>
+              <a:t> == 3 </a:t>
+            </a:r>
+          </a:p>
+          <a:p>
+            <a:r>
+              <a:rPr lang="en-US" sz="1000" dirty="0" smtClean="0">
+                <a:solidFill>
+                  <a:schemeClr val="tx1"/>
+                </a:solidFill>
+                <a:latin typeface="Consolas" pitchFamily="49" charset="0"/>
+                <a:cs typeface="Consolas" pitchFamily="49" charset="0"/>
+              </a:rPr>
+              <a:t>                || </a:t>
+            </a:r>
+            <a:r>
+              <a:rPr lang="en-US" sz="1000" dirty="0" err="1" smtClean="0">
+                <a:solidFill>
+                  <a:schemeClr val="tx1"/>
+                </a:solidFill>
+                <a:latin typeface="Consolas" pitchFamily="49" charset="0"/>
+                <a:cs typeface="Consolas" pitchFamily="49" charset="0"/>
+              </a:rPr>
+              <a:t>framecount</a:t>
+            </a:r>
+            <a:r>
+              <a:rPr lang="en-US" sz="1000" dirty="0" smtClean="0">
+                <a:solidFill>
+                  <a:schemeClr val="tx1"/>
+                </a:solidFill>
+                <a:latin typeface="Consolas" pitchFamily="49" charset="0"/>
+                <a:cs typeface="Consolas" pitchFamily="49" charset="0"/>
+              </a:rPr>
+              <a:t> == 6 </a:t>
+            </a:r>
+          </a:p>
+          <a:p>
+            <a:r>
+              <a:rPr lang="en-US" sz="1000" dirty="0" smtClean="0">
+                <a:solidFill>
+                  <a:schemeClr val="tx1"/>
+                </a:solidFill>
+                <a:latin typeface="Consolas" pitchFamily="49" charset="0"/>
+                <a:cs typeface="Consolas" pitchFamily="49" charset="0"/>
+              </a:rPr>
+              <a:t>                || </a:t>
+            </a:r>
+            <a:r>
+              <a:rPr lang="en-US" sz="1000" dirty="0" err="1" smtClean="0">
+                <a:solidFill>
+                  <a:schemeClr val="tx1"/>
+                </a:solidFill>
+                <a:latin typeface="Consolas" pitchFamily="49" charset="0"/>
+                <a:cs typeface="Consolas" pitchFamily="49" charset="0"/>
+              </a:rPr>
+              <a:t>framecount</a:t>
+            </a:r>
+            <a:r>
+              <a:rPr lang="en-US" sz="1000" dirty="0" smtClean="0">
+                <a:solidFill>
+                  <a:schemeClr val="tx1"/>
+                </a:solidFill>
+                <a:latin typeface="Consolas" pitchFamily="49" charset="0"/>
+                <a:cs typeface="Consolas" pitchFamily="49" charset="0"/>
+              </a:rPr>
+              <a:t> == 9) </a:t>
+            </a:r>
+            <a:r>
+              <a:rPr lang="en-US" sz="1000" dirty="0" smtClean="0">
+                <a:solidFill>
+                  <a:schemeClr val="tx1"/>
+                </a:solidFill>
+                <a:latin typeface="Consolas" pitchFamily="49" charset="0"/>
+                <a:cs typeface="Consolas" pitchFamily="49" charset="0"/>
+              </a:rPr>
+              <a:t>{</a:t>
+            </a:r>
+          </a:p>
+          <a:p>
+            <a:r>
+              <a:rPr lang="en-US" sz="1000" dirty="0" smtClean="0">
+                <a:solidFill>
+                  <a:schemeClr val="tx1"/>
+                </a:solidFill>
+                <a:latin typeface="Consolas" pitchFamily="49" charset="0"/>
+                <a:cs typeface="Consolas" pitchFamily="49" charset="0"/>
+              </a:rPr>
+              <a:t>            ...</a:t>
+            </a:r>
+            <a:endParaRPr lang="en-US" sz="1000" dirty="0" smtClean="0">
+              <a:solidFill>
+                <a:schemeClr val="tx1"/>
+              </a:solidFill>
+              <a:latin typeface="Consolas" pitchFamily="49" charset="0"/>
+              <a:cs typeface="Consolas" pitchFamily="49" charset="0"/>
+            </a:endParaRPr>
+          </a:p>
+          <a:p>
+            <a:r>
+              <a:rPr lang="en-US" sz="1000" dirty="0" smtClean="0">
+                <a:solidFill>
+                  <a:schemeClr val="tx1"/>
+                </a:solidFill>
+                <a:latin typeface="Consolas" pitchFamily="49" charset="0"/>
+                <a:cs typeface="Consolas" pitchFamily="49" charset="0"/>
+              </a:rPr>
+              <a:t>        } </a:t>
+            </a:r>
+            <a:r>
+              <a:rPr lang="en-US" sz="1000" dirty="0" smtClean="0">
+                <a:solidFill>
+                  <a:schemeClr val="tx1"/>
+                </a:solidFill>
+                <a:latin typeface="Consolas" pitchFamily="49" charset="0"/>
+                <a:cs typeface="Consolas" pitchFamily="49" charset="0"/>
+              </a:rPr>
+              <a:t>else </a:t>
+            </a:r>
+            <a:r>
+              <a:rPr lang="en-US" sz="1000" dirty="0" smtClean="0">
+                <a:solidFill>
+                  <a:schemeClr val="tx1"/>
+                </a:solidFill>
+                <a:latin typeface="Consolas" pitchFamily="49" charset="0"/>
+                <a:cs typeface="Consolas" pitchFamily="49" charset="0"/>
+              </a:rPr>
+              <a:t>{</a:t>
+            </a:r>
+          </a:p>
+          <a:p>
+            <a:r>
+              <a:rPr lang="en-US" sz="1000" dirty="0" smtClean="0">
+                <a:solidFill>
+                  <a:schemeClr val="tx1"/>
+                </a:solidFill>
+                <a:latin typeface="Consolas" pitchFamily="49" charset="0"/>
+                <a:cs typeface="Consolas" pitchFamily="49" charset="0"/>
+              </a:rPr>
+              <a:t>            ...</a:t>
+            </a:r>
+            <a:endParaRPr lang="en-US" sz="1000" dirty="0" smtClean="0">
+              <a:solidFill>
+                <a:schemeClr val="tx1"/>
+              </a:solidFill>
+              <a:latin typeface="Consolas" pitchFamily="49" charset="0"/>
+              <a:cs typeface="Consolas" pitchFamily="49" charset="0"/>
+            </a:endParaRPr>
+          </a:p>
+          <a:p>
+            <a:r>
+              <a:rPr lang="en-US" sz="1000" dirty="0" smtClean="0">
+                <a:solidFill>
+                  <a:schemeClr val="tx1"/>
+                </a:solidFill>
+                <a:latin typeface="Consolas" pitchFamily="49" charset="0"/>
+                <a:cs typeface="Consolas" pitchFamily="49" charset="0"/>
+              </a:rPr>
+              <a:t>        }</a:t>
+            </a:r>
+          </a:p>
+          <a:p>
+            <a:r>
+              <a:rPr lang="en-US" sz="1000" dirty="0" smtClean="0">
+                <a:solidFill>
+                  <a:schemeClr val="tx1"/>
+                </a:solidFill>
+                <a:latin typeface="Consolas" pitchFamily="49" charset="0"/>
+                <a:cs typeface="Consolas" pitchFamily="49" charset="0"/>
+              </a:rPr>
+              <a:t>            ...</a:t>
+            </a:r>
+          </a:p>
+          <a:p>
+            <a:r>
+              <a:rPr lang="en-US" sz="1000" dirty="0" smtClean="0">
+                <a:solidFill>
+                  <a:schemeClr val="tx1"/>
+                </a:solidFill>
+                <a:latin typeface="Consolas" pitchFamily="49" charset="0"/>
+                <a:cs typeface="Consolas" pitchFamily="49" charset="0"/>
+              </a:rPr>
+              <a:t>        </a:t>
+            </a:r>
+            <a:r>
+              <a:rPr lang="en-US" sz="1000" dirty="0" err="1" smtClean="0">
+                <a:solidFill>
+                  <a:schemeClr val="tx1"/>
+                </a:solidFill>
+                <a:latin typeface="Consolas" pitchFamily="49" charset="0"/>
+                <a:cs typeface="Consolas" pitchFamily="49" charset="0"/>
+              </a:rPr>
+              <a:t>frameno</a:t>
+            </a:r>
+            <a:r>
+              <a:rPr lang="en-US" sz="1000" dirty="0" smtClean="0">
+                <a:solidFill>
+                  <a:schemeClr val="tx1"/>
+                </a:solidFill>
+                <a:latin typeface="Consolas" pitchFamily="49" charset="0"/>
+                <a:cs typeface="Consolas" pitchFamily="49" charset="0"/>
+              </a:rPr>
+              <a:t>++;</a:t>
+            </a:r>
+          </a:p>
+          <a:p>
+            <a:r>
+              <a:rPr lang="en-US" sz="1000" dirty="0" smtClean="0">
+                <a:solidFill>
+                  <a:schemeClr val="tx1"/>
+                </a:solidFill>
+                <a:latin typeface="Consolas" pitchFamily="49" charset="0"/>
+                <a:cs typeface="Consolas" pitchFamily="49" charset="0"/>
+              </a:rPr>
+              <a:t>    }</a:t>
+            </a:r>
+            <a:endParaRPr lang="en-US" sz="1000" dirty="0" smtClean="0">
+              <a:solidFill>
+                <a:schemeClr val="tx1"/>
+              </a:solidFill>
+              <a:latin typeface="Consolas" pitchFamily="49" charset="0"/>
+              <a:cs typeface="Consolas" pitchFamily="49" charset="0"/>
+            </a:endParaRPr>
+          </a:p>
+          <a:p>
+            <a:r>
+              <a:rPr lang="en-US" sz="1000" dirty="0" smtClean="0">
+                <a:solidFill>
+                  <a:schemeClr val="tx1"/>
+                </a:solidFill>
+                <a:latin typeface="Consolas" pitchFamily="49" charset="0"/>
+                <a:cs typeface="Consolas" pitchFamily="49" charset="0"/>
+              </a:rPr>
+              <a:t>}</a:t>
+            </a:r>
+            <a:endParaRPr lang="en-US" sz="1000" dirty="0">
+              <a:solidFill>
+                <a:schemeClr val="tx1"/>
+              </a:solidFill>
+              <a:latin typeface="Consolas" pitchFamily="49" charset="0"/>
+              <a:cs typeface="Consolas" pitchFamily="49" charset="0"/>
+            </a:endParaRPr>
+          </a:p>
+        </p:txBody>
+      </p:sp>
+    </p:spTree>
+  </p:cSld>
+  <p:clrMapOvr>
+    <a:masterClrMapping/>
+  </p:clrMapOvr>
+</p:sld>
+</file>
+
 <file path=ppt/slides/slide2.xml><?xml version="1.0" encoding="utf-8"?>
 <p:sld xmlns:a="http://schemas.openxmlformats.org/drawingml/2006/main" xmlns:r="http://schemas.openxmlformats.org/officeDocument/2006/relationships" xmlns:p="http://schemas.openxmlformats.org/presentationml/2006/main">
   <p:cSld>
@@ -10107,17 +10860,7 @@
                 <a:latin typeface="Consolas" pitchFamily="49" charset="0"/>
                 <a:cs typeface="Consolas" pitchFamily="49" charset="0"/>
               </a:rPr>
-              <a:t>    </a:t>
-            </a:r>
-            <a:r>
-              <a:rPr lang="en-US" sz="1000" dirty="0" smtClean="0">
-                <a:solidFill>
-                  <a:schemeClr val="tx1"/>
-                </a:solidFill>
-                <a:latin typeface="Consolas" pitchFamily="49" charset="0"/>
-                <a:cs typeface="Consolas" pitchFamily="49" charset="0"/>
-              </a:rPr>
-              <a:t>...</a:t>
+              <a:t>    ...</a:t>
             </a:r>
           </a:p>
           <a:p>
@@ -10140,13 +10883,6 @@
               </a:rPr>
               <a:t>}</a:t>
             </a:r>
-            <a:endParaRPr lang="en-US" sz="1000" dirty="0" smtClean="0">
-              <a:solidFill>
-                <a:schemeClr val="tx1"/>
-              </a:solidFill>
-              <a:latin typeface="Consolas" pitchFamily="49" charset="0"/>
-              <a:cs typeface="Consolas" pitchFamily="49" charset="0"/>
-            </a:endParaRPr>
           </a:p>
         </p:txBody>
       </p:sp>
@@ -10229,17 +10965,7 @@
                 <a:latin typeface="Consolas" pitchFamily="49" charset="0"/>
                 <a:cs typeface="Consolas" pitchFamily="49" charset="0"/>
               </a:rPr>
-              <a:t>= </a:t>
-            </a:r>
-            <a:r>
-              <a:rPr lang="en-US" sz="1000" dirty="0" smtClean="0">
-                <a:solidFill>
-                  <a:schemeClr val="tx1"/>
-                </a:solidFill>
-                <a:latin typeface="Consolas" pitchFamily="49" charset="0"/>
-                <a:cs typeface="Consolas" pitchFamily="49" charset="0"/>
-              </a:rPr>
-              <a:t>0;      </a:t>
+              <a:t>= 0;      </a:t>
             </a:r>
           </a:p>
           <a:p>
@@ -10260,27 +10986,7 @@
                 <a:latin typeface="Consolas" pitchFamily="49" charset="0"/>
                 <a:cs typeface="Consolas" pitchFamily="49" charset="0"/>
               </a:rPr>
-              <a:t>work </a:t>
-            </a:r>
-            <a:r>
-              <a:rPr lang="en-US" sz="1000" dirty="0" smtClean="0">
-                <a:solidFill>
-                  <a:schemeClr val="tx1"/>
-                </a:solidFill>
-                <a:latin typeface="Consolas" pitchFamily="49" charset="0"/>
-                <a:cs typeface="Consolas" pitchFamily="49" charset="0"/>
-              </a:rPr>
-              <a:t>push 1 pop 1</a:t>
-            </a:r>
-            <a:r>
-              <a:rPr lang="en-US" sz="1000" dirty="0" smtClean="0">
-                <a:solidFill>
-                  <a:schemeClr val="tx1"/>
-                </a:solidFill>
-                <a:latin typeface="Consolas" pitchFamily="49" charset="0"/>
-                <a:cs typeface="Consolas" pitchFamily="49" charset="0"/>
-              </a:rPr>
-              <a:t>{</a:t>
+              <a:t>work push 1 pop 1{</a:t>
             </a:r>
           </a:p>
           <a:p>
@@ -10321,17 +11027,7 @@
                 <a:latin typeface="Consolas" pitchFamily="49" charset="0"/>
                 <a:cs typeface="Consolas" pitchFamily="49" charset="0"/>
               </a:rPr>
-              <a:t> </a:t>
-            </a:r>
-            <a:r>
-              <a:rPr lang="en-US" sz="1000" dirty="0" smtClean="0">
-                <a:solidFill>
-                  <a:schemeClr val="tx1"/>
-                </a:solidFill>
-                <a:latin typeface="Consolas" pitchFamily="49" charset="0"/>
-                <a:cs typeface="Consolas" pitchFamily="49" charset="0"/>
-              </a:rPr>
-              <a:t>counter = </a:t>
+              <a:t> counter = </a:t>
             </a:r>
             <a:r>
               <a:rPr lang="en-US" sz="1000" dirty="0" err="1" smtClean="0">
@@ -10427,13 +11123,6 @@
               </a:rPr>
               <a:t>}</a:t>
             </a:r>
-            <a:endParaRPr lang="en-US" sz="1000" dirty="0" smtClean="0">
-              <a:solidFill>
-                <a:schemeClr val="tx1"/>
-              </a:solidFill>
-              <a:latin typeface="Consolas" pitchFamily="49" charset="0"/>
-              <a:cs typeface="Consolas" pitchFamily="49" charset="0"/>
-            </a:endParaRPr>
           </a:p>
         </p:txBody>
       </p:sp>

--- a/streams/docs/induction-state-2012/figures/fission-induction.pptx
+++ b/streams/docs/induction-state-2012/figures/fission-induction.pptx
@@ -125,14 +125,24 @@
 
 <file path=ppt/charts/chart1.xml><?xml version="1.0" encoding="utf-8"?>
 <c:chartSpace xmlns:c="http://schemas.openxmlformats.org/drawingml/2006/chart" xmlns:a="http://schemas.openxmlformats.org/drawingml/2006/main" xmlns:r="http://schemas.openxmlformats.org/officeDocument/2006/relationships">
+  <c:date1904 val="0"/>
   <c:lang val="en-US"/>
-  <c:style val="3"/>
+  <c:roundedCorners val="0"/>
+  <mc:AlternateContent xmlns:mc="http://schemas.openxmlformats.org/markup-compatibility/2006">
+    <mc:Choice xmlns:c14="http://schemas.microsoft.com/office/drawing/2007/8/2/chart" Requires="c14">
+      <c14:style val="103"/>
+    </mc:Choice>
+    <mc:Fallback>
+      <c:style val="3"/>
+    </mc:Fallback>
+  </mc:AlternateContent>
   <c:chart>
     <c:autoTitleDeleted val="1"/>
     <c:plotArea>
       <c:layout/>
       <c:lineChart>
         <c:grouping val="standard"/>
+        <c:varyColors val="0"/>
         <c:ser>
           <c:idx val="0"/>
           <c:order val="0"/>
@@ -157,34 +167,34 @@
                 <c:formatCode>General</c:formatCode>
                 <c:ptCount val="10"/>
                 <c:pt idx="0">
-                  <c:v>1</c:v>
+                  <c:v>1.0</c:v>
                 </c:pt>
                 <c:pt idx="1">
-                  <c:v>2</c:v>
+                  <c:v>2.0</c:v>
                 </c:pt>
                 <c:pt idx="2">
-                  <c:v>4</c:v>
+                  <c:v>4.0</c:v>
                 </c:pt>
                 <c:pt idx="3">
-                  <c:v>8</c:v>
+                  <c:v>8.0</c:v>
                 </c:pt>
                 <c:pt idx="4">
-                  <c:v>16</c:v>
+                  <c:v>16.0</c:v>
                 </c:pt>
                 <c:pt idx="5">
-                  <c:v>32</c:v>
+                  <c:v>32.0</c:v>
                 </c:pt>
                 <c:pt idx="6">
-                  <c:v>64</c:v>
+                  <c:v>64.0</c:v>
                 </c:pt>
                 <c:pt idx="7">
-                  <c:v>128</c:v>
+                  <c:v>128.0</c:v>
                 </c:pt>
                 <c:pt idx="8">
-                  <c:v>256</c:v>
+                  <c:v>256.0</c:v>
                 </c:pt>
                 <c:pt idx="9">
-                  <c:v>512</c:v>
+                  <c:v>512.0</c:v>
                 </c:pt>
               </c:numCache>
             </c:numRef>
@@ -196,28 +206,28 @@
                 <c:formatCode>0.00</c:formatCode>
                 <c:ptCount val="10"/>
                 <c:pt idx="0">
-                  <c:v>1</c:v>
+                  <c:v>1.0</c:v>
                 </c:pt>
                 <c:pt idx="1">
-                  <c:v>1.1000000000000001</c:v>
+                  <c:v>1.1</c:v>
                 </c:pt>
                 <c:pt idx="2">
                   <c:v>1.3</c:v>
                 </c:pt>
                 <c:pt idx="3">
-                  <c:v>1.7000000000000004</c:v>
+                  <c:v>1.700000000000001</c:v>
                 </c:pt>
                 <c:pt idx="4">
                   <c:v>2.5</c:v>
                 </c:pt>
                 <c:pt idx="5">
-                  <c:v>4.0999999999999996</c:v>
+                  <c:v>4.1</c:v>
                 </c:pt>
                 <c:pt idx="6">
-                  <c:v>7.3000000000000007</c:v>
+                  <c:v>7.300000000000001</c:v>
                 </c:pt>
                 <c:pt idx="7">
-                  <c:v>13.700000000000001</c:v>
+                  <c:v>13.7</c:v>
                 </c:pt>
                 <c:pt idx="8">
                   <c:v>26.5</c:v>
@@ -228,6 +238,7 @@
               </c:numCache>
             </c:numRef>
           </c:val>
+          <c:smooth val="0"/>
         </c:ser>
         <c:ser>
           <c:idx val="1"/>
@@ -253,34 +264,34 @@
                 <c:formatCode>General</c:formatCode>
                 <c:ptCount val="10"/>
                 <c:pt idx="0">
-                  <c:v>1</c:v>
+                  <c:v>1.0</c:v>
                 </c:pt>
                 <c:pt idx="1">
-                  <c:v>2</c:v>
+                  <c:v>2.0</c:v>
                 </c:pt>
                 <c:pt idx="2">
-                  <c:v>4</c:v>
+                  <c:v>4.0</c:v>
                 </c:pt>
                 <c:pt idx="3">
-                  <c:v>8</c:v>
+                  <c:v>8.0</c:v>
                 </c:pt>
                 <c:pt idx="4">
-                  <c:v>16</c:v>
+                  <c:v>16.0</c:v>
                 </c:pt>
                 <c:pt idx="5">
-                  <c:v>32</c:v>
+                  <c:v>32.0</c:v>
                 </c:pt>
                 <c:pt idx="6">
-                  <c:v>64</c:v>
+                  <c:v>64.0</c:v>
                 </c:pt>
                 <c:pt idx="7">
-                  <c:v>128</c:v>
+                  <c:v>128.0</c:v>
                 </c:pt>
                 <c:pt idx="8">
-                  <c:v>256</c:v>
+                  <c:v>256.0</c:v>
                 </c:pt>
                 <c:pt idx="9">
-                  <c:v>512</c:v>
+                  <c:v>512.0</c:v>
                 </c:pt>
               </c:numCache>
             </c:numRef>
@@ -292,28 +303,28 @@
                 <c:formatCode>0.00</c:formatCode>
                 <c:ptCount val="10"/>
                 <c:pt idx="0">
-                  <c:v>1</c:v>
+                  <c:v>1.0</c:v>
                 </c:pt>
                 <c:pt idx="1">
                   <c:v>1.05</c:v>
                 </c:pt>
                 <c:pt idx="2">
-                  <c:v>1.1499999999999997</c:v>
+                  <c:v>1.149999999999999</c:v>
                 </c:pt>
                 <c:pt idx="3">
                   <c:v>1.35</c:v>
                 </c:pt>
                 <c:pt idx="4">
-                  <c:v>1.7500000000000002</c:v>
+                  <c:v>1.75</c:v>
                 </c:pt>
                 <c:pt idx="5">
-                  <c:v>2.5499999999999998</c:v>
+                  <c:v>2.55</c:v>
                 </c:pt>
                 <c:pt idx="6">
-                  <c:v>4.1499999999999995</c:v>
+                  <c:v>4.149999999999999</c:v>
                 </c:pt>
                 <c:pt idx="7">
-                  <c:v>7.3500000000000005</c:v>
+                  <c:v>7.35</c:v>
                 </c:pt>
                 <c:pt idx="8">
                   <c:v>13.75</c:v>
@@ -324,6 +335,7 @@
               </c:numCache>
             </c:numRef>
           </c:val>
+          <c:smooth val="0"/>
         </c:ser>
         <c:ser>
           <c:idx val="2"/>
@@ -349,34 +361,34 @@
                 <c:formatCode>General</c:formatCode>
                 <c:ptCount val="10"/>
                 <c:pt idx="0">
-                  <c:v>1</c:v>
+                  <c:v>1.0</c:v>
                 </c:pt>
                 <c:pt idx="1">
-                  <c:v>2</c:v>
+                  <c:v>2.0</c:v>
                 </c:pt>
                 <c:pt idx="2">
-                  <c:v>4</c:v>
+                  <c:v>4.0</c:v>
                 </c:pt>
                 <c:pt idx="3">
-                  <c:v>8</c:v>
+                  <c:v>8.0</c:v>
                 </c:pt>
                 <c:pt idx="4">
-                  <c:v>16</c:v>
+                  <c:v>16.0</c:v>
                 </c:pt>
                 <c:pt idx="5">
-                  <c:v>32</c:v>
+                  <c:v>32.0</c:v>
                 </c:pt>
                 <c:pt idx="6">
-                  <c:v>64</c:v>
+                  <c:v>64.0</c:v>
                 </c:pt>
                 <c:pt idx="7">
-                  <c:v>128</c:v>
+                  <c:v>128.0</c:v>
                 </c:pt>
                 <c:pt idx="8">
-                  <c:v>256</c:v>
+                  <c:v>256.0</c:v>
                 </c:pt>
                 <c:pt idx="9">
-                  <c:v>512</c:v>
+                  <c:v>512.0</c:v>
                 </c:pt>
               </c:numCache>
             </c:numRef>
@@ -388,13 +400,13 @@
                 <c:formatCode>0.00</c:formatCode>
                 <c:ptCount val="10"/>
                 <c:pt idx="0">
-                  <c:v>1</c:v>
+                  <c:v>1.0</c:v>
                 </c:pt>
                 <c:pt idx="1">
                   <c:v>1.03</c:v>
                 </c:pt>
                 <c:pt idx="2">
-                  <c:v>1.0900000000000001</c:v>
+                  <c:v>1.09</c:v>
                 </c:pt>
                 <c:pt idx="3">
                   <c:v>1.21</c:v>
@@ -406,20 +418,21 @@
                   <c:v>1.93</c:v>
                 </c:pt>
                 <c:pt idx="6">
-                  <c:v>2.8899999999999997</c:v>
+                  <c:v>2.89</c:v>
                 </c:pt>
                 <c:pt idx="7">
-                  <c:v>4.8100000000000005</c:v>
+                  <c:v>4.81</c:v>
                 </c:pt>
                 <c:pt idx="8">
                   <c:v>8.65</c:v>
                 </c:pt>
                 <c:pt idx="9">
-                  <c:v>16.329999999999995</c:v>
+                  <c:v>16.32999999999999</c:v>
                 </c:pt>
               </c:numCache>
             </c:numRef>
           </c:val>
+          <c:smooth val="0"/>
         </c:ser>
         <c:ser>
           <c:idx val="3"/>
@@ -445,34 +458,34 @@
                 <c:formatCode>General</c:formatCode>
                 <c:ptCount val="10"/>
                 <c:pt idx="0">
-                  <c:v>1</c:v>
+                  <c:v>1.0</c:v>
                 </c:pt>
                 <c:pt idx="1">
-                  <c:v>2</c:v>
+                  <c:v>2.0</c:v>
                 </c:pt>
                 <c:pt idx="2">
-                  <c:v>4</c:v>
+                  <c:v>4.0</c:v>
                 </c:pt>
                 <c:pt idx="3">
-                  <c:v>8</c:v>
+                  <c:v>8.0</c:v>
                 </c:pt>
                 <c:pt idx="4">
-                  <c:v>16</c:v>
+                  <c:v>16.0</c:v>
                 </c:pt>
                 <c:pt idx="5">
-                  <c:v>32</c:v>
+                  <c:v>32.0</c:v>
                 </c:pt>
                 <c:pt idx="6">
-                  <c:v>64</c:v>
+                  <c:v>64.0</c:v>
                 </c:pt>
                 <c:pt idx="7">
-                  <c:v>128</c:v>
+                  <c:v>128.0</c:v>
                 </c:pt>
                 <c:pt idx="8">
-                  <c:v>256</c:v>
+                  <c:v>256.0</c:v>
                 </c:pt>
                 <c:pt idx="9">
-                  <c:v>512</c:v>
+                  <c:v>512.0</c:v>
                 </c:pt>
               </c:numCache>
             </c:numRef>
@@ -484,7 +497,7 @@
                 <c:formatCode>0.00</c:formatCode>
                 <c:ptCount val="10"/>
                 <c:pt idx="0">
-                  <c:v>1</c:v>
+                  <c:v>1.0</c:v>
                 </c:pt>
                 <c:pt idx="1">
                   <c:v>1.01</c:v>
@@ -496,36 +509,47 @@
                   <c:v>1.07</c:v>
                 </c:pt>
                 <c:pt idx="4">
-                  <c:v>1.1499999999999997</c:v>
+                  <c:v>1.149999999999999</c:v>
                 </c:pt>
                 <c:pt idx="5">
                   <c:v>1.31</c:v>
                 </c:pt>
                 <c:pt idx="6">
-                  <c:v>1.6300000000000001</c:v>
+                  <c:v>1.63</c:v>
                 </c:pt>
                 <c:pt idx="7">
                   <c:v>2.27</c:v>
                 </c:pt>
                 <c:pt idx="8">
-                  <c:v>3.5500000000000003</c:v>
+                  <c:v>3.55</c:v>
                 </c:pt>
                 <c:pt idx="9">
-                  <c:v>6.1099999999999994</c:v>
+                  <c:v>6.109999999999999</c:v>
                 </c:pt>
               </c:numCache>
             </c:numRef>
           </c:val>
+          <c:smooth val="0"/>
         </c:ser>
+        <c:dLbls>
+          <c:showLegendKey val="0"/>
+          <c:showVal val="0"/>
+          <c:showCatName val="0"/>
+          <c:showSerName val="0"/>
+          <c:showPercent val="0"/>
+          <c:showBubbleSize val="0"/>
+        </c:dLbls>
         <c:marker val="1"/>
-        <c:axId val="61566976"/>
-        <c:axId val="61568896"/>
+        <c:smooth val="0"/>
+        <c:axId val="702943064"/>
+        <c:axId val="564393464"/>
       </c:lineChart>
       <c:catAx>
-        <c:axId val="61566976"/>
+        <c:axId val="702943064"/>
         <c:scaling>
           <c:orientation val="minMax"/>
         </c:scaling>
+        <c:delete val="0"/>
         <c:axPos val="b"/>
         <c:title>
           <c:tx>
@@ -544,21 +568,25 @@
             </c:rich>
           </c:tx>
           <c:layout/>
+          <c:overlay val="0"/>
         </c:title>
         <c:numFmt formatCode="General" sourceLinked="1"/>
         <c:majorTickMark val="none"/>
+        <c:minorTickMark val="none"/>
         <c:tickLblPos val="nextTo"/>
-        <c:crossAx val="61568896"/>
+        <c:crossAx val="564393464"/>
         <c:crosses val="autoZero"/>
         <c:auto val="1"/>
         <c:lblAlgn val="ctr"/>
         <c:lblOffset val="100"/>
+        <c:noMultiLvlLbl val="0"/>
       </c:catAx>
       <c:valAx>
-        <c:axId val="61568896"/>
+        <c:axId val="564393464"/>
         <c:scaling>
           <c:orientation val="minMax"/>
         </c:scaling>
+        <c:delete val="0"/>
         <c:axPos val="l"/>
         <c:majorGridlines/>
         <c:title>
@@ -578,11 +606,13 @@
             </c:rich>
           </c:tx>
           <c:layout/>
+          <c:overlay val="0"/>
         </c:title>
         <c:numFmt formatCode="0" sourceLinked="0"/>
         <c:majorTickMark val="none"/>
+        <c:minorTickMark val="none"/>
         <c:tickLblPos val="nextTo"/>
-        <c:crossAx val="61566976"/>
+        <c:crossAx val="702943064"/>
         <c:crosses val="autoZero"/>
         <c:crossBetween val="between"/>
       </c:valAx>
@@ -593,10 +623,10 @@
         <c:manualLayout>
           <c:xMode val="edge"/>
           <c:yMode val="edge"/>
-          <c:x val="0.19444444444444464"/>
-          <c:y val="0.13349154272382621"/>
-          <c:w val="0.13136111111111121"/>
-          <c:h val="0.33486876640419982"/>
+          <c:x val="0.194444444444445"/>
+          <c:y val="0.133491542723826"/>
+          <c:w val="0.131361111111111"/>
+          <c:h val="0.3348687664042"/>
         </c:manualLayout>
       </c:layout>
       <c:overlay val="1"/>
@@ -612,8 +642,12 @@
       </c:spPr>
     </c:legend>
     <c:plotVisOnly val="1"/>
+    <c:dispBlanksAs val="gap"/>
+    <c:showDLblsOverMax val="0"/>
   </c:chart>
-  <c:externalData r:id="rId1"/>
+  <c:externalData r:id="rId1">
+    <c:autoUpdate val="0"/>
+  </c:externalData>
 </c:chartSpace>
 </file>
 
@@ -700,7 +734,7 @@
             <a:fld id="{D6533938-991C-4101-B477-6C06EA2D34CE}" type="datetimeFigureOut">
               <a:rPr lang="en-US" smtClean="0"/>
               <a:pPr/>
-              <a:t>4/9/2012</a:t>
+              <a:t>4/11/12</a:t>
             </a:fld>
             <a:endParaRPr lang="en-US"/>
           </a:p>
@@ -774,6 +808,11 @@
         </p:txBody>
       </p:sp>
     </p:spTree>
+    <p:extLst>
+      <p:ext uri="{BB962C8B-B14F-4D97-AF65-F5344CB8AC3E}">
+        <p14:creationId xmlns:p14="http://schemas.microsoft.com/office/powerpoint/2010/main" val="44451174"/>
+      </p:ext>
+    </p:extLst>
   </p:cSld>
   <p:clrMap bg1="lt1" tx1="dk1" bg2="lt2" tx2="dk2" accent1="accent1" accent2="accent2" accent3="accent3" accent4="accent4" accent5="accent5" accent6="accent6" hlink="hlink" folHlink="folHlink"/>
 </p:handoutMaster>
@@ -862,7 +901,7 @@
             <a:fld id="{091C2A66-BC0F-40E7-AC34-159177E24112}" type="datetimeFigureOut">
               <a:rPr lang="en-US" smtClean="0"/>
               <a:pPr/>
-              <a:t>4/9/2012</a:t>
+              <a:t>4/11/12</a:t>
             </a:fld>
             <a:endParaRPr lang="en-US"/>
           </a:p>
@@ -1031,6 +1070,11 @@
         </p:txBody>
       </p:sp>
     </p:spTree>
+    <p:extLst>
+      <p:ext uri="{BB962C8B-B14F-4D97-AF65-F5344CB8AC3E}">
+        <p14:creationId xmlns:p14="http://schemas.microsoft.com/office/powerpoint/2010/main" val="751896744"/>
+      </p:ext>
+    </p:extLst>
   </p:cSld>
   <p:clrMap bg1="lt1" tx1="dk1" bg2="lt2" tx2="dk2" accent1="accent1" accent2="accent2" accent3="accent3" accent4="accent4" accent5="accent5" accent6="accent6" hlink="hlink" folHlink="folHlink"/>
   <p:notesStyle>
@@ -1474,7 +1518,7 @@
             <a:fld id="{132E68CD-F5A8-4944-A4F2-71B895E02366}" type="datetimeFigureOut">
               <a:rPr lang="en-US" smtClean="0"/>
               <a:pPr/>
-              <a:t>4/9/2012</a:t>
+              <a:t>4/11/12</a:t>
             </a:fld>
             <a:endParaRPr lang="en-US"/>
           </a:p>
@@ -1641,7 +1685,7 @@
             <a:fld id="{132E68CD-F5A8-4944-A4F2-71B895E02366}" type="datetimeFigureOut">
               <a:rPr lang="en-US" smtClean="0"/>
               <a:pPr/>
-              <a:t>4/9/2012</a:t>
+              <a:t>4/11/12</a:t>
             </a:fld>
             <a:endParaRPr lang="en-US"/>
           </a:p>
@@ -1818,7 +1862,7 @@
             <a:fld id="{132E68CD-F5A8-4944-A4F2-71B895E02366}" type="datetimeFigureOut">
               <a:rPr lang="en-US" smtClean="0"/>
               <a:pPr/>
-              <a:t>4/9/2012</a:t>
+              <a:t>4/11/12</a:t>
             </a:fld>
             <a:endParaRPr lang="en-US"/>
           </a:p>
@@ -1985,7 +2029,7 @@
             <a:fld id="{132E68CD-F5A8-4944-A4F2-71B895E02366}" type="datetimeFigureOut">
               <a:rPr lang="en-US" smtClean="0"/>
               <a:pPr/>
-              <a:t>4/9/2012</a:t>
+              <a:t>4/11/12</a:t>
             </a:fld>
             <a:endParaRPr lang="en-US"/>
           </a:p>
@@ -2228,7 +2272,7 @@
             <a:fld id="{132E68CD-F5A8-4944-A4F2-71B895E02366}" type="datetimeFigureOut">
               <a:rPr lang="en-US" smtClean="0"/>
               <a:pPr/>
-              <a:t>4/9/2012</a:t>
+              <a:t>4/11/12</a:t>
             </a:fld>
             <a:endParaRPr lang="en-US"/>
           </a:p>
@@ -2513,7 +2557,7 @@
             <a:fld id="{132E68CD-F5A8-4944-A4F2-71B895E02366}" type="datetimeFigureOut">
               <a:rPr lang="en-US" smtClean="0"/>
               <a:pPr/>
-              <a:t>4/9/2012</a:t>
+              <a:t>4/11/12</a:t>
             </a:fld>
             <a:endParaRPr lang="en-US"/>
           </a:p>
@@ -2932,7 +2976,7 @@
             <a:fld id="{132E68CD-F5A8-4944-A4F2-71B895E02366}" type="datetimeFigureOut">
               <a:rPr lang="en-US" smtClean="0"/>
               <a:pPr/>
-              <a:t>4/9/2012</a:t>
+              <a:t>4/11/12</a:t>
             </a:fld>
             <a:endParaRPr lang="en-US"/>
           </a:p>
@@ -3047,7 +3091,7 @@
             <a:fld id="{132E68CD-F5A8-4944-A4F2-71B895E02366}" type="datetimeFigureOut">
               <a:rPr lang="en-US" smtClean="0"/>
               <a:pPr/>
-              <a:t>4/9/2012</a:t>
+              <a:t>4/11/12</a:t>
             </a:fld>
             <a:endParaRPr lang="en-US"/>
           </a:p>
@@ -3139,7 +3183,7 @@
             <a:fld id="{132E68CD-F5A8-4944-A4F2-71B895E02366}" type="datetimeFigureOut">
               <a:rPr lang="en-US" smtClean="0"/>
               <a:pPr/>
-              <a:t>4/9/2012</a:t>
+              <a:t>4/11/12</a:t>
             </a:fld>
             <a:endParaRPr lang="en-US"/>
           </a:p>
@@ -3413,7 +3457,7 @@
             <a:fld id="{132E68CD-F5A8-4944-A4F2-71B895E02366}" type="datetimeFigureOut">
               <a:rPr lang="en-US" smtClean="0"/>
               <a:pPr/>
-              <a:t>4/9/2012</a:t>
+              <a:t>4/11/12</a:t>
             </a:fld>
             <a:endParaRPr lang="en-US"/>
           </a:p>
@@ -3663,7 +3707,7 @@
             <a:fld id="{132E68CD-F5A8-4944-A4F2-71B895E02366}" type="datetimeFigureOut">
               <a:rPr lang="en-US" smtClean="0"/>
               <a:pPr/>
-              <a:t>4/9/2012</a:t>
+              <a:t>4/11/12</a:t>
             </a:fld>
             <a:endParaRPr lang="en-US"/>
           </a:p>
@@ -3873,7 +3917,7 @@
             <a:fld id="{132E68CD-F5A8-4944-A4F2-71B895E02366}" type="datetimeFigureOut">
               <a:rPr lang="en-US" smtClean="0"/>
               <a:pPr/>
-              <a:t>4/9/2012</a:t>
+              <a:t>4/11/12</a:t>
             </a:fld>
             <a:endParaRPr lang="en-US"/>
           </a:p>
@@ -6915,17 +6959,7 @@
                 <a:latin typeface="Consolas" pitchFamily="49" charset="0"/>
                 <a:cs typeface="Consolas" pitchFamily="49" charset="0"/>
               </a:rPr>
-              <a:t>-</a:t>
-            </a:r>
-            <a:r>
-              <a:rPr lang="en-US" sz="1000" dirty="0" smtClean="0">
-                <a:solidFill>
-                  <a:schemeClr val="tx1"/>
-                </a:solidFill>
-                <a:latin typeface="Consolas" pitchFamily="49" charset="0"/>
-                <a:cs typeface="Consolas" pitchFamily="49" charset="0"/>
-              </a:rPr>
-              <a:t>&gt;</a:t>
+              <a:t>-&gt;</a:t>
             </a:r>
             <a:r>
               <a:rPr lang="en-US" sz="1000" dirty="0" err="1" smtClean="0">
@@ -6965,17 +6999,7 @@
                 <a:latin typeface="Consolas" pitchFamily="49" charset="0"/>
                 <a:cs typeface="Consolas" pitchFamily="49" charset="0"/>
               </a:rPr>
-              <a:t>(...) </a:t>
-            </a:r>
-            <a:r>
-              <a:rPr lang="en-US" sz="1000" dirty="0" smtClean="0">
-                <a:solidFill>
-                  <a:schemeClr val="tx1"/>
-                </a:solidFill>
-                <a:latin typeface="Consolas" pitchFamily="49" charset="0"/>
-                <a:cs typeface="Consolas" pitchFamily="49" charset="0"/>
-              </a:rPr>
-              <a:t>{</a:t>
+              <a:t>(...) {</a:t>
             </a:r>
           </a:p>
           <a:p>
@@ -7039,17 +7063,7 @@
                 <a:latin typeface="Consolas" pitchFamily="49" charset="0"/>
                 <a:cs typeface="Consolas" pitchFamily="49" charset="0"/>
               </a:rPr>
-              <a:t>    init </a:t>
-            </a:r>
-            <a:r>
-              <a:rPr lang="en-US" sz="1000" dirty="0" smtClean="0">
-                <a:solidFill>
-                  <a:schemeClr val="tx1"/>
-                </a:solidFill>
-                <a:latin typeface="Consolas" pitchFamily="49" charset="0"/>
-                <a:cs typeface="Consolas" pitchFamily="49" charset="0"/>
-              </a:rPr>
-              <a:t>{</a:t>
+              <a:t>    init {</a:t>
             </a:r>
           </a:p>
           <a:p>
@@ -7081,17 +7095,7 @@
                 <a:latin typeface="Consolas" pitchFamily="49" charset="0"/>
                 <a:cs typeface="Consolas" pitchFamily="49" charset="0"/>
               </a:rPr>
-              <a:t> </a:t>
-            </a:r>
-            <a:r>
-              <a:rPr lang="en-US" sz="1000" dirty="0" smtClean="0">
-                <a:solidFill>
-                  <a:schemeClr val="tx1"/>
-                </a:solidFill>
-                <a:latin typeface="Consolas" pitchFamily="49" charset="0"/>
-                <a:cs typeface="Consolas" pitchFamily="49" charset="0"/>
-              </a:rPr>
-              <a:t>= 0;</a:t>
+              <a:t> = 0;</a:t>
             </a:r>
           </a:p>
           <a:p>
@@ -7105,6 +7109,8 @@
               </a:rPr>
               <a:t>    }</a:t>
             </a:r>
+          </a:p>
+          <a:p>
             <a:endParaRPr lang="en-US" sz="1000" dirty="0" smtClean="0">
               <a:solidFill>
                 <a:schemeClr val="tx1"/>
@@ -7114,34 +7120,15 @@
             </a:endParaRPr>
           </a:p>
           <a:p>
-            <a:endParaRPr lang="en-US" sz="1000" dirty="0" smtClean="0">
-              <a:solidFill>
-                <a:schemeClr val="tx1"/>
-              </a:solidFill>
-              <a:latin typeface="Consolas" pitchFamily="49" charset="0"/>
-              <a:cs typeface="Consolas" pitchFamily="49" charset="0"/>
-            </a:endParaRPr>
-          </a:p>
-          <a:p>
-            <a:r>
-              <a:rPr lang="en-US" sz="1000" dirty="0" smtClean="0">
-                <a:solidFill>
-                  <a:schemeClr val="tx1"/>
-                </a:solidFill>
-                <a:latin typeface="Consolas" pitchFamily="49" charset="0"/>
-                <a:cs typeface="Consolas" pitchFamily="49" charset="0"/>
-              </a:rPr>
-              <a:t>    work </a:t>
-            </a:r>
-            <a:r>
-              <a:rPr lang="en-US" sz="1000" dirty="0" smtClean="0">
-                <a:solidFill>
-                  <a:schemeClr val="tx1"/>
-                </a:solidFill>
-                <a:latin typeface="Consolas" pitchFamily="49" charset="0"/>
-                <a:cs typeface="Consolas" pitchFamily="49" charset="0"/>
-              </a:rPr>
-              <a:t>pop (width*height*3) push 2 {</a:t>
+            <a:r>
+              <a:rPr lang="en-US" sz="1000" dirty="0" smtClean="0">
+                <a:solidFill>
+                  <a:schemeClr val="tx1"/>
+                </a:solidFill>
+                <a:latin typeface="Consolas" pitchFamily="49" charset="0"/>
+                <a:cs typeface="Consolas" pitchFamily="49" charset="0"/>
+              </a:rPr>
+              <a:t>    work pop (width*height*3) push 2 {</a:t>
             </a:r>
           </a:p>
           <a:p>
@@ -7237,17 +7224,7 @@
                 <a:latin typeface="Consolas" pitchFamily="49" charset="0"/>
                 <a:cs typeface="Consolas" pitchFamily="49" charset="0"/>
               </a:rPr>
-              <a:t>        if </a:t>
-            </a:r>
-            <a:r>
-              <a:rPr lang="en-US" sz="1000" dirty="0" smtClean="0">
-                <a:solidFill>
-                  <a:schemeClr val="tx1"/>
-                </a:solidFill>
-                <a:latin typeface="Consolas" pitchFamily="49" charset="0"/>
-                <a:cs typeface="Consolas" pitchFamily="49" charset="0"/>
-              </a:rPr>
-              <a:t>(</a:t>
+              <a:t>        if (</a:t>
             </a:r>
             <a:r>
               <a:rPr lang="en-US" sz="1000" dirty="0" err="1" smtClean="0">
@@ -7267,17 +7244,7 @@
                 <a:latin typeface="Consolas" pitchFamily="49" charset="0"/>
                 <a:cs typeface="Consolas" pitchFamily="49" charset="0"/>
               </a:rPr>
-              <a:t> == 0) </a:t>
-            </a:r>
-            <a:r>
-              <a:rPr lang="en-US" sz="1000" dirty="0" smtClean="0">
-                <a:solidFill>
-                  <a:schemeClr val="tx1"/>
-                </a:solidFill>
-                <a:latin typeface="Consolas" pitchFamily="49" charset="0"/>
-                <a:cs typeface="Consolas" pitchFamily="49" charset="0"/>
-              </a:rPr>
-              <a:t>{</a:t>
+              <a:t> == 0) {</a:t>
             </a:r>
           </a:p>
           <a:p>
@@ -7291,34 +7258,17 @@
               </a:rPr>
               <a:t>            ...</a:t>
             </a:r>
-            <a:endParaRPr lang="en-US" sz="1000" dirty="0" smtClean="0">
-              <a:solidFill>
-                <a:schemeClr val="tx1"/>
-              </a:solidFill>
-              <a:latin typeface="Consolas" pitchFamily="49" charset="0"/>
-              <a:cs typeface="Consolas" pitchFamily="49" charset="0"/>
-            </a:endParaRPr>
-          </a:p>
-          <a:p>
-            <a:r>
-              <a:rPr lang="en-US" sz="1000" dirty="0" smtClean="0">
-                <a:solidFill>
-                  <a:schemeClr val="tx1"/>
-                </a:solidFill>
-                <a:latin typeface="Consolas" pitchFamily="49" charset="0"/>
-                <a:cs typeface="Consolas" pitchFamily="49" charset="0"/>
-              </a:rPr>
-              <a:t>        } </a:t>
-            </a:r>
-            <a:r>
-              <a:rPr lang="en-US" sz="1000" dirty="0" smtClean="0">
-                <a:solidFill>
-                  <a:schemeClr val="tx1"/>
-                </a:solidFill>
-                <a:latin typeface="Consolas" pitchFamily="49" charset="0"/>
-                <a:cs typeface="Consolas" pitchFamily="49" charset="0"/>
-              </a:rPr>
-              <a:t>else if (</a:t>
+          </a:p>
+          <a:p>
+            <a:r>
+              <a:rPr lang="en-US" sz="1000" dirty="0" smtClean="0">
+                <a:solidFill>
+                  <a:schemeClr val="tx1"/>
+                </a:solidFill>
+                <a:latin typeface="Consolas" pitchFamily="49" charset="0"/>
+                <a:cs typeface="Consolas" pitchFamily="49" charset="0"/>
+              </a:rPr>
+              <a:t>        } else if (</a:t>
             </a:r>
             <a:r>
               <a:rPr lang="en-US" sz="1000" dirty="0" err="1" smtClean="0">
@@ -7402,17 +7352,7 @@
                 <a:latin typeface="Consolas" pitchFamily="49" charset="0"/>
                 <a:cs typeface="Consolas" pitchFamily="49" charset="0"/>
               </a:rPr>
-              <a:t> == 9) </a:t>
-            </a:r>
-            <a:r>
-              <a:rPr lang="en-US" sz="1000" dirty="0" smtClean="0">
-                <a:solidFill>
-                  <a:schemeClr val="tx1"/>
-                </a:solidFill>
-                <a:latin typeface="Consolas" pitchFamily="49" charset="0"/>
-                <a:cs typeface="Consolas" pitchFamily="49" charset="0"/>
-              </a:rPr>
-              <a:t>{</a:t>
+              <a:t> == 9) {</a:t>
             </a:r>
           </a:p>
           <a:p>
@@ -7426,44 +7366,17 @@
               </a:rPr>
               <a:t>            ...</a:t>
             </a:r>
-            <a:endParaRPr lang="en-US" sz="1000" dirty="0" smtClean="0">
-              <a:solidFill>
-                <a:schemeClr val="tx1"/>
-              </a:solidFill>
-              <a:latin typeface="Consolas" pitchFamily="49" charset="0"/>
-              <a:cs typeface="Consolas" pitchFamily="49" charset="0"/>
-            </a:endParaRPr>
-          </a:p>
-          <a:p>
-            <a:r>
-              <a:rPr lang="en-US" sz="1000" dirty="0" smtClean="0">
-                <a:solidFill>
-                  <a:schemeClr val="tx1"/>
-                </a:solidFill>
-                <a:latin typeface="Consolas" pitchFamily="49" charset="0"/>
-                <a:cs typeface="Consolas" pitchFamily="49" charset="0"/>
-              </a:rPr>
-              <a:t>        } </a:t>
-            </a:r>
-            <a:r>
-              <a:rPr lang="en-US" sz="1000" dirty="0" smtClean="0">
-                <a:solidFill>
-                  <a:schemeClr val="tx1"/>
-                </a:solidFill>
-                <a:latin typeface="Consolas" pitchFamily="49" charset="0"/>
-                <a:cs typeface="Consolas" pitchFamily="49" charset="0"/>
-              </a:rPr>
-              <a:t>else </a:t>
-            </a:r>
-            <a:r>
-              <a:rPr lang="en-US" sz="1000" dirty="0" smtClean="0">
-                <a:solidFill>
-                  <a:schemeClr val="tx1"/>
-                </a:solidFill>
-                <a:latin typeface="Consolas" pitchFamily="49" charset="0"/>
-                <a:cs typeface="Consolas" pitchFamily="49" charset="0"/>
-              </a:rPr>
-              <a:t>{</a:t>
+          </a:p>
+          <a:p>
+            <a:r>
+              <a:rPr lang="en-US" sz="1000" dirty="0" smtClean="0">
+                <a:solidFill>
+                  <a:schemeClr val="tx1"/>
+                </a:solidFill>
+                <a:latin typeface="Consolas" pitchFamily="49" charset="0"/>
+                <a:cs typeface="Consolas" pitchFamily="49" charset="0"/>
+              </a:rPr>
+              <a:t>        } else {</a:t>
             </a:r>
           </a:p>
           <a:p>
@@ -7477,13 +7390,6 @@
               </a:rPr>
               <a:t>            ...</a:t>
             </a:r>
-            <a:endParaRPr lang="en-US" sz="1000" dirty="0" smtClean="0">
-              <a:solidFill>
-                <a:schemeClr val="tx1"/>
-              </a:solidFill>
-              <a:latin typeface="Consolas" pitchFamily="49" charset="0"/>
-              <a:cs typeface="Consolas" pitchFamily="49" charset="0"/>
-            </a:endParaRPr>
           </a:p>
           <a:p>
             <a:r>
@@ -7552,13 +7458,6 @@
               </a:rPr>
               <a:t>    }</a:t>
             </a:r>
-            <a:endParaRPr lang="en-US" sz="1000" dirty="0" smtClean="0">
-              <a:solidFill>
-                <a:schemeClr val="tx1"/>
-              </a:solidFill>
-              <a:latin typeface="Consolas" pitchFamily="49" charset="0"/>
-              <a:cs typeface="Consolas" pitchFamily="49" charset="0"/>
-            </a:endParaRPr>
           </a:p>
           <a:p>
             <a:r>
@@ -10737,7 +10636,7 @@
         <p:spPr>
           <a:xfrm>
             <a:off x="2133600" y="2362200"/>
-            <a:ext cx="2071310" cy="1905000"/>
+            <a:ext cx="2071310" cy="1676400"/>
           </a:xfrm>
           <a:prstGeom prst="roundRect">
             <a:avLst/>
@@ -10777,10 +10676,48 @@
                 <a:latin typeface="Consolas" pitchFamily="49" charset="0"/>
                 <a:cs typeface="Consolas" pitchFamily="49" charset="0"/>
               </a:rPr>
-              <a:t> work push 1 pop 1{</a:t>
-            </a:r>
-          </a:p>
-          <a:p>
+              <a:t> work push </a:t>
+            </a:r>
+            <a:r>
+              <a:rPr lang="en-US" sz="1000" dirty="0">
+                <a:solidFill>
+                  <a:schemeClr val="tx1"/>
+                </a:solidFill>
+                <a:latin typeface="Consolas" pitchFamily="49" charset="0"/>
+                <a:cs typeface="Consolas" pitchFamily="49" charset="0"/>
+              </a:rPr>
+              <a:t>1</a:t>
+            </a:r>
+            <a:r>
+              <a:rPr lang="en-US" sz="1000" dirty="0" smtClean="0">
+                <a:solidFill>
+                  <a:schemeClr val="tx1"/>
+                </a:solidFill>
+                <a:latin typeface="Consolas" pitchFamily="49" charset="0"/>
+                <a:cs typeface="Consolas" pitchFamily="49" charset="0"/>
+              </a:rPr>
+              <a:t> </a:t>
+            </a:r>
+            <a:r>
+              <a:rPr lang="en-US" sz="1000" dirty="0" smtClean="0">
+                <a:solidFill>
+                  <a:schemeClr val="tx1"/>
+                </a:solidFill>
+                <a:latin typeface="Consolas" pitchFamily="49" charset="0"/>
+                <a:cs typeface="Consolas" pitchFamily="49" charset="0"/>
+              </a:rPr>
+              <a:t>pop </a:t>
+            </a:r>
+            <a:r>
+              <a:rPr lang="en-US" sz="1000" dirty="0" smtClean="0">
+                <a:solidFill>
+                  <a:schemeClr val="tx1"/>
+                </a:solidFill>
+                <a:latin typeface="Consolas" pitchFamily="49" charset="0"/>
+                <a:cs typeface="Consolas" pitchFamily="49" charset="0"/>
+              </a:rPr>
+              <a:t>1 {</a:t>
+            </a:r>
             <a:endParaRPr lang="en-US" sz="1000" dirty="0" smtClean="0">
               <a:solidFill>
                 <a:schemeClr val="tx1"/>
@@ -10790,6 +10727,15 @@
             </a:endParaRPr>
           </a:p>
           <a:p>
+            <a:endParaRPr lang="en-US" sz="1000" dirty="0" smtClean="0">
+              <a:solidFill>
+                <a:schemeClr val="tx1"/>
+              </a:solidFill>
+              <a:latin typeface="Consolas" pitchFamily="49" charset="0"/>
+              <a:cs typeface="Consolas" pitchFamily="49" charset="0"/>
+            </a:endParaRPr>
+          </a:p>
+          <a:p>
             <a:r>
               <a:rPr lang="en-US" sz="1000" dirty="0" smtClean="0">
                 <a:solidFill>
@@ -10850,6 +10796,15 @@
               </a:rPr>
               <a:t>;</a:t>
             </a:r>
+          </a:p>
+          <a:p>
+            <a:endParaRPr lang="en-US" sz="1000" dirty="0" smtClean="0">
+              <a:solidFill>
+                <a:schemeClr val="tx1"/>
+              </a:solidFill>
+              <a:latin typeface="Consolas" pitchFamily="49" charset="0"/>
+              <a:cs typeface="Consolas" pitchFamily="49" charset="0"/>
+            </a:endParaRPr>
           </a:p>
           <a:p>
             <a:r>
@@ -10895,7 +10850,7 @@
         <p:spPr>
           <a:xfrm>
             <a:off x="4648200" y="2362200"/>
-            <a:ext cx="2071310" cy="1905000"/>
+            <a:ext cx="2071310" cy="1676400"/>
           </a:xfrm>
           <a:prstGeom prst="roundRect">
             <a:avLst/>
@@ -10958,14 +10913,24 @@
               <a:t>iter</a:t>
             </a:r>
             <a:r>
-              <a:rPr lang="en-US" sz="1000" dirty="0" smtClean="0">
-                <a:solidFill>
-                  <a:schemeClr val="tx1"/>
-                </a:solidFill>
-                <a:latin typeface="Consolas" pitchFamily="49" charset="0"/>
-                <a:cs typeface="Consolas" pitchFamily="49" charset="0"/>
-              </a:rPr>
-              <a:t>= 0;      </a:t>
+              <a:rPr lang="en-US" sz="1000" smtClean="0">
+                <a:solidFill>
+                  <a:schemeClr val="tx1"/>
+                </a:solidFill>
+                <a:latin typeface="Consolas" pitchFamily="49" charset="0"/>
+                <a:cs typeface="Consolas" pitchFamily="49" charset="0"/>
+              </a:rPr>
+              <a:t> = </a:t>
+            </a:r>
+            <a:r>
+              <a:rPr lang="en-US" sz="1000" dirty="0" smtClean="0">
+                <a:solidFill>
+                  <a:schemeClr val="tx1"/>
+                </a:solidFill>
+                <a:latin typeface="Consolas" pitchFamily="49" charset="0"/>
+                <a:cs typeface="Consolas" pitchFamily="49" charset="0"/>
+              </a:rPr>
+              <a:t>0;      </a:t>
             </a:r>
           </a:p>
           <a:p>
@@ -10986,10 +10951,18 @@
                 <a:latin typeface="Consolas" pitchFamily="49" charset="0"/>
                 <a:cs typeface="Consolas" pitchFamily="49" charset="0"/>
               </a:rPr>
-              <a:t>work push 1 pop 1{</a:t>
-            </a:r>
-          </a:p>
-          <a:p>
+              <a:t>work push 1 pop </a:t>
+            </a:r>
+            <a:r>
+              <a:rPr lang="en-US" sz="1000" dirty="0" smtClean="0">
+                <a:solidFill>
+                  <a:schemeClr val="tx1"/>
+                </a:solidFill>
+                <a:latin typeface="Consolas" pitchFamily="49" charset="0"/>
+                <a:cs typeface="Consolas" pitchFamily="49" charset="0"/>
+              </a:rPr>
+              <a:t>1 {</a:t>
+            </a:r>
             <a:endParaRPr lang="en-US" sz="1000" dirty="0" smtClean="0">
               <a:solidFill>
                 <a:schemeClr val="tx1"/>
@@ -11051,18 +11024,6 @@
             </a:r>
           </a:p>
           <a:p>
-            <a:r>
-              <a:rPr lang="en-US" sz="1000" dirty="0" smtClean="0">
-                <a:solidFill>
-                  <a:schemeClr val="tx1"/>
-                </a:solidFill>
-                <a:latin typeface="Consolas" pitchFamily="49" charset="0"/>
-                <a:cs typeface="Consolas" pitchFamily="49" charset="0"/>
-              </a:rPr>
-              <a:t>    ...</a:t>
-            </a:r>
-          </a:p>
-          <a:p>
             <a:endParaRPr lang="en-US" sz="1000" dirty="0" smtClean="0">
               <a:solidFill>
                 <a:schemeClr val="tx1"/>
@@ -11080,6 +11041,27 @@
                 <a:latin typeface="Consolas" pitchFamily="49" charset="0"/>
                 <a:cs typeface="Consolas" pitchFamily="49" charset="0"/>
               </a:rPr>
+              <a:t>    ...</a:t>
+            </a:r>
+          </a:p>
+          <a:p>
+            <a:endParaRPr lang="en-US" sz="1000" dirty="0" smtClean="0">
+              <a:solidFill>
+                <a:schemeClr val="tx1"/>
+              </a:solidFill>
+              <a:latin typeface="Consolas" pitchFamily="49" charset="0"/>
+              <a:cs typeface="Consolas" pitchFamily="49" charset="0"/>
+            </a:endParaRPr>
+          </a:p>
+          <a:p>
+            <a:r>
+              <a:rPr lang="en-US" sz="1000" dirty="0" smtClean="0">
+                <a:solidFill>
+                  <a:schemeClr val="tx1"/>
+                </a:solidFill>
+                <a:latin typeface="Consolas" pitchFamily="49" charset="0"/>
+                <a:cs typeface="Consolas" pitchFamily="49" charset="0"/>
+              </a:rPr>
               <a:t>    </a:t>
             </a:r>
             <a:r>
@@ -11100,10 +11082,18 @@
                 <a:latin typeface="Consolas" pitchFamily="49" charset="0"/>
                 <a:cs typeface="Consolas" pitchFamily="49" charset="0"/>
               </a:rPr>
-              <a:t>++;</a:t>
-            </a:r>
-          </a:p>
-          <a:p>
+              <a:t>++</a:t>
+            </a:r>
+            <a:r>
+              <a:rPr lang="en-US" sz="1000" dirty="0" smtClean="0">
+                <a:solidFill>
+                  <a:schemeClr val="tx1"/>
+                </a:solidFill>
+                <a:latin typeface="Consolas" pitchFamily="49" charset="0"/>
+                <a:cs typeface="Consolas" pitchFamily="49" charset="0"/>
+              </a:rPr>
+              <a:t>;</a:t>
+            </a:r>
             <a:endParaRPr lang="en-US" sz="1000" dirty="0" smtClean="0">
               <a:solidFill>
                 <a:schemeClr val="tx1"/>
@@ -11134,7 +11124,7 @@
         </p:nvSpPr>
         <p:spPr>
           <a:xfrm>
-            <a:off x="4267200" y="3124200"/>
+            <a:off x="4267200" y="2971800"/>
             <a:ext cx="304800" cy="304800"/>
           </a:xfrm>
           <a:prstGeom prst="rightArrow">
